--- a/presentation.pptx
+++ b/presentation.pptx
@@ -9,7 +9,12 @@
     <p:sldId id="257" r:id="rId3"/>
     <p:sldId id="258" r:id="rId4"/>
     <p:sldId id="259" r:id="rId5"/>
-    <p:sldId id="260" r:id="rId6"/>
+    <p:sldId id="262" r:id="rId6"/>
+    <p:sldId id="261" r:id="rId7"/>
+    <p:sldId id="260" r:id="rId8"/>
+    <p:sldId id="263" r:id="rId9"/>
+    <p:sldId id="264" r:id="rId10"/>
+    <p:sldId id="265" r:id="rId11"/>
   </p:sldIdLst>
   <p:sldSz cx="12192000" cy="6858000"/>
   <p:notesSz cx="6858000" cy="9144000"/>
@@ -108,6 +113,11 @@
       </a:defRPr>
     </a:lvl9pPr>
   </p:defaultTextStyle>
+  <p:extLst>
+    <p:ext uri="{EFAFB233-063F-42B5-8137-9DF3F51BA10A}">
+      <p15:sldGuideLst xmlns:p15="http://schemas.microsoft.com/office/powerpoint/2012/main"/>
+    </p:ext>
+  </p:extLst>
 </p:presentation>
 </file>
 
@@ -250,7 +260,7 @@
           <a:p>
             <a:fld id="{8A2BBEBD-EE18-4698-8C3A-2B836B66980C}" type="datetimeFigureOut">
               <a:rPr lang="en-US" smtClean="0"/>
-              <a:t>11/29/2018</a:t>
+              <a:t>12/2/2018</a:t>
             </a:fld>
             <a:endParaRPr lang="en-US"/>
           </a:p>
@@ -461,7 +471,7 @@
           <a:p>
             <a:fld id="{8A2BBEBD-EE18-4698-8C3A-2B836B66980C}" type="datetimeFigureOut">
               <a:rPr lang="en-US" smtClean="0"/>
-              <a:t>11/29/2018</a:t>
+              <a:t>12/2/2018</a:t>
             </a:fld>
             <a:endParaRPr lang="en-US"/>
           </a:p>
@@ -676,7 +686,7 @@
           <a:p>
             <a:fld id="{8A2BBEBD-EE18-4698-8C3A-2B836B66980C}" type="datetimeFigureOut">
               <a:rPr lang="en-US" smtClean="0"/>
-              <a:t>11/29/2018</a:t>
+              <a:t>12/2/2018</a:t>
             </a:fld>
             <a:endParaRPr lang="en-US"/>
           </a:p>
@@ -877,7 +887,7 @@
           <a:p>
             <a:fld id="{8A2BBEBD-EE18-4698-8C3A-2B836B66980C}" type="datetimeFigureOut">
               <a:rPr lang="en-US" smtClean="0"/>
-              <a:t>11/29/2018</a:t>
+              <a:t>12/2/2018</a:t>
             </a:fld>
             <a:endParaRPr lang="en-US"/>
           </a:p>
@@ -1156,7 +1166,7 @@
           <a:p>
             <a:fld id="{8A2BBEBD-EE18-4698-8C3A-2B836B66980C}" type="datetimeFigureOut">
               <a:rPr lang="en-US" smtClean="0"/>
-              <a:t>11/29/2018</a:t>
+              <a:t>12/2/2018</a:t>
             </a:fld>
             <a:endParaRPr lang="en-US"/>
           </a:p>
@@ -1424,7 +1434,7 @@
           <a:p>
             <a:fld id="{8A2BBEBD-EE18-4698-8C3A-2B836B66980C}" type="datetimeFigureOut">
               <a:rPr lang="en-US" smtClean="0"/>
-              <a:t>11/29/2018</a:t>
+              <a:t>12/2/2018</a:t>
             </a:fld>
             <a:endParaRPr lang="en-US"/>
           </a:p>
@@ -1840,7 +1850,7 @@
           <a:p>
             <a:fld id="{8A2BBEBD-EE18-4698-8C3A-2B836B66980C}" type="datetimeFigureOut">
               <a:rPr lang="en-US" smtClean="0"/>
-              <a:t>11/29/2018</a:t>
+              <a:t>12/2/2018</a:t>
             </a:fld>
             <a:endParaRPr lang="en-US"/>
           </a:p>
@@ -1989,7 +1999,7 @@
           <a:p>
             <a:fld id="{8A2BBEBD-EE18-4698-8C3A-2B836B66980C}" type="datetimeFigureOut">
               <a:rPr lang="en-US" smtClean="0"/>
-              <a:t>11/29/2018</a:t>
+              <a:t>12/2/2018</a:t>
             </a:fld>
             <a:endParaRPr lang="en-US"/>
           </a:p>
@@ -2115,7 +2125,7 @@
           <a:p>
             <a:fld id="{8A2BBEBD-EE18-4698-8C3A-2B836B66980C}" type="datetimeFigureOut">
               <a:rPr lang="en-US" smtClean="0"/>
-              <a:t>11/29/2018</a:t>
+              <a:t>12/2/2018</a:t>
             </a:fld>
             <a:endParaRPr lang="en-US"/>
           </a:p>
@@ -2366,7 +2376,7 @@
           <a:p>
             <a:fld id="{8A2BBEBD-EE18-4698-8C3A-2B836B66980C}" type="datetimeFigureOut">
               <a:rPr lang="en-US" smtClean="0"/>
-              <a:t>11/29/2018</a:t>
+              <a:t>12/2/2018</a:t>
             </a:fld>
             <a:endParaRPr lang="en-US"/>
           </a:p>
@@ -2811,7 +2821,7 @@
           <a:p>
             <a:fld id="{8A2BBEBD-EE18-4698-8C3A-2B836B66980C}" type="datetimeFigureOut">
               <a:rPr lang="en-US" smtClean="0"/>
-              <a:t>11/29/2018</a:t>
+              <a:t>12/2/2018</a:t>
             </a:fld>
             <a:endParaRPr lang="en-US"/>
           </a:p>
@@ -3137,7 +3147,7 @@
           <a:p>
             <a:fld id="{8A2BBEBD-EE18-4698-8C3A-2B836B66980C}" type="datetimeFigureOut">
               <a:rPr lang="en-US" smtClean="0"/>
-              <a:t>11/29/2018</a:t>
+              <a:t>12/2/2018</a:t>
             </a:fld>
             <a:endParaRPr lang="en-US"/>
           </a:p>
@@ -3708,6 +3718,831 @@
 </p:sld>
 </file>
 
+<file path=ppt/slides/slide10.xml><?xml version="1.0" encoding="utf-8"?>
+<p:sld xmlns:a="http://schemas.openxmlformats.org/drawingml/2006/main" xmlns:r="http://schemas.openxmlformats.org/officeDocument/2006/relationships" xmlns:p="http://schemas.openxmlformats.org/presentationml/2006/main">
+  <p:cSld>
+    <p:spTree>
+      <p:nvGrpSpPr>
+        <p:cNvPr id="1" name=""/>
+        <p:cNvGrpSpPr/>
+        <p:nvPr/>
+      </p:nvGrpSpPr>
+      <p:grpSpPr>
+        <a:xfrm>
+          <a:off x="0" y="0"/>
+          <a:ext cx="0" cy="0"/>
+          <a:chOff x="0" y="0"/>
+          <a:chExt cx="0" cy="0"/>
+        </a:xfrm>
+      </p:grpSpPr>
+      <p:sp>
+        <p:nvSpPr>
+          <p:cNvPr id="2" name="Title 1">
+            <a:extLst>
+              <a:ext uri="{FF2B5EF4-FFF2-40B4-BE49-F238E27FC236}">
+                <a16:creationId xmlns:a16="http://schemas.microsoft.com/office/drawing/2014/main" id="{2A27A6E0-3A2C-4B4B-941B-562C43AE700F}"/>
+              </a:ext>
+            </a:extLst>
+          </p:cNvPr>
+          <p:cNvSpPr>
+            <a:spLocks noGrp="1"/>
+          </p:cNvSpPr>
+          <p:nvPr>
+            <p:ph type="title"/>
+          </p:nvPr>
+        </p:nvSpPr>
+        <p:spPr/>
+        <p:txBody>
+          <a:bodyPr/>
+          <a:lstStyle/>
+          <a:p>
+            <a:r>
+              <a:rPr lang="en-US" dirty="0"/>
+              <a:t>Prediction testing</a:t>
+            </a:r>
+          </a:p>
+        </p:txBody>
+      </p:sp>
+      <p:graphicFrame>
+        <p:nvGraphicFramePr>
+          <p:cNvPr id="4" name="Content Placeholder 3">
+            <a:extLst>
+              <a:ext uri="{FF2B5EF4-FFF2-40B4-BE49-F238E27FC236}">
+                <a16:creationId xmlns:a16="http://schemas.microsoft.com/office/drawing/2014/main" id="{81D8A4D1-ABF1-4084-8071-EBC55A054B68}"/>
+              </a:ext>
+            </a:extLst>
+          </p:cNvPr>
+          <p:cNvGraphicFramePr>
+            <a:graphicFrameLocks noGrp="1"/>
+          </p:cNvGraphicFramePr>
+          <p:nvPr>
+            <p:ph idx="1"/>
+            <p:extLst>
+              <p:ext uri="{D42A27DB-BD31-4B8C-83A1-F6EECF244321}">
+                <p14:modId xmlns:p14="http://schemas.microsoft.com/office/powerpoint/2010/main" val="3700128228"/>
+              </p:ext>
+            </p:extLst>
+          </p:nvPr>
+        </p:nvGraphicFramePr>
+        <p:xfrm>
+          <a:off x="1293813" y="2190475"/>
+          <a:ext cx="9604374" cy="2477050"/>
+        </p:xfrm>
+        <a:graphic>
+          <a:graphicData uri="http://schemas.openxmlformats.org/drawingml/2006/table">
+            <a:tbl>
+              <a:tblPr firstRow="1" bandRow="1">
+                <a:tableStyleId>{5C22544A-7EE6-4342-B048-85BDC9FD1C3A}</a:tableStyleId>
+              </a:tblPr>
+              <a:tblGrid>
+                <a:gridCol w="1103039">
+                  <a:extLst>
+                    <a:ext uri="{9D8B030D-6E8A-4147-A177-3AD203B41FA5}">
+                      <a16:colId xmlns:a16="http://schemas.microsoft.com/office/drawing/2014/main" val="2243288225"/>
+                    </a:ext>
+                  </a:extLst>
+                </a:gridCol>
+                <a:gridCol w="1749479">
+                  <a:extLst>
+                    <a:ext uri="{9D8B030D-6E8A-4147-A177-3AD203B41FA5}">
+                      <a16:colId xmlns:a16="http://schemas.microsoft.com/office/drawing/2014/main" val="3244620730"/>
+                    </a:ext>
+                  </a:extLst>
+                </a:gridCol>
+                <a:gridCol w="1576552">
+                  <a:extLst>
+                    <a:ext uri="{9D8B030D-6E8A-4147-A177-3AD203B41FA5}">
+                      <a16:colId xmlns:a16="http://schemas.microsoft.com/office/drawing/2014/main" val="1487978060"/>
+                    </a:ext>
+                  </a:extLst>
+                </a:gridCol>
+                <a:gridCol w="1213945">
+                  <a:extLst>
+                    <a:ext uri="{9D8B030D-6E8A-4147-A177-3AD203B41FA5}">
+                      <a16:colId xmlns:a16="http://schemas.microsoft.com/office/drawing/2014/main" val="305971452"/>
+                    </a:ext>
+                  </a:extLst>
+                </a:gridCol>
+                <a:gridCol w="1797269">
+                  <a:extLst>
+                    <a:ext uri="{9D8B030D-6E8A-4147-A177-3AD203B41FA5}">
+                      <a16:colId xmlns:a16="http://schemas.microsoft.com/office/drawing/2014/main" val="30027735"/>
+                    </a:ext>
+                  </a:extLst>
+                </a:gridCol>
+                <a:gridCol w="2164090">
+                  <a:extLst>
+                    <a:ext uri="{9D8B030D-6E8A-4147-A177-3AD203B41FA5}">
+                      <a16:colId xmlns:a16="http://schemas.microsoft.com/office/drawing/2014/main" val="2826496902"/>
+                    </a:ext>
+                  </a:extLst>
+                </a:gridCol>
+              </a:tblGrid>
+              <a:tr h="495410">
+                <a:tc>
+                  <a:txBody>
+                    <a:bodyPr/>
+                    <a:lstStyle/>
+                    <a:p>
+                      <a:r>
+                        <a:rPr lang="en-US" dirty="0"/>
+                        <a:t>Test</a:t>
+                      </a:r>
+                    </a:p>
+                  </a:txBody>
+                  <a:tcPr/>
+                </a:tc>
+                <a:tc>
+                  <a:txBody>
+                    <a:bodyPr/>
+                    <a:lstStyle/>
+                    <a:p>
+                      <a:r>
+                        <a:rPr lang="en-US" dirty="0"/>
+                        <a:t>hp</a:t>
+                      </a:r>
+                    </a:p>
+                  </a:txBody>
+                  <a:tcPr/>
+                </a:tc>
+                <a:tc>
+                  <a:txBody>
+                    <a:bodyPr/>
+                    <a:lstStyle/>
+                    <a:p>
+                      <a:r>
+                        <a:rPr lang="en-US" dirty="0" err="1"/>
+                        <a:t>wt</a:t>
+                      </a:r>
+                      <a:endParaRPr lang="en-US" dirty="0"/>
+                    </a:p>
+                  </a:txBody>
+                  <a:tcPr/>
+                </a:tc>
+                <a:tc>
+                  <a:txBody>
+                    <a:bodyPr/>
+                    <a:lstStyle/>
+                    <a:p>
+                      <a:r>
+                        <a:rPr lang="en-US" dirty="0"/>
+                        <a:t>vs</a:t>
+                      </a:r>
+                    </a:p>
+                  </a:txBody>
+                  <a:tcPr/>
+                </a:tc>
+                <a:tc>
+                  <a:txBody>
+                    <a:bodyPr/>
+                    <a:lstStyle/>
+                    <a:p>
+                      <a:r>
+                        <a:rPr lang="en-US" dirty="0"/>
+                        <a:t>actual</a:t>
+                      </a:r>
+                    </a:p>
+                  </a:txBody>
+                  <a:tcPr/>
+                </a:tc>
+                <a:tc>
+                  <a:txBody>
+                    <a:bodyPr/>
+                    <a:lstStyle/>
+                    <a:p>
+                      <a:r>
+                        <a:rPr lang="en-US" dirty="0"/>
+                        <a:t>prediction</a:t>
+                      </a:r>
+                    </a:p>
+                  </a:txBody>
+                  <a:tcPr/>
+                </a:tc>
+                <a:extLst>
+                  <a:ext uri="{0D108BD9-81ED-4DB2-BD59-A6C34878D82A}">
+                    <a16:rowId xmlns:a16="http://schemas.microsoft.com/office/drawing/2014/main" val="666613120"/>
+                  </a:ext>
+                </a:extLst>
+              </a:tr>
+              <a:tr h="495410">
+                <a:tc>
+                  <a:txBody>
+                    <a:bodyPr/>
+                    <a:lstStyle/>
+                    <a:p>
+                      <a:r>
+                        <a:rPr lang="en-US" dirty="0"/>
+                        <a:t>1</a:t>
+                      </a:r>
+                    </a:p>
+                  </a:txBody>
+                  <a:tcPr/>
+                </a:tc>
+                <a:tc>
+                  <a:txBody>
+                    <a:bodyPr/>
+                    <a:lstStyle/>
+                    <a:p>
+                      <a:r>
+                        <a:rPr lang="en-US" dirty="0"/>
+                        <a:t>110</a:t>
+                      </a:r>
+                    </a:p>
+                  </a:txBody>
+                  <a:tcPr/>
+                </a:tc>
+                <a:tc>
+                  <a:txBody>
+                    <a:bodyPr/>
+                    <a:lstStyle/>
+                    <a:p>
+                      <a:r>
+                        <a:rPr lang="en-US" dirty="0"/>
+                        <a:t>2.62</a:t>
+                      </a:r>
+                    </a:p>
+                  </a:txBody>
+                  <a:tcPr/>
+                </a:tc>
+                <a:tc>
+                  <a:txBody>
+                    <a:bodyPr/>
+                    <a:lstStyle/>
+                    <a:p>
+                      <a:r>
+                        <a:rPr lang="en-US" dirty="0"/>
+                        <a:t>0</a:t>
+                      </a:r>
+                    </a:p>
+                  </a:txBody>
+                  <a:tcPr/>
+                </a:tc>
+                <a:tc>
+                  <a:txBody>
+                    <a:bodyPr/>
+                    <a:lstStyle/>
+                    <a:p>
+                      <a:r>
+                        <a:rPr lang="en-US" dirty="0"/>
+                        <a:t>21</a:t>
+                      </a:r>
+                    </a:p>
+                  </a:txBody>
+                  <a:tcPr/>
+                </a:tc>
+                <a:tc>
+                  <a:txBody>
+                    <a:bodyPr/>
+                    <a:lstStyle/>
+                    <a:p>
+                      <a:r>
+                        <a:rPr lang="en-US" dirty="0"/>
+                        <a:t>22.39</a:t>
+                      </a:r>
+                    </a:p>
+                  </a:txBody>
+                  <a:tcPr/>
+                </a:tc>
+                <a:extLst>
+                  <a:ext uri="{0D108BD9-81ED-4DB2-BD59-A6C34878D82A}">
+                    <a16:rowId xmlns:a16="http://schemas.microsoft.com/office/drawing/2014/main" val="3658737249"/>
+                  </a:ext>
+                </a:extLst>
+              </a:tr>
+              <a:tr h="495410">
+                <a:tc>
+                  <a:txBody>
+                    <a:bodyPr/>
+                    <a:lstStyle/>
+                    <a:p>
+                      <a:r>
+                        <a:rPr lang="en-US" dirty="0"/>
+                        <a:t>2</a:t>
+                      </a:r>
+                    </a:p>
+                  </a:txBody>
+                  <a:tcPr/>
+                </a:tc>
+                <a:tc>
+                  <a:txBody>
+                    <a:bodyPr/>
+                    <a:lstStyle/>
+                    <a:p>
+                      <a:r>
+                        <a:rPr lang="en-US" dirty="0"/>
+                        <a:t>245</a:t>
+                      </a:r>
+                    </a:p>
+                  </a:txBody>
+                  <a:tcPr/>
+                </a:tc>
+                <a:tc>
+                  <a:txBody>
+                    <a:bodyPr/>
+                    <a:lstStyle/>
+                    <a:p>
+                      <a:r>
+                        <a:rPr lang="en-US" dirty="0"/>
+                        <a:t>3.57</a:t>
+                      </a:r>
+                    </a:p>
+                  </a:txBody>
+                  <a:tcPr/>
+                </a:tc>
+                <a:tc>
+                  <a:txBody>
+                    <a:bodyPr/>
+                    <a:lstStyle/>
+                    <a:p>
+                      <a:r>
+                        <a:rPr lang="en-US" dirty="0"/>
+                        <a:t>0</a:t>
+                      </a:r>
+                    </a:p>
+                  </a:txBody>
+                  <a:tcPr/>
+                </a:tc>
+                <a:tc>
+                  <a:txBody>
+                    <a:bodyPr/>
+                    <a:lstStyle/>
+                    <a:p>
+                      <a:r>
+                        <a:rPr lang="en-US" dirty="0"/>
+                        <a:t>14.3</a:t>
+                      </a:r>
+                    </a:p>
+                  </a:txBody>
+                  <a:tcPr/>
+                </a:tc>
+                <a:tc>
+                  <a:txBody>
+                    <a:bodyPr/>
+                    <a:lstStyle/>
+                    <a:p>
+                      <a:r>
+                        <a:rPr lang="en-US" dirty="0"/>
+                        <a:t>15.45</a:t>
+                      </a:r>
+                    </a:p>
+                  </a:txBody>
+                  <a:tcPr/>
+                </a:tc>
+                <a:extLst>
+                  <a:ext uri="{0D108BD9-81ED-4DB2-BD59-A6C34878D82A}">
+                    <a16:rowId xmlns:a16="http://schemas.microsoft.com/office/drawing/2014/main" val="1023359490"/>
+                  </a:ext>
+                </a:extLst>
+              </a:tr>
+              <a:tr h="495410">
+                <a:tc>
+                  <a:txBody>
+                    <a:bodyPr/>
+                    <a:lstStyle/>
+                    <a:p>
+                      <a:r>
+                        <a:rPr lang="en-US" dirty="0"/>
+                        <a:t>3</a:t>
+                      </a:r>
+                    </a:p>
+                  </a:txBody>
+                  <a:tcPr/>
+                </a:tc>
+                <a:tc>
+                  <a:txBody>
+                    <a:bodyPr/>
+                    <a:lstStyle/>
+                    <a:p>
+                      <a:r>
+                        <a:rPr lang="en-US" dirty="0"/>
+                        <a:t>93</a:t>
+                      </a:r>
+                    </a:p>
+                  </a:txBody>
+                  <a:tcPr/>
+                </a:tc>
+                <a:tc>
+                  <a:txBody>
+                    <a:bodyPr/>
+                    <a:lstStyle/>
+                    <a:p>
+                      <a:r>
+                        <a:rPr lang="en-US" dirty="0"/>
+                        <a:t>2.32</a:t>
+                      </a:r>
+                    </a:p>
+                  </a:txBody>
+                  <a:tcPr/>
+                </a:tc>
+                <a:tc>
+                  <a:txBody>
+                    <a:bodyPr/>
+                    <a:lstStyle/>
+                    <a:p>
+                      <a:r>
+                        <a:rPr lang="en-US" dirty="0"/>
+                        <a:t>1</a:t>
+                      </a:r>
+                    </a:p>
+                  </a:txBody>
+                  <a:tcPr/>
+                </a:tc>
+                <a:tc>
+                  <a:txBody>
+                    <a:bodyPr/>
+                    <a:lstStyle/>
+                    <a:p>
+                      <a:r>
+                        <a:rPr lang="en-US" dirty="0"/>
+                        <a:t>22.8</a:t>
+                      </a:r>
+                    </a:p>
+                  </a:txBody>
+                  <a:tcPr/>
+                </a:tc>
+                <a:tc>
+                  <a:txBody>
+                    <a:bodyPr/>
+                    <a:lstStyle/>
+                    <a:p>
+                      <a:r>
+                        <a:rPr lang="en-US" dirty="0"/>
+                        <a:t>25.84</a:t>
+                      </a:r>
+                    </a:p>
+                  </a:txBody>
+                  <a:tcPr/>
+                </a:tc>
+                <a:extLst>
+                  <a:ext uri="{0D108BD9-81ED-4DB2-BD59-A6C34878D82A}">
+                    <a16:rowId xmlns:a16="http://schemas.microsoft.com/office/drawing/2014/main" val="1147302557"/>
+                  </a:ext>
+                </a:extLst>
+              </a:tr>
+              <a:tr h="495410">
+                <a:tc>
+                  <a:txBody>
+                    <a:bodyPr/>
+                    <a:lstStyle/>
+                    <a:p>
+                      <a:r>
+                        <a:rPr lang="en-US" dirty="0"/>
+                        <a:t>4</a:t>
+                      </a:r>
+                    </a:p>
+                  </a:txBody>
+                  <a:tcPr/>
+                </a:tc>
+                <a:tc>
+                  <a:txBody>
+                    <a:bodyPr/>
+                    <a:lstStyle/>
+                    <a:p>
+                      <a:r>
+                        <a:rPr lang="en-US" dirty="0"/>
+                        <a:t>66</a:t>
+                      </a:r>
+                    </a:p>
+                  </a:txBody>
+                  <a:tcPr/>
+                </a:tc>
+                <a:tc>
+                  <a:txBody>
+                    <a:bodyPr/>
+                    <a:lstStyle/>
+                    <a:p>
+                      <a:r>
+                        <a:rPr lang="en-US" dirty="0"/>
+                        <a:t>2.2</a:t>
+                      </a:r>
+                    </a:p>
+                  </a:txBody>
+                  <a:tcPr/>
+                </a:tc>
+                <a:tc>
+                  <a:txBody>
+                    <a:bodyPr/>
+                    <a:lstStyle/>
+                    <a:p>
+                      <a:r>
+                        <a:rPr lang="en-US" dirty="0"/>
+                        <a:t>1</a:t>
+                      </a:r>
+                    </a:p>
+                  </a:txBody>
+                  <a:tcPr/>
+                </a:tc>
+                <a:tc>
+                  <a:txBody>
+                    <a:bodyPr/>
+                    <a:lstStyle/>
+                    <a:p>
+                      <a:r>
+                        <a:rPr lang="en-US" dirty="0"/>
+                        <a:t>32.4</a:t>
+                      </a:r>
+                    </a:p>
+                  </a:txBody>
+                  <a:tcPr/>
+                </a:tc>
+                <a:tc>
+                  <a:txBody>
+                    <a:bodyPr/>
+                    <a:lstStyle/>
+                    <a:p>
+                      <a:r>
+                        <a:rPr lang="en-US" dirty="0"/>
+                        <a:t>27.95</a:t>
+                      </a:r>
+                    </a:p>
+                  </a:txBody>
+                  <a:tcPr/>
+                </a:tc>
+                <a:extLst>
+                  <a:ext uri="{0D108BD9-81ED-4DB2-BD59-A6C34878D82A}">
+                    <a16:rowId xmlns:a16="http://schemas.microsoft.com/office/drawing/2014/main" val="1335757068"/>
+                  </a:ext>
+                </a:extLst>
+              </a:tr>
+            </a:tbl>
+          </a:graphicData>
+        </a:graphic>
+      </p:graphicFrame>
+      <p:sp>
+        <p:nvSpPr>
+          <p:cNvPr id="5" name="Content Placeholder 2">
+            <a:extLst>
+              <a:ext uri="{FF2B5EF4-FFF2-40B4-BE49-F238E27FC236}">
+                <a16:creationId xmlns:a16="http://schemas.microsoft.com/office/drawing/2014/main" id="{895A779A-5952-4584-A6C0-7D33DE98B293}"/>
+              </a:ext>
+            </a:extLst>
+          </p:cNvPr>
+          <p:cNvSpPr txBox="1">
+            <a:spLocks/>
+          </p:cNvSpPr>
+          <p:nvPr/>
+        </p:nvSpPr>
+        <p:spPr>
+          <a:xfrm>
+            <a:off x="1293813" y="5004246"/>
+            <a:ext cx="9899704" cy="828995"/>
+          </a:xfrm>
+          <a:prstGeom prst="rect">
+            <a:avLst/>
+          </a:prstGeom>
+        </p:spPr>
+        <p:txBody>
+          <a:bodyPr vert="horz" lIns="91440" tIns="45720" rIns="91440" bIns="45720" rtlCol="0" anchor="t">
+            <a:normAutofit/>
+          </a:bodyPr>
+          <a:lstStyle>
+            <a:lvl1pPr marL="228600" indent="-228600" algn="l" defTabSz="914400" rtl="0" eaLnBrk="1" latinLnBrk="0" hangingPunct="1">
+              <a:lnSpc>
+                <a:spcPct val="120000"/>
+              </a:lnSpc>
+              <a:spcBef>
+                <a:spcPts val="1000"/>
+              </a:spcBef>
+              <a:buClr>
+                <a:schemeClr val="accent1"/>
+              </a:buClr>
+              <a:buSzPct val="100000"/>
+              <a:buFont typeface="Arial" panose="020B0604020202020204" pitchFamily="34" charset="0"/>
+              <a:buChar char="•"/>
+              <a:defRPr sz="2000" kern="1200">
+                <a:solidFill>
+                  <a:schemeClr val="tx1"/>
+                </a:solidFill>
+                <a:effectLst/>
+                <a:latin typeface="+mn-lt"/>
+                <a:ea typeface="+mn-ea"/>
+                <a:cs typeface="+mn-cs"/>
+              </a:defRPr>
+            </a:lvl1pPr>
+            <a:lvl2pPr marL="685800" indent="-228600" algn="l" defTabSz="914400" rtl="0" eaLnBrk="1" latinLnBrk="0" hangingPunct="1">
+              <a:lnSpc>
+                <a:spcPct val="120000"/>
+              </a:lnSpc>
+              <a:spcBef>
+                <a:spcPts val="500"/>
+              </a:spcBef>
+              <a:buClr>
+                <a:schemeClr val="accent1"/>
+              </a:buClr>
+              <a:buSzPct val="100000"/>
+              <a:buFont typeface="Arial" panose="020B0604020202020204" pitchFamily="34" charset="0"/>
+              <a:buChar char="•"/>
+              <a:defRPr sz="1800" kern="1200" cap="none" baseline="0">
+                <a:solidFill>
+                  <a:schemeClr val="tx1"/>
+                </a:solidFill>
+                <a:effectLst/>
+                <a:latin typeface="+mn-lt"/>
+                <a:ea typeface="+mn-ea"/>
+                <a:cs typeface="+mn-cs"/>
+              </a:defRPr>
+            </a:lvl2pPr>
+            <a:lvl3pPr marL="1143000" indent="-228600" algn="l" defTabSz="914400" rtl="0" eaLnBrk="1" latinLnBrk="0" hangingPunct="1">
+              <a:lnSpc>
+                <a:spcPct val="120000"/>
+              </a:lnSpc>
+              <a:spcBef>
+                <a:spcPts val="500"/>
+              </a:spcBef>
+              <a:buClr>
+                <a:schemeClr val="accent1"/>
+              </a:buClr>
+              <a:buSzPct val="100000"/>
+              <a:buFont typeface="Arial" panose="020B0604020202020204" pitchFamily="34" charset="0"/>
+              <a:buChar char="•"/>
+              <a:defRPr sz="1600" kern="1200">
+                <a:solidFill>
+                  <a:schemeClr val="tx1"/>
+                </a:solidFill>
+                <a:effectLst/>
+                <a:latin typeface="+mn-lt"/>
+                <a:ea typeface="+mn-ea"/>
+                <a:cs typeface="+mn-cs"/>
+              </a:defRPr>
+            </a:lvl3pPr>
+            <a:lvl4pPr marL="1600200" indent="-228600" algn="l" defTabSz="914400" rtl="0" eaLnBrk="1" latinLnBrk="0" hangingPunct="1">
+              <a:lnSpc>
+                <a:spcPct val="120000"/>
+              </a:lnSpc>
+              <a:spcBef>
+                <a:spcPts val="500"/>
+              </a:spcBef>
+              <a:buClr>
+                <a:schemeClr val="accent1"/>
+              </a:buClr>
+              <a:buSzPct val="100000"/>
+              <a:buFont typeface="Arial" panose="020B0604020202020204" pitchFamily="34" charset="0"/>
+              <a:buChar char="•"/>
+              <a:defRPr sz="1400" kern="1200" cap="none" baseline="0">
+                <a:solidFill>
+                  <a:schemeClr val="tx1"/>
+                </a:solidFill>
+                <a:effectLst/>
+                <a:latin typeface="+mn-lt"/>
+                <a:ea typeface="+mn-ea"/>
+                <a:cs typeface="+mn-cs"/>
+              </a:defRPr>
+            </a:lvl4pPr>
+            <a:lvl5pPr marL="2057400" indent="-228600" algn="l" defTabSz="914400" rtl="0" eaLnBrk="1" latinLnBrk="0" hangingPunct="1">
+              <a:lnSpc>
+                <a:spcPct val="120000"/>
+              </a:lnSpc>
+              <a:spcBef>
+                <a:spcPts val="500"/>
+              </a:spcBef>
+              <a:buClr>
+                <a:schemeClr val="accent1"/>
+              </a:buClr>
+              <a:buSzPct val="100000"/>
+              <a:buFont typeface="Arial" panose="020B0604020202020204" pitchFamily="34" charset="0"/>
+              <a:buChar char="•"/>
+              <a:defRPr sz="1200" kern="1200">
+                <a:solidFill>
+                  <a:schemeClr val="tx1"/>
+                </a:solidFill>
+                <a:effectLst/>
+                <a:latin typeface="+mn-lt"/>
+                <a:ea typeface="+mn-ea"/>
+                <a:cs typeface="+mn-cs"/>
+              </a:defRPr>
+            </a:lvl5pPr>
+            <a:lvl6pPr marL="2514600" indent="-228600" algn="l" defTabSz="914400" rtl="0" eaLnBrk="1" latinLnBrk="0" hangingPunct="1">
+              <a:lnSpc>
+                <a:spcPct val="120000"/>
+              </a:lnSpc>
+              <a:spcBef>
+                <a:spcPts val="500"/>
+              </a:spcBef>
+              <a:buClr>
+                <a:schemeClr val="accent1"/>
+              </a:buClr>
+              <a:buSzPct val="100000"/>
+              <a:buFont typeface="Arial" panose="020B0604020202020204" pitchFamily="34" charset="0"/>
+              <a:buChar char="•"/>
+              <a:defRPr sz="1200" kern="1200">
+                <a:solidFill>
+                  <a:schemeClr val="tx1"/>
+                </a:solidFill>
+                <a:effectLst/>
+                <a:latin typeface="+mn-lt"/>
+                <a:ea typeface="+mn-ea"/>
+                <a:cs typeface="+mn-cs"/>
+              </a:defRPr>
+            </a:lvl6pPr>
+            <a:lvl7pPr marL="2971800" indent="-228600" algn="l" defTabSz="914400" rtl="0" eaLnBrk="1" latinLnBrk="0" hangingPunct="1">
+              <a:lnSpc>
+                <a:spcPct val="120000"/>
+              </a:lnSpc>
+              <a:spcBef>
+                <a:spcPts val="500"/>
+              </a:spcBef>
+              <a:buClr>
+                <a:schemeClr val="accent1"/>
+              </a:buClr>
+              <a:buSzPct val="100000"/>
+              <a:buFont typeface="Arial" panose="020B0604020202020204" pitchFamily="34" charset="0"/>
+              <a:buChar char="•"/>
+              <a:defRPr sz="1200" kern="1200">
+                <a:solidFill>
+                  <a:schemeClr val="tx1"/>
+                </a:solidFill>
+                <a:effectLst/>
+                <a:latin typeface="+mn-lt"/>
+                <a:ea typeface="+mn-ea"/>
+                <a:cs typeface="+mn-cs"/>
+              </a:defRPr>
+            </a:lvl7pPr>
+            <a:lvl8pPr marL="3429000" indent="-228600" algn="l" defTabSz="914400" rtl="0" eaLnBrk="1" latinLnBrk="0" hangingPunct="1">
+              <a:lnSpc>
+                <a:spcPct val="120000"/>
+              </a:lnSpc>
+              <a:spcBef>
+                <a:spcPts val="500"/>
+              </a:spcBef>
+              <a:buClr>
+                <a:schemeClr val="accent1"/>
+              </a:buClr>
+              <a:buSzPct val="100000"/>
+              <a:buFont typeface="Arial" panose="020B0604020202020204" pitchFamily="34" charset="0"/>
+              <a:buChar char="•"/>
+              <a:defRPr sz="1200" kern="1200" baseline="0">
+                <a:solidFill>
+                  <a:schemeClr val="tx1"/>
+                </a:solidFill>
+                <a:effectLst/>
+                <a:latin typeface="+mn-lt"/>
+                <a:ea typeface="+mn-ea"/>
+                <a:cs typeface="+mn-cs"/>
+              </a:defRPr>
+            </a:lvl8pPr>
+            <a:lvl9pPr marL="3886200" indent="-228600" algn="l" defTabSz="914400" rtl="0" eaLnBrk="1" latinLnBrk="0" hangingPunct="1">
+              <a:lnSpc>
+                <a:spcPct val="120000"/>
+              </a:lnSpc>
+              <a:spcBef>
+                <a:spcPts val="500"/>
+              </a:spcBef>
+              <a:buClr>
+                <a:schemeClr val="accent1"/>
+              </a:buClr>
+              <a:buSzPct val="100000"/>
+              <a:buFont typeface="Arial" panose="020B0604020202020204" pitchFamily="34" charset="0"/>
+              <a:buChar char="•"/>
+              <a:defRPr sz="1200" kern="1200" baseline="0">
+                <a:solidFill>
+                  <a:schemeClr val="tx1"/>
+                </a:solidFill>
+                <a:effectLst/>
+                <a:latin typeface="+mn-lt"/>
+                <a:ea typeface="+mn-ea"/>
+                <a:cs typeface="+mn-cs"/>
+              </a:defRPr>
+            </a:lvl9pPr>
+          </a:lstStyle>
+          <a:p>
+            <a:pPr marL="0" indent="0">
+              <a:lnSpc>
+                <a:spcPct val="110000"/>
+              </a:lnSpc>
+              <a:buNone/>
+            </a:pPr>
+            <a:r>
+              <a:rPr lang="en-US" sz="1400" dirty="0"/>
+              <a:t>NOTE:</a:t>
+            </a:r>
+          </a:p>
+          <a:p>
+            <a:pPr marL="0" indent="0">
+              <a:lnSpc>
+                <a:spcPct val="110000"/>
+              </a:lnSpc>
+              <a:buNone/>
+            </a:pPr>
+            <a:r>
+              <a:rPr lang="en-US" sz="1400" dirty="0"/>
+              <a:t>	S-Type engines tend to be less accurate (probably from skew in our residual boxplot)</a:t>
+            </a:r>
+          </a:p>
+        </p:txBody>
+      </p:sp>
+    </p:spTree>
+    <p:extLst>
+      <p:ext uri="{BB962C8B-B14F-4D97-AF65-F5344CB8AC3E}">
+        <p14:creationId xmlns:p14="http://schemas.microsoft.com/office/powerpoint/2010/main" val="937495564"/>
+      </p:ext>
+    </p:extLst>
+  </p:cSld>
+  <p:clrMapOvr>
+    <a:masterClrMapping/>
+  </p:clrMapOvr>
+</p:sld>
+</file>
+
 <file path=ppt/slides/slide2.xml><?xml version="1.0" encoding="utf-8"?>
 <p:sld xmlns:a="http://schemas.openxmlformats.org/drawingml/2006/main" xmlns:r="http://schemas.openxmlformats.org/officeDocument/2006/relationships" xmlns:p="http://schemas.openxmlformats.org/presentationml/2006/main">
   <p:cSld>
@@ -5046,12 +5881,155 @@
           <a:chExt cx="0" cy="0"/>
         </a:xfrm>
       </p:grpSpPr>
+      <p:sp useBgFill="1">
+        <p:nvSpPr>
+          <p:cNvPr id="50" name="Rectangle 49">
+            <a:extLst>
+              <a:ext uri="{FF2B5EF4-FFF2-40B4-BE49-F238E27FC236}">
+                <a16:creationId xmlns:a16="http://schemas.microsoft.com/office/drawing/2014/main" id="{3193BA5C-B8F3-4972-BA54-014C48FAFA42}"/>
+              </a:ext>
+              <a:ext uri="{C183D7F6-B498-43B3-948B-1728B52AA6E4}">
+                <adec:decorative xmlns:adec="http://schemas.microsoft.com/office/drawing/2017/decorative" val="1"/>
+              </a:ext>
+            </a:extLst>
+          </p:cNvPr>
+          <p:cNvSpPr>
+            <a:spLocks noGrp="1" noRot="1" noChangeAspect="1" noMove="1" noResize="1" noEditPoints="1" noAdjustHandles="1" noChangeArrowheads="1" noChangeShapeType="1" noTextEdit="1"/>
+          </p:cNvSpPr>
+          <p:nvPr>
+            <p:extLst>
+              <p:ext uri="{386F3935-93C4-4BCD-93E2-E3B085C9AB24}">
+                <p16:designElem xmlns:p16="http://schemas.microsoft.com/office/powerpoint/2015/main" val="1"/>
+              </p:ext>
+            </p:extLst>
+          </p:nvPr>
+        </p:nvSpPr>
+        <p:spPr>
+          <a:xfrm>
+            <a:off x="2" y="0"/>
+            <a:ext cx="12191695" cy="6858000"/>
+          </a:xfrm>
+          <a:prstGeom prst="rect">
+            <a:avLst/>
+          </a:prstGeom>
+          <a:ln>
+            <a:noFill/>
+          </a:ln>
+        </p:spPr>
+        <p:style>
+          <a:lnRef idx="2">
+            <a:schemeClr val="accent1">
+              <a:shade val="50000"/>
+            </a:schemeClr>
+          </a:lnRef>
+          <a:fillRef idx="1">
+            <a:schemeClr val="accent1"/>
+          </a:fillRef>
+          <a:effectRef idx="0">
+            <a:schemeClr val="accent1"/>
+          </a:effectRef>
+          <a:fontRef idx="minor">
+            <a:schemeClr val="lt1"/>
+          </a:fontRef>
+        </p:style>
+        <p:txBody>
+          <a:bodyPr rtlCol="0" anchor="ctr"/>
+          <a:lstStyle/>
+          <a:p>
+            <a:pPr algn="ctr"/>
+            <a:endParaRPr lang="en-US"/>
+          </a:p>
+        </p:txBody>
+      </p:sp>
+      <p:cxnSp>
+        <p:nvCxnSpPr>
+          <p:cNvPr id="52" name="Straight Connector 51">
+            <a:extLst>
+              <a:ext uri="{FF2B5EF4-FFF2-40B4-BE49-F238E27FC236}">
+                <a16:creationId xmlns:a16="http://schemas.microsoft.com/office/drawing/2014/main" id="{D7162BAB-C25E-4CE9-B87C-F118DC7E7C22}"/>
+              </a:ext>
+              <a:ext uri="{C183D7F6-B498-43B3-948B-1728B52AA6E4}">
+                <adec:decorative xmlns:adec="http://schemas.microsoft.com/office/drawing/2017/decorative" val="1"/>
+              </a:ext>
+            </a:extLst>
+          </p:cNvPr>
+          <p:cNvCxnSpPr>
+            <a:cxnSpLocks noGrp="1" noRot="1" noChangeAspect="1" noMove="1" noResize="1" noEditPoints="1" noAdjustHandles="1" noChangeArrowheads="1" noChangeShapeType="1"/>
+          </p:cNvCxnSpPr>
+          <p:nvPr>
+            <p:extLst>
+              <p:ext uri="{386F3935-93C4-4BCD-93E2-E3B085C9AB24}">
+                <p16:designElem xmlns:p16="http://schemas.microsoft.com/office/powerpoint/2015/main" val="1"/>
+              </p:ext>
+            </p:extLst>
+          </p:nvPr>
+        </p:nvCxnSpPr>
+        <p:spPr>
+          <a:xfrm>
+            <a:off x="1453896" y="1847088"/>
+            <a:ext cx="3530885" cy="0"/>
+          </a:xfrm>
+          <a:prstGeom prst="line">
+            <a:avLst/>
+          </a:prstGeom>
+          <a:ln w="31750"/>
+        </p:spPr>
+        <p:style>
+          <a:lnRef idx="3">
+            <a:schemeClr val="accent1"/>
+          </a:lnRef>
+          <a:fillRef idx="0">
+            <a:schemeClr val="accent1"/>
+          </a:fillRef>
+          <a:effectRef idx="2">
+            <a:schemeClr val="accent1"/>
+          </a:effectRef>
+          <a:fontRef idx="minor">
+            <a:schemeClr val="tx1"/>
+          </a:fontRef>
+        </p:style>
+      </p:cxnSp>
       <p:sp>
         <p:nvSpPr>
-          <p:cNvPr id="40" name="Rectangle 39">
+          <p:cNvPr id="39" name="Title 1">
             <a:extLst>
               <a:ext uri="{FF2B5EF4-FFF2-40B4-BE49-F238E27FC236}">
-                <a16:creationId xmlns:a16="http://schemas.microsoft.com/office/drawing/2014/main" id="{2FAC8C30-93FA-4F99-80C4-C952D83A4950}"/>
+                <a16:creationId xmlns:a16="http://schemas.microsoft.com/office/drawing/2014/main" id="{E368E4F9-0AA4-43B5-9872-A0CDA74302C6}"/>
+              </a:ext>
+            </a:extLst>
+          </p:cNvPr>
+          <p:cNvSpPr>
+            <a:spLocks noGrp="1"/>
+          </p:cNvSpPr>
+          <p:nvPr>
+            <p:ph type="title"/>
+          </p:nvPr>
+        </p:nvSpPr>
+        <p:spPr>
+          <a:xfrm>
+            <a:off x="1451580" y="804520"/>
+            <a:ext cx="3530157" cy="1049235"/>
+          </a:xfrm>
+        </p:spPr>
+        <p:txBody>
+          <a:bodyPr>
+            <a:normAutofit/>
+          </a:bodyPr>
+          <a:lstStyle/>
+          <a:p>
+            <a:r>
+              <a:rPr lang="en-US" dirty="0"/>
+              <a:t>Correlation Matrix</a:t>
+            </a:r>
+          </a:p>
+        </p:txBody>
+      </p:sp>
+      <p:sp>
+        <p:nvSpPr>
+          <p:cNvPr id="54" name="Rectangle 53">
+            <a:extLst>
+              <a:ext uri="{FF2B5EF4-FFF2-40B4-BE49-F238E27FC236}">
+                <a16:creationId xmlns:a16="http://schemas.microsoft.com/office/drawing/2014/main" id="{05B93327-222A-4DAC-9163-371BF44CDB0C}"/>
               </a:ext>
               <a:ext uri="{C183D7F6-B498-43B3-948B-1728B52AA6E4}">
                 <adec:decorative xmlns:adec="http://schemas.microsoft.com/office/drawing/2017/decorative" val="1"/>
@@ -5111,13 +6089,384 @@
             <a:schemeClr val="lt1"/>
           </a:fontRef>
         </p:style>
+        <p:txBody>
+          <a:bodyPr rtlCol="0" anchor="ctr"/>
+          <a:lstStyle/>
+          <a:p>
+            <a:pPr lvl="0" algn="ctr"/>
+            <a:endParaRPr lang="en-US"/>
+          </a:p>
+        </p:txBody>
+      </p:sp>
+      <p:sp>
+        <p:nvSpPr>
+          <p:cNvPr id="45" name="Content Placeholder 2">
+            <a:extLst>
+              <a:ext uri="{FF2B5EF4-FFF2-40B4-BE49-F238E27FC236}">
+                <a16:creationId xmlns:a16="http://schemas.microsoft.com/office/drawing/2014/main" id="{3A89B7A6-55B9-47CF-88BF-67C4047EAA64}"/>
+              </a:ext>
+            </a:extLst>
+          </p:cNvPr>
+          <p:cNvSpPr>
+            <a:spLocks noGrp="1"/>
+          </p:cNvSpPr>
+          <p:nvPr>
+            <p:ph idx="1"/>
+          </p:nvPr>
+        </p:nvSpPr>
+        <p:spPr>
+          <a:xfrm>
+            <a:off x="1451581" y="2015732"/>
+            <a:ext cx="3526523" cy="3615540"/>
+          </a:xfrm>
+        </p:spPr>
+        <p:txBody>
+          <a:bodyPr>
+            <a:normAutofit fontScale="92500" lnSpcReduction="20000"/>
+          </a:bodyPr>
+          <a:lstStyle/>
+          <a:p>
+            <a:pPr marL="0" indent="0">
+              <a:lnSpc>
+                <a:spcPct val="110000"/>
+              </a:lnSpc>
+              <a:buNone/>
+            </a:pPr>
+            <a:r>
+              <a:rPr lang="en-US" sz="1700" dirty="0"/>
+              <a:t>NOTE:</a:t>
+            </a:r>
+          </a:p>
+          <a:p>
+            <a:pPr>
+              <a:lnSpc>
+                <a:spcPct val="110000"/>
+              </a:lnSpc>
+            </a:pPr>
+            <a:r>
+              <a:rPr lang="en-US" sz="1700" dirty="0"/>
+              <a:t>Cylinder, displacement, and weight have very strong correlations so we only use weight since it has the best correlation with MPG</a:t>
+            </a:r>
+          </a:p>
+          <a:p>
+            <a:pPr>
+              <a:lnSpc>
+                <a:spcPct val="110000"/>
+              </a:lnSpc>
+            </a:pPr>
+            <a:r>
+              <a:rPr lang="en-US" sz="1700" dirty="0"/>
+              <a:t>Hp, </a:t>
+            </a:r>
+            <a:r>
+              <a:rPr lang="en-US" sz="1700" dirty="0" err="1"/>
+              <a:t>qsec</a:t>
+            </a:r>
+            <a:r>
+              <a:rPr lang="en-US" sz="1700" dirty="0"/>
+              <a:t>, and carb have fairly strong correlations so we use hp since it has the best correlation with MPG</a:t>
+            </a:r>
+          </a:p>
+          <a:p>
+            <a:pPr>
+              <a:lnSpc>
+                <a:spcPct val="110000"/>
+              </a:lnSpc>
+            </a:pPr>
+            <a:r>
+              <a:rPr lang="en-US" sz="1700" dirty="0"/>
+              <a:t>Gear has a weaker correlation with mpg so I left it out</a:t>
+            </a:r>
+          </a:p>
+          <a:p>
+            <a:pPr>
+              <a:lnSpc>
+                <a:spcPct val="110000"/>
+              </a:lnSpc>
+            </a:pPr>
+            <a:r>
+              <a:rPr lang="en-US" sz="1700" dirty="0"/>
+              <a:t>Total of 5 Explanatory variables: 2 categorical (vs, am) | 2 numerical (hp, </a:t>
+            </a:r>
+            <a:r>
+              <a:rPr lang="en-US" sz="1700" dirty="0" err="1"/>
+              <a:t>wt</a:t>
+            </a:r>
+            <a:r>
+              <a:rPr lang="en-US" sz="1700" dirty="0"/>
+              <a:t>)</a:t>
+            </a:r>
+          </a:p>
+        </p:txBody>
+      </p:sp>
+      <p:grpSp>
+        <p:nvGrpSpPr>
+          <p:cNvPr id="56" name="Group 55">
+            <a:extLst>
+              <a:ext uri="{FF2B5EF4-FFF2-40B4-BE49-F238E27FC236}">
+                <a16:creationId xmlns:a16="http://schemas.microsoft.com/office/drawing/2014/main" id="{14EE34E3-F117-4487-8ACF-33DA65FA11B3}"/>
+              </a:ext>
+              <a:ext uri="{C183D7F6-B498-43B3-948B-1728B52AA6E4}">
+                <adec:decorative xmlns:adec="http://schemas.microsoft.com/office/drawing/2017/decorative" val="1"/>
+              </a:ext>
+            </a:extLst>
+          </p:cNvPr>
+          <p:cNvGrpSpPr>
+            <a:grpSpLocks noGrp="1" noUngrp="1" noRot="1" noChangeAspect="1" noMove="1" noResize="1"/>
+          </p:cNvGrpSpPr>
+          <p:nvPr>
+            <p:extLst>
+              <p:ext uri="{386F3935-93C4-4BCD-93E2-E3B085C9AB24}">
+                <p16:designElem xmlns:p16="http://schemas.microsoft.com/office/powerpoint/2015/main" val="1"/>
+              </p:ext>
+            </p:extLst>
+          </p:nvPr>
+        </p:nvGrpSpPr>
+        <p:grpSpPr>
+          <a:xfrm>
+            <a:off x="5460131" y="482171"/>
+            <a:ext cx="6091791" cy="5149101"/>
+            <a:chOff x="5460131" y="482171"/>
+            <a:chExt cx="6091791" cy="5149101"/>
+          </a:xfrm>
+        </p:grpSpPr>
+        <p:sp>
+          <p:nvSpPr>
+            <p:cNvPr id="57" name="Rectangle 56">
+              <a:extLst>
+                <a:ext uri="{FF2B5EF4-FFF2-40B4-BE49-F238E27FC236}">
+                  <a16:creationId xmlns:a16="http://schemas.microsoft.com/office/drawing/2014/main" id="{39ACC02C-6424-4165-93C4-E83C8E81D462}"/>
+                </a:ext>
+                <a:ext uri="{C183D7F6-B498-43B3-948B-1728B52AA6E4}">
+                  <adec:decorative xmlns:adec="http://schemas.microsoft.com/office/drawing/2017/decorative" val="1"/>
+                </a:ext>
+              </a:extLst>
+            </p:cNvPr>
+            <p:cNvSpPr/>
+            <p:nvPr>
+              <p:extLst>
+                <p:ext uri="{386F3935-93C4-4BCD-93E2-E3B085C9AB24}">
+                  <p16:designElem xmlns:p16="http://schemas.microsoft.com/office/powerpoint/2015/main" val="1"/>
+                </p:ext>
+              </p:extLst>
+            </p:nvPr>
+          </p:nvSpPr>
+          <p:spPr>
+            <a:xfrm>
+              <a:off x="5460131" y="482171"/>
+              <a:ext cx="6091791" cy="5149101"/>
+            </a:xfrm>
+            <a:prstGeom prst="rect">
+              <a:avLst/>
+            </a:prstGeom>
+            <a:gradFill>
+              <a:gsLst>
+                <a:gs pos="0">
+                  <a:srgbClr val="000001"/>
+                </a:gs>
+                <a:gs pos="100000">
+                  <a:srgbClr val="191919"/>
+                </a:gs>
+              </a:gsLst>
+            </a:gradFill>
+            <a:ln w="76200" cmpd="sng">
+              <a:noFill/>
+              <a:miter lim="800000"/>
+            </a:ln>
+            <a:effectLst>
+              <a:outerShdw blurRad="127000" dist="228600" dir="4740000" sx="98000" sy="98000" algn="tl" rotWithShape="0">
+                <a:srgbClr val="000000">
+                  <a:alpha val="34000"/>
+                </a:srgbClr>
+              </a:outerShdw>
+            </a:effectLst>
+            <a:scene3d>
+              <a:camera prst="orthographicFront"/>
+              <a:lightRig rig="threePt" dir="t"/>
+            </a:scene3d>
+            <a:sp3d>
+              <a:bevelT w="152400" h="50800" prst="softRound"/>
+            </a:sp3d>
+          </p:spPr>
+          <p:style>
+            <a:lnRef idx="1">
+              <a:schemeClr val="accent1"/>
+            </a:lnRef>
+            <a:fillRef idx="3">
+              <a:schemeClr val="accent1"/>
+            </a:fillRef>
+            <a:effectRef idx="2">
+              <a:schemeClr val="accent1"/>
+            </a:effectRef>
+            <a:fontRef idx="minor">
+              <a:schemeClr val="lt1"/>
+            </a:fontRef>
+          </p:style>
+          <p:txBody>
+            <a:bodyPr rtlCol="0" anchor="ctr"/>
+            <a:lstStyle/>
+            <a:p>
+              <a:pPr algn="ctr"/>
+              <a:endParaRPr lang="en-US"/>
+            </a:p>
+          </p:txBody>
+        </p:sp>
+        <p:sp>
+          <p:nvSpPr>
+            <p:cNvPr id="58" name="Rectangle 57">
+              <a:extLst>
+                <a:ext uri="{FF2B5EF4-FFF2-40B4-BE49-F238E27FC236}">
+                  <a16:creationId xmlns:a16="http://schemas.microsoft.com/office/drawing/2014/main" id="{C182CB9C-C978-4C9B-9AAD-8B1341897550}"/>
+                </a:ext>
+                <a:ext uri="{C183D7F6-B498-43B3-948B-1728B52AA6E4}">
+                  <adec:decorative xmlns:adec="http://schemas.microsoft.com/office/drawing/2017/decorative" val="1"/>
+                </a:ext>
+              </a:extLst>
+            </p:cNvPr>
+            <p:cNvSpPr/>
+            <p:nvPr>
+              <p:extLst>
+                <p:ext uri="{386F3935-93C4-4BCD-93E2-E3B085C9AB24}">
+                  <p16:designElem xmlns:p16="http://schemas.microsoft.com/office/powerpoint/2015/main" val="1"/>
+                </p:ext>
+              </p:extLst>
+            </p:nvPr>
+          </p:nvSpPr>
+          <p:spPr>
+            <a:xfrm>
+              <a:off x="5778956" y="812507"/>
+              <a:ext cx="5461780" cy="4466452"/>
+            </a:xfrm>
+            <a:prstGeom prst="rect">
+              <a:avLst/>
+            </a:prstGeom>
+            <a:gradFill>
+              <a:gsLst>
+                <a:gs pos="0">
+                  <a:srgbClr val="DADADA"/>
+                </a:gs>
+                <a:gs pos="100000">
+                  <a:srgbClr val="FFFFFE"/>
+                </a:gs>
+              </a:gsLst>
+              <a:lin ang="16200000" scaled="0"/>
+            </a:gradFill>
+            <a:ln w="50800" cmpd="sng">
+              <a:solidFill>
+                <a:srgbClr val="191919"/>
+              </a:solidFill>
+              <a:miter lim="800000"/>
+            </a:ln>
+            <a:effectLst>
+              <a:innerShdw blurRad="63500" dist="88900" dir="14100000">
+                <a:srgbClr val="000000">
+                  <a:alpha val="30000"/>
+                </a:srgbClr>
+              </a:innerShdw>
+            </a:effectLst>
+            <a:scene3d>
+              <a:camera prst="orthographicFront"/>
+              <a:lightRig rig="threePt" dir="t"/>
+            </a:scene3d>
+            <a:sp3d>
+              <a:bevelT prst="relaxedInset"/>
+            </a:sp3d>
+          </p:spPr>
+          <p:style>
+            <a:lnRef idx="1">
+              <a:schemeClr val="accent1"/>
+            </a:lnRef>
+            <a:fillRef idx="3">
+              <a:schemeClr val="accent1"/>
+            </a:fillRef>
+            <a:effectRef idx="2">
+              <a:schemeClr val="accent1"/>
+            </a:effectRef>
+            <a:fontRef idx="minor">
+              <a:schemeClr val="lt1"/>
+            </a:fontRef>
+          </p:style>
+          <p:txBody>
+            <a:bodyPr rtlCol="0" anchor="ctr"/>
+            <a:lstStyle/>
+            <a:p>
+              <a:pPr algn="ctr"/>
+              <a:endParaRPr lang="en-US"/>
+            </a:p>
+          </p:txBody>
+        </p:sp>
+      </p:grpSp>
+      <p:sp>
+        <p:nvSpPr>
+          <p:cNvPr id="60" name="Rectangle 59">
+            <a:extLst>
+              <a:ext uri="{FF2B5EF4-FFF2-40B4-BE49-F238E27FC236}">
+                <a16:creationId xmlns:a16="http://schemas.microsoft.com/office/drawing/2014/main" id="{56388820-A63D-463C-9DBC-060A5ABE33B6}"/>
+              </a:ext>
+              <a:ext uri="{C183D7F6-B498-43B3-948B-1728B52AA6E4}">
+                <adec:decorative xmlns:adec="http://schemas.microsoft.com/office/drawing/2017/decorative" val="1"/>
+              </a:ext>
+            </a:extLst>
+          </p:cNvPr>
+          <p:cNvSpPr>
+            <a:spLocks noGrp="1" noRot="1" noChangeAspect="1" noMove="1" noResize="1" noEditPoints="1" noAdjustHandles="1" noChangeArrowheads="1" noChangeShapeType="1" noTextEdit="1"/>
+          </p:cNvSpPr>
+          <p:nvPr>
+            <p:extLst>
+              <p:ext uri="{386F3935-93C4-4BCD-93E2-E3B085C9AB24}">
+                <p16:designElem xmlns:p16="http://schemas.microsoft.com/office/powerpoint/2015/main" val="1"/>
+              </p:ext>
+            </p:extLst>
+          </p:nvPr>
+        </p:nvSpPr>
+        <p:spPr>
+          <a:xfrm>
+            <a:off x="5942379" y="977965"/>
+            <a:ext cx="5134631" cy="4135339"/>
+          </a:xfrm>
+          <a:prstGeom prst="rect">
+            <a:avLst/>
+          </a:prstGeom>
+          <a:solidFill>
+            <a:schemeClr val="bg1"/>
+          </a:solidFill>
+          <a:ln w="6350">
+            <a:solidFill>
+              <a:schemeClr val="bg2"/>
+            </a:solidFill>
+          </a:ln>
+        </p:spPr>
+        <p:style>
+          <a:lnRef idx="2">
+            <a:schemeClr val="accent1">
+              <a:shade val="50000"/>
+            </a:schemeClr>
+          </a:lnRef>
+          <a:fillRef idx="1">
+            <a:schemeClr val="accent1"/>
+          </a:fillRef>
+          <a:effectRef idx="0">
+            <a:schemeClr val="accent1"/>
+          </a:effectRef>
+          <a:fontRef idx="minor">
+            <a:schemeClr val="lt1"/>
+          </a:fontRef>
+        </p:style>
+        <p:txBody>
+          <a:bodyPr rtlCol="0" anchor="ctr"/>
+          <a:lstStyle/>
+          <a:p>
+            <a:pPr algn="ctr"/>
+            <a:endParaRPr lang="en-US"/>
+          </a:p>
+        </p:txBody>
       </p:sp>
       <p:pic>
         <p:nvPicPr>
-          <p:cNvPr id="42" name="Picture 41">
+          <p:cNvPr id="62" name="Picture 61">
             <a:extLst>
               <a:ext uri="{FF2B5EF4-FFF2-40B4-BE49-F238E27FC236}">
-                <a16:creationId xmlns:a16="http://schemas.microsoft.com/office/drawing/2014/main" id="{F3ACDE2A-6BC1-4786-87B1-F7DA35351E7A}"/>
+                <a16:creationId xmlns:a16="http://schemas.microsoft.com/office/drawing/2014/main" id="{C04ED70F-D6FD-4EB1-A171-D30F885FE73E}"/>
               </a:ext>
               <a:ext uri="{C183D7F6-B498-43B3-948B-1728B52AA6E4}">
                 <adec:decorative xmlns:adec="http://schemas.microsoft.com/office/drawing/2017/decorative" val="1"/>
@@ -5158,10 +6507,10 @@
       </p:pic>
       <p:cxnSp>
         <p:nvCxnSpPr>
-          <p:cNvPr id="44" name="Straight Connector 43">
+          <p:cNvPr id="64" name="Straight Connector 63">
             <a:extLst>
               <a:ext uri="{FF2B5EF4-FFF2-40B4-BE49-F238E27FC236}">
-                <a16:creationId xmlns:a16="http://schemas.microsoft.com/office/drawing/2014/main" id="{0A2CC8B5-9886-4AFA-BE09-6178A4ED301A}"/>
+                <a16:creationId xmlns:a16="http://schemas.microsoft.com/office/drawing/2014/main" id="{DA26CAE9-74C4-4EDD-8A80-77F79EAA86F4}"/>
               </a:ext>
               <a:ext uri="{C183D7F6-B498-43B3-948B-1728B52AA6E4}">
                 <adec:decorative xmlns:adec="http://schemas.microsoft.com/office/drawing/2017/decorative" val="1"/>
@@ -5210,109 +6559,12 @@
           </a:fontRef>
         </p:style>
       </p:cxnSp>
-      <p:sp>
-        <p:nvSpPr>
-          <p:cNvPr id="39" name="Title 1">
+      <p:pic>
+        <p:nvPicPr>
+          <p:cNvPr id="3" name="Picture 2">
             <a:extLst>
               <a:ext uri="{FF2B5EF4-FFF2-40B4-BE49-F238E27FC236}">
-                <a16:creationId xmlns:a16="http://schemas.microsoft.com/office/drawing/2014/main" id="{E368E4F9-0AA4-43B5-9872-A0CDA74302C6}"/>
-              </a:ext>
-            </a:extLst>
-          </p:cNvPr>
-          <p:cNvSpPr>
-            <a:spLocks noGrp="1"/>
-          </p:cNvSpPr>
-          <p:nvPr>
-            <p:ph type="title"/>
-          </p:nvPr>
-        </p:nvSpPr>
-        <p:spPr>
-          <a:xfrm>
-            <a:off x="1451579" y="804519"/>
-            <a:ext cx="9603275" cy="1049235"/>
-          </a:xfrm>
-        </p:spPr>
-        <p:txBody>
-          <a:bodyPr/>
-          <a:lstStyle/>
-          <a:p>
-            <a:r>
-              <a:rPr lang="en-US" dirty="0"/>
-              <a:t>Correlation Matrix</a:t>
-            </a:r>
-          </a:p>
-        </p:txBody>
-      </p:sp>
-      <p:sp>
-        <p:nvSpPr>
-          <p:cNvPr id="45" name="Content Placeholder 2">
-            <a:extLst>
-              <a:ext uri="{FF2B5EF4-FFF2-40B4-BE49-F238E27FC236}">
-                <a16:creationId xmlns:a16="http://schemas.microsoft.com/office/drawing/2014/main" id="{3A89B7A6-55B9-47CF-88BF-67C4047EAA64}"/>
-              </a:ext>
-            </a:extLst>
-          </p:cNvPr>
-          <p:cNvSpPr>
-            <a:spLocks noGrp="1"/>
-          </p:cNvSpPr>
-          <p:nvPr>
-            <p:ph idx="1"/>
-          </p:nvPr>
-        </p:nvSpPr>
-        <p:spPr>
-          <a:xfrm>
-            <a:off x="1294362" y="3960626"/>
-            <a:ext cx="9603275" cy="1880407"/>
-          </a:xfrm>
-        </p:spPr>
-        <p:txBody>
-          <a:bodyPr>
-            <a:normAutofit lnSpcReduction="10000"/>
-          </a:bodyPr>
-          <a:lstStyle/>
-          <a:p>
-            <a:pPr marL="0" indent="0">
-              <a:buNone/>
-            </a:pPr>
-            <a:r>
-              <a:rPr lang="en-US" dirty="0"/>
-              <a:t>NOTE:</a:t>
-            </a:r>
-          </a:p>
-          <a:p>
-            <a:r>
-              <a:rPr lang="en-US" dirty="0"/>
-              <a:t>Cylinder, displacement, and weight have very similar correlations so we only use weight</a:t>
-            </a:r>
-          </a:p>
-          <a:p>
-            <a:r>
-              <a:rPr lang="en-US" dirty="0"/>
-              <a:t>Rear axel ratio, and engine type have very similar correlations so we only use engine type</a:t>
-            </a:r>
-          </a:p>
-          <a:p>
-            <a:r>
-              <a:rPr lang="en-US" dirty="0"/>
-              <a:t>Total of 5 Explanatory variables: 2 categorical (vs, am) | 3 numerical (hp, </a:t>
-            </a:r>
-            <a:r>
-              <a:rPr lang="en-US" dirty="0" err="1"/>
-              <a:t>wt</a:t>
-            </a:r>
-            <a:r>
-              <a:rPr lang="en-US" dirty="0"/>
-              <a:t>, carb)</a:t>
-            </a:r>
-          </a:p>
-        </p:txBody>
-      </p:sp>
-      <p:pic>
-        <p:nvPicPr>
-          <p:cNvPr id="15" name="Picture 14">
-            <a:extLst>
-              <a:ext uri="{FF2B5EF4-FFF2-40B4-BE49-F238E27FC236}">
-                <a16:creationId xmlns:a16="http://schemas.microsoft.com/office/drawing/2014/main" id="{75FEBE5A-8AC3-402C-9D6D-34C97C9DDAFE}"/>
+                <a16:creationId xmlns:a16="http://schemas.microsoft.com/office/drawing/2014/main" id="{547E2073-C1D6-4D93-8EE8-2C7886856170}"/>
               </a:ext>
             </a:extLst>
           </p:cNvPr>
@@ -5329,8 +6581,8 @@
         </p:blipFill>
         <p:spPr>
           <a:xfrm>
-            <a:off x="1300216" y="1928004"/>
-            <a:ext cx="9906000" cy="1866900"/>
+            <a:off x="5778653" y="846024"/>
+            <a:ext cx="5438775" cy="4438650"/>
           </a:xfrm>
           <a:prstGeom prst="rect">
             <a:avLst/>
@@ -5391,12 +6643,224 @@
           <a:chExt cx="0" cy="0"/>
         </a:xfrm>
       </p:grpSpPr>
+      <p:sp>
+        <p:nvSpPr>
+          <p:cNvPr id="10" name="Rectangle 9">
+            <a:extLst>
+              <a:ext uri="{FF2B5EF4-FFF2-40B4-BE49-F238E27FC236}">
+                <a16:creationId xmlns:a16="http://schemas.microsoft.com/office/drawing/2014/main" id="{0CABCAE3-64FC-4149-819F-2C1812824154}"/>
+              </a:ext>
+              <a:ext uri="{C183D7F6-B498-43B3-948B-1728B52AA6E4}">
+                <adec:decorative xmlns:adec="http://schemas.microsoft.com/office/drawing/2017/decorative" val="1"/>
+              </a:ext>
+            </a:extLst>
+          </p:cNvPr>
+          <p:cNvSpPr>
+            <a:spLocks noGrp="1" noRot="1" noChangeAspect="1" noMove="1" noResize="1" noEditPoints="1" noAdjustHandles="1" noChangeArrowheads="1" noChangeShapeType="1" noTextEdit="1"/>
+          </p:cNvSpPr>
+          <p:nvPr>
+            <p:extLst>
+              <p:ext uri="{386F3935-93C4-4BCD-93E2-E3B085C9AB24}">
+                <p16:designElem xmlns:p16="http://schemas.microsoft.com/office/powerpoint/2015/main" val="1"/>
+              </p:ext>
+            </p:extLst>
+          </p:nvPr>
+        </p:nvSpPr>
+        <p:spPr>
+          <a:xfrm>
+            <a:off x="0" y="2019476"/>
+            <a:ext cx="12192000" cy="4105941"/>
+          </a:xfrm>
+          <a:prstGeom prst="rect">
+            <a:avLst/>
+          </a:prstGeom>
+          <a:gradFill flip="none" rotWithShape="1">
+            <a:gsLst>
+              <a:gs pos="0">
+                <a:schemeClr val="bg2">
+                  <a:alpha val="0"/>
+                </a:schemeClr>
+              </a:gs>
+              <a:gs pos="100000">
+                <a:schemeClr val="bg2"/>
+              </a:gs>
+            </a:gsLst>
+            <a:lin ang="5400000" scaled="0"/>
+            <a:tileRect/>
+          </a:gradFill>
+          <a:ln>
+            <a:noFill/>
+          </a:ln>
+        </p:spPr>
+        <p:style>
+          <a:lnRef idx="2">
+            <a:schemeClr val="accent1">
+              <a:shade val="50000"/>
+            </a:schemeClr>
+          </a:lnRef>
+          <a:fillRef idx="1">
+            <a:schemeClr val="accent1"/>
+          </a:fillRef>
+          <a:effectRef idx="0">
+            <a:schemeClr val="accent1"/>
+          </a:effectRef>
+          <a:fontRef idx="minor">
+            <a:schemeClr val="lt1"/>
+          </a:fontRef>
+        </p:style>
+      </p:sp>
+      <p:pic>
+        <p:nvPicPr>
+          <p:cNvPr id="12" name="Picture 11">
+            <a:extLst>
+              <a:ext uri="{FF2B5EF4-FFF2-40B4-BE49-F238E27FC236}">
+                <a16:creationId xmlns:a16="http://schemas.microsoft.com/office/drawing/2014/main" id="{012FDCFE-9AD2-4D8A-8CBF-B3AA37EBF6DD}"/>
+              </a:ext>
+              <a:ext uri="{C183D7F6-B498-43B3-948B-1728B52AA6E4}">
+                <adec:decorative xmlns:adec="http://schemas.microsoft.com/office/drawing/2017/decorative" val="1"/>
+              </a:ext>
+            </a:extLst>
+          </p:cNvPr>
+          <p:cNvPicPr>
+            <a:picLocks noGrp="1" noRot="1" noChangeAspect="1" noMove="1" noResize="1" noEditPoints="1" noAdjustHandles="1" noChangeArrowheads="1" noChangeShapeType="1" noCrop="1"/>
+          </p:cNvPicPr>
+          <p:nvPr>
+            <p:extLst>
+              <p:ext uri="{386F3935-93C4-4BCD-93E2-E3B085C9AB24}">
+                <p16:designElem xmlns:p16="http://schemas.microsoft.com/office/powerpoint/2015/main" val="1"/>
+              </p:ext>
+            </p:extLst>
+          </p:nvPr>
+        </p:nvPicPr>
+        <p:blipFill rotWithShape="1">
+          <a:blip r:embed="rId2">
+            <a:extLst>
+              <a:ext uri="{28A0092B-C50C-407E-A947-70E740481C1C}">
+                <a14:useLocalDpi xmlns:a14="http://schemas.microsoft.com/office/drawing/2010/main" val="0"/>
+              </a:ext>
+            </a:extLst>
+          </a:blip>
+          <a:srcRect t="1538" b="-1538"/>
+          <a:stretch/>
+        </p:blipFill>
+        <p:spPr bwMode="black">
+          <a:xfrm>
+            <a:off x="0" y="6126480"/>
+            <a:ext cx="12192000" cy="742950"/>
+          </a:xfrm>
+          <a:prstGeom prst="rect">
+            <a:avLst/>
+          </a:prstGeom>
+        </p:spPr>
+      </p:pic>
+      <p:cxnSp>
+        <p:nvCxnSpPr>
+          <p:cNvPr id="14" name="Straight Connector 13">
+            <a:extLst>
+              <a:ext uri="{FF2B5EF4-FFF2-40B4-BE49-F238E27FC236}">
+                <a16:creationId xmlns:a16="http://schemas.microsoft.com/office/drawing/2014/main" id="{FBD463FC-4CA8-4FF4-85A3-AF9F4B98D210}"/>
+              </a:ext>
+              <a:ext uri="{C183D7F6-B498-43B3-948B-1728B52AA6E4}">
+                <adec:decorative xmlns:adec="http://schemas.microsoft.com/office/drawing/2017/decorative" val="1"/>
+              </a:ext>
+            </a:extLst>
+          </p:cNvPr>
+          <p:cNvCxnSpPr>
+            <a:cxnSpLocks noGrp="1" noRot="1" noChangeAspect="1" noMove="1" noResize="1" noEditPoints="1" noAdjustHandles="1" noChangeArrowheads="1" noChangeShapeType="1"/>
+          </p:cNvCxnSpPr>
+          <p:nvPr>
+            <p:extLst>
+              <p:ext uri="{386F3935-93C4-4BCD-93E2-E3B085C9AB24}">
+                <p16:designElem xmlns:p16="http://schemas.microsoft.com/office/powerpoint/2015/main" val="1"/>
+              </p:ext>
+            </p:extLst>
+          </p:nvPr>
+        </p:nvCxnSpPr>
+        <p:spPr>
+          <a:xfrm>
+            <a:off x="0" y="6128413"/>
+            <a:ext cx="12192000" cy="0"/>
+          </a:xfrm>
+          <a:prstGeom prst="line">
+            <a:avLst/>
+          </a:prstGeom>
+          <a:ln w="12700">
+            <a:solidFill>
+              <a:srgbClr val="000001">
+                <a:alpha val="20000"/>
+              </a:srgbClr>
+            </a:solidFill>
+          </a:ln>
+        </p:spPr>
+        <p:style>
+          <a:lnRef idx="1">
+            <a:schemeClr val="accent1"/>
+          </a:lnRef>
+          <a:fillRef idx="0">
+            <a:schemeClr val="accent1"/>
+          </a:fillRef>
+          <a:effectRef idx="0">
+            <a:schemeClr val="accent1"/>
+          </a:effectRef>
+          <a:fontRef idx="minor">
+            <a:schemeClr val="tx1"/>
+          </a:fontRef>
+        </p:style>
+      </p:cxnSp>
+      <p:cxnSp>
+        <p:nvCxnSpPr>
+          <p:cNvPr id="16" name="Straight Connector 15">
+            <a:extLst>
+              <a:ext uri="{FF2B5EF4-FFF2-40B4-BE49-F238E27FC236}">
+                <a16:creationId xmlns:a16="http://schemas.microsoft.com/office/drawing/2014/main" id="{BECF35C3-8B44-4F4B-BD25-4C01823DB22A}"/>
+              </a:ext>
+              <a:ext uri="{C183D7F6-B498-43B3-948B-1728B52AA6E4}">
+                <adec:decorative xmlns:adec="http://schemas.microsoft.com/office/drawing/2017/decorative" val="1"/>
+              </a:ext>
+            </a:extLst>
+          </p:cNvPr>
+          <p:cNvCxnSpPr>
+            <a:cxnSpLocks noGrp="1" noRot="1" noChangeAspect="1" noMove="1" noResize="1" noEditPoints="1" noAdjustHandles="1" noChangeArrowheads="1" noChangeShapeType="1"/>
+          </p:cNvCxnSpPr>
+          <p:nvPr>
+            <p:extLst>
+              <p:ext uri="{386F3935-93C4-4BCD-93E2-E3B085C9AB24}">
+                <p16:designElem xmlns:p16="http://schemas.microsoft.com/office/powerpoint/2015/main" val="1"/>
+              </p:ext>
+            </p:extLst>
+          </p:nvPr>
+        </p:nvCxnSpPr>
+        <p:spPr>
+          <a:xfrm>
+            <a:off x="2417780" y="3528542"/>
+            <a:ext cx="8637072" cy="0"/>
+          </a:xfrm>
+          <a:prstGeom prst="line">
+            <a:avLst/>
+          </a:prstGeom>
+          <a:ln w="31750"/>
+        </p:spPr>
+        <p:style>
+          <a:lnRef idx="3">
+            <a:schemeClr val="accent1"/>
+          </a:lnRef>
+          <a:fillRef idx="0">
+            <a:schemeClr val="accent1"/>
+          </a:fillRef>
+          <a:effectRef idx="2">
+            <a:schemeClr val="accent1"/>
+          </a:effectRef>
+          <a:fontRef idx="minor">
+            <a:schemeClr val="tx1"/>
+          </a:fontRef>
+        </p:style>
+      </p:cxnSp>
       <p:sp useBgFill="1">
         <p:nvSpPr>
-          <p:cNvPr id="12" name="Rectangle 11">
+          <p:cNvPr id="18" name="Rectangle 17">
             <a:extLst>
               <a:ext uri="{FF2B5EF4-FFF2-40B4-BE49-F238E27FC236}">
-                <a16:creationId xmlns:a16="http://schemas.microsoft.com/office/drawing/2014/main" id="{35C3D674-3D59-4E93-80CA-0C0A9095E816}"/>
+                <a16:creationId xmlns:a16="http://schemas.microsoft.com/office/drawing/2014/main" id="{7F0FC757-0FB0-43DC-8A8C-A60D5517549D}"/>
               </a:ext>
               <a:ext uri="{C183D7F6-B498-43B3-948B-1728B52AA6E4}">
                 <adec:decorative xmlns:adec="http://schemas.microsoft.com/office/drawing/2017/decorative" val="1"/>
@@ -5451,92 +6915,12 @@
           </a:p>
         </p:txBody>
       </p:sp>
-      <p:cxnSp>
-        <p:nvCxnSpPr>
-          <p:cNvPr id="14" name="Straight Connector 13">
+      <p:sp>
+        <p:nvSpPr>
+          <p:cNvPr id="20" name="Rectangle 19">
             <a:extLst>
               <a:ext uri="{FF2B5EF4-FFF2-40B4-BE49-F238E27FC236}">
-                <a16:creationId xmlns:a16="http://schemas.microsoft.com/office/drawing/2014/main" id="{C884B8F8-FDC9-498B-9960-5D7260AFCB03}"/>
-              </a:ext>
-              <a:ext uri="{C183D7F6-B498-43B3-948B-1728B52AA6E4}">
-                <adec:decorative xmlns:adec="http://schemas.microsoft.com/office/drawing/2017/decorative" val="1"/>
-              </a:ext>
-            </a:extLst>
-          </p:cNvPr>
-          <p:cNvCxnSpPr>
-            <a:cxnSpLocks noGrp="1" noRot="1" noChangeAspect="1" noMove="1" noResize="1" noEditPoints="1" noAdjustHandles="1" noChangeArrowheads="1" noChangeShapeType="1"/>
-          </p:cNvCxnSpPr>
-          <p:nvPr>
-            <p:extLst>
-              <p:ext uri="{386F3935-93C4-4BCD-93E2-E3B085C9AB24}">
-                <p16:designElem xmlns:p16="http://schemas.microsoft.com/office/powerpoint/2015/main" val="1"/>
-              </p:ext>
-            </p:extLst>
-          </p:nvPr>
-        </p:nvCxnSpPr>
-        <p:spPr>
-          <a:xfrm>
-            <a:off x="1453896" y="1847088"/>
-            <a:ext cx="4177373" cy="0"/>
-          </a:xfrm>
-          <a:prstGeom prst="line">
-            <a:avLst/>
-          </a:prstGeom>
-          <a:ln w="31750"/>
-        </p:spPr>
-        <p:style>
-          <a:lnRef idx="3">
-            <a:schemeClr val="accent1"/>
-          </a:lnRef>
-          <a:fillRef idx="0">
-            <a:schemeClr val="accent1"/>
-          </a:fillRef>
-          <a:effectRef idx="2">
-            <a:schemeClr val="accent1"/>
-          </a:effectRef>
-          <a:fontRef idx="minor">
-            <a:schemeClr val="tx1"/>
-          </a:fontRef>
-        </p:style>
-      </p:cxnSp>
-      <p:sp>
-        <p:nvSpPr>
-          <p:cNvPr id="2" name="Title 1">
-            <a:extLst>
-              <a:ext uri="{FF2B5EF4-FFF2-40B4-BE49-F238E27FC236}">
-                <a16:creationId xmlns:a16="http://schemas.microsoft.com/office/drawing/2014/main" id="{B3BE013E-BC4A-4FCD-9F06-C5CB729B4F01}"/>
-              </a:ext>
-            </a:extLst>
-          </p:cNvPr>
-          <p:cNvSpPr>
-            <a:spLocks noGrp="1"/>
-          </p:cNvSpPr>
-          <p:nvPr>
-            <p:ph type="title"/>
-          </p:nvPr>
-        </p:nvSpPr>
-        <p:spPr>
-          <a:xfrm>
-            <a:off x="1451580" y="804520"/>
-            <a:ext cx="4176511" cy="1049235"/>
-          </a:xfrm>
-        </p:spPr>
-        <p:txBody>
-          <a:bodyPr>
-            <a:normAutofit/>
-          </a:bodyPr>
-          <a:lstStyle/>
-          <a:p>
-            <a:endParaRPr lang="en-US" dirty="0"/>
-          </a:p>
-        </p:txBody>
-      </p:sp>
-      <p:sp>
-        <p:nvSpPr>
-          <p:cNvPr id="16" name="Rectangle 15">
-            <a:extLst>
-              <a:ext uri="{FF2B5EF4-FFF2-40B4-BE49-F238E27FC236}">
-                <a16:creationId xmlns:a16="http://schemas.microsoft.com/office/drawing/2014/main" id="{EF2A81E1-BCBE-426B-8C09-33274E69409D}"/>
+                <a16:creationId xmlns:a16="http://schemas.microsoft.com/office/drawing/2014/main" id="{B078FCAE-E8BE-4215-8F37-55B5EE72FAB4}"/>
               </a:ext>
               <a:ext uri="{C183D7F6-B498-43B3-948B-1728B52AA6E4}">
                 <adec:decorative xmlns:adec="http://schemas.microsoft.com/office/drawing/2017/decorative" val="1"/>
@@ -5607,10 +6991,10 @@
       </p:sp>
       <p:sp>
         <p:nvSpPr>
-          <p:cNvPr id="9" name="Content Placeholder 8">
+          <p:cNvPr id="2" name="Title 1">
             <a:extLst>
               <a:ext uri="{FF2B5EF4-FFF2-40B4-BE49-F238E27FC236}">
-                <a16:creationId xmlns:a16="http://schemas.microsoft.com/office/drawing/2014/main" id="{42F416E1-2849-4655-9E54-F40CD2931A92}"/>
+                <a16:creationId xmlns:a16="http://schemas.microsoft.com/office/drawing/2014/main" id="{9880AD2C-336E-4706-8D18-612848B81EEE}"/>
               </a:ext>
             </a:extLst>
           </p:cNvPr>
@@ -5618,21 +7002,334 @@
             <a:spLocks noGrp="1"/>
           </p:cNvSpPr>
           <p:nvPr>
-            <p:ph idx="1"/>
+            <p:ph type="title"/>
           </p:nvPr>
         </p:nvSpPr>
         <p:spPr>
           <a:xfrm>
-            <a:off x="1451581" y="2015732"/>
-            <a:ext cx="4172212" cy="3450613"/>
+            <a:off x="1452616" y="962902"/>
+            <a:ext cx="3525640" cy="2380828"/>
           </a:xfrm>
         </p:spPr>
         <p:txBody>
-          <a:bodyPr>
+          <a:bodyPr vert="horz" lIns="91440" tIns="45720" rIns="91440" bIns="0" rtlCol="0" anchor="b">
             <a:normAutofit/>
           </a:bodyPr>
           <a:lstStyle/>
           <a:p>
+            <a:r>
+              <a:rPr lang="en-US" sz="4800"/>
+              <a:t>Scatter plot matrix</a:t>
+            </a:r>
+          </a:p>
+        </p:txBody>
+      </p:sp>
+      <p:cxnSp>
+        <p:nvCxnSpPr>
+          <p:cNvPr id="22" name="Straight Connector 21">
+            <a:extLst>
+              <a:ext uri="{FF2B5EF4-FFF2-40B4-BE49-F238E27FC236}">
+                <a16:creationId xmlns:a16="http://schemas.microsoft.com/office/drawing/2014/main" id="{3AAF1CF6-A2E3-40FC-975A-E8E573D23299}"/>
+              </a:ext>
+              <a:ext uri="{C183D7F6-B498-43B3-948B-1728B52AA6E4}">
+                <adec:decorative xmlns:adec="http://schemas.microsoft.com/office/drawing/2017/decorative" val="1"/>
+              </a:ext>
+            </a:extLst>
+          </p:cNvPr>
+          <p:cNvCxnSpPr>
+            <a:cxnSpLocks noGrp="1" noRot="1" noChangeAspect="1" noMove="1" noResize="1" noEditPoints="1" noAdjustHandles="1" noChangeArrowheads="1" noChangeShapeType="1"/>
+          </p:cNvCxnSpPr>
+          <p:nvPr>
+            <p:extLst>
+              <p:ext uri="{386F3935-93C4-4BCD-93E2-E3B085C9AB24}">
+                <p16:designElem xmlns:p16="http://schemas.microsoft.com/office/powerpoint/2015/main" val="1"/>
+              </p:ext>
+            </p:extLst>
+          </p:nvPr>
+        </p:nvCxnSpPr>
+        <p:spPr>
+          <a:xfrm>
+            <a:off x="1452617" y="3528543"/>
+            <a:ext cx="3521499" cy="0"/>
+          </a:xfrm>
+          <a:prstGeom prst="line">
+            <a:avLst/>
+          </a:prstGeom>
+          <a:ln w="31750"/>
+        </p:spPr>
+        <p:style>
+          <a:lnRef idx="3">
+            <a:schemeClr val="accent1"/>
+          </a:lnRef>
+          <a:fillRef idx="0">
+            <a:schemeClr val="accent1"/>
+          </a:fillRef>
+          <a:effectRef idx="2">
+            <a:schemeClr val="accent1"/>
+          </a:effectRef>
+          <a:fontRef idx="minor">
+            <a:schemeClr val="tx1"/>
+          </a:fontRef>
+        </p:style>
+      </p:cxnSp>
+      <p:grpSp>
+        <p:nvGrpSpPr>
+          <p:cNvPr id="24" name="Group 23">
+            <a:extLst>
+              <a:ext uri="{FF2B5EF4-FFF2-40B4-BE49-F238E27FC236}">
+                <a16:creationId xmlns:a16="http://schemas.microsoft.com/office/drawing/2014/main" id="{4907A2B9-67D8-42FB-A373-67076DE4D30F}"/>
+              </a:ext>
+              <a:ext uri="{C183D7F6-B498-43B3-948B-1728B52AA6E4}">
+                <adec:decorative xmlns:adec="http://schemas.microsoft.com/office/drawing/2017/decorative" val="1"/>
+              </a:ext>
+            </a:extLst>
+          </p:cNvPr>
+          <p:cNvGrpSpPr>
+            <a:grpSpLocks noGrp="1" noUngrp="1" noRot="1" noChangeAspect="1" noMove="1" noResize="1"/>
+          </p:cNvGrpSpPr>
+          <p:nvPr>
+            <p:extLst>
+              <p:ext uri="{386F3935-93C4-4BCD-93E2-E3B085C9AB24}">
+                <p16:designElem xmlns:p16="http://schemas.microsoft.com/office/powerpoint/2015/main" val="1"/>
+              </p:ext>
+            </p:extLst>
+          </p:nvPr>
+        </p:nvGrpSpPr>
+        <p:grpSpPr>
+          <a:xfrm>
+            <a:off x="5460131" y="482171"/>
+            <a:ext cx="6091791" cy="5149101"/>
+            <a:chOff x="5460131" y="482171"/>
+            <a:chExt cx="6091791" cy="5149101"/>
+          </a:xfrm>
+        </p:grpSpPr>
+        <p:sp>
+          <p:nvSpPr>
+            <p:cNvPr id="25" name="Rectangle 24">
+              <a:extLst>
+                <a:ext uri="{FF2B5EF4-FFF2-40B4-BE49-F238E27FC236}">
+                  <a16:creationId xmlns:a16="http://schemas.microsoft.com/office/drawing/2014/main" id="{341EDF98-4415-4462-AEA7-82AEA1205800}"/>
+                </a:ext>
+                <a:ext uri="{C183D7F6-B498-43B3-948B-1728B52AA6E4}">
+                  <adec:decorative xmlns:adec="http://schemas.microsoft.com/office/drawing/2017/decorative" val="1"/>
+                </a:ext>
+              </a:extLst>
+            </p:cNvPr>
+            <p:cNvSpPr/>
+            <p:nvPr>
+              <p:extLst>
+                <p:ext uri="{386F3935-93C4-4BCD-93E2-E3B085C9AB24}">
+                  <p16:designElem xmlns:p16="http://schemas.microsoft.com/office/powerpoint/2015/main" val="1"/>
+                </p:ext>
+              </p:extLst>
+            </p:nvPr>
+          </p:nvSpPr>
+          <p:spPr>
+            <a:xfrm>
+              <a:off x="5460131" y="482171"/>
+              <a:ext cx="6091791" cy="5149101"/>
+            </a:xfrm>
+            <a:prstGeom prst="rect">
+              <a:avLst/>
+            </a:prstGeom>
+            <a:gradFill>
+              <a:gsLst>
+                <a:gs pos="0">
+                  <a:srgbClr val="000001"/>
+                </a:gs>
+                <a:gs pos="100000">
+                  <a:srgbClr val="191919"/>
+                </a:gs>
+              </a:gsLst>
+            </a:gradFill>
+            <a:ln w="76200" cmpd="sng">
+              <a:noFill/>
+              <a:miter lim="800000"/>
+            </a:ln>
+            <a:effectLst>
+              <a:outerShdw blurRad="127000" dist="228600" dir="4740000" sx="98000" sy="98000" algn="tl" rotWithShape="0">
+                <a:srgbClr val="000000">
+                  <a:alpha val="34000"/>
+                </a:srgbClr>
+              </a:outerShdw>
+            </a:effectLst>
+            <a:scene3d>
+              <a:camera prst="orthographicFront"/>
+              <a:lightRig rig="threePt" dir="t"/>
+            </a:scene3d>
+            <a:sp3d>
+              <a:bevelT w="152400" h="50800" prst="softRound"/>
+            </a:sp3d>
+          </p:spPr>
+          <p:style>
+            <a:lnRef idx="1">
+              <a:schemeClr val="accent1"/>
+            </a:lnRef>
+            <a:fillRef idx="3">
+              <a:schemeClr val="accent1"/>
+            </a:fillRef>
+            <a:effectRef idx="2">
+              <a:schemeClr val="accent1"/>
+            </a:effectRef>
+            <a:fontRef idx="minor">
+              <a:schemeClr val="lt1"/>
+            </a:fontRef>
+          </p:style>
+          <p:txBody>
+            <a:bodyPr rtlCol="0" anchor="ctr"/>
+            <a:lstStyle/>
+            <a:p>
+              <a:pPr algn="ctr"/>
+              <a:endParaRPr lang="en-US"/>
+            </a:p>
+          </p:txBody>
+        </p:sp>
+        <p:sp>
+          <p:nvSpPr>
+            <p:cNvPr id="26" name="Rectangle 25">
+              <a:extLst>
+                <a:ext uri="{FF2B5EF4-FFF2-40B4-BE49-F238E27FC236}">
+                  <a16:creationId xmlns:a16="http://schemas.microsoft.com/office/drawing/2014/main" id="{E744230B-ABEB-48BC-A302-410B6FBD463A}"/>
+                </a:ext>
+                <a:ext uri="{C183D7F6-B498-43B3-948B-1728B52AA6E4}">
+                  <adec:decorative xmlns:adec="http://schemas.microsoft.com/office/drawing/2017/decorative" val="1"/>
+                </a:ext>
+              </a:extLst>
+            </p:cNvPr>
+            <p:cNvSpPr/>
+            <p:nvPr>
+              <p:extLst>
+                <p:ext uri="{386F3935-93C4-4BCD-93E2-E3B085C9AB24}">
+                  <p16:designElem xmlns:p16="http://schemas.microsoft.com/office/powerpoint/2015/main" val="1"/>
+                </p:ext>
+              </p:extLst>
+            </p:nvPr>
+          </p:nvSpPr>
+          <p:spPr>
+            <a:xfrm>
+              <a:off x="5778956" y="812507"/>
+              <a:ext cx="5461780" cy="4466452"/>
+            </a:xfrm>
+            <a:prstGeom prst="rect">
+              <a:avLst/>
+            </a:prstGeom>
+            <a:gradFill>
+              <a:gsLst>
+                <a:gs pos="0">
+                  <a:srgbClr val="DADADA"/>
+                </a:gs>
+                <a:gs pos="100000">
+                  <a:srgbClr val="FFFFFE"/>
+                </a:gs>
+              </a:gsLst>
+              <a:lin ang="16200000" scaled="0"/>
+            </a:gradFill>
+            <a:ln w="50800" cmpd="sng">
+              <a:solidFill>
+                <a:srgbClr val="191919"/>
+              </a:solidFill>
+              <a:miter lim="800000"/>
+            </a:ln>
+            <a:effectLst>
+              <a:innerShdw blurRad="63500" dist="88900" dir="14100000">
+                <a:srgbClr val="000000">
+                  <a:alpha val="30000"/>
+                </a:srgbClr>
+              </a:innerShdw>
+            </a:effectLst>
+            <a:scene3d>
+              <a:camera prst="orthographicFront"/>
+              <a:lightRig rig="threePt" dir="t"/>
+            </a:scene3d>
+            <a:sp3d>
+              <a:bevelT prst="relaxedInset"/>
+            </a:sp3d>
+          </p:spPr>
+          <p:style>
+            <a:lnRef idx="1">
+              <a:schemeClr val="accent1"/>
+            </a:lnRef>
+            <a:fillRef idx="3">
+              <a:schemeClr val="accent1"/>
+            </a:fillRef>
+            <a:effectRef idx="2">
+              <a:schemeClr val="accent1"/>
+            </a:effectRef>
+            <a:fontRef idx="minor">
+              <a:schemeClr val="lt1"/>
+            </a:fontRef>
+          </p:style>
+          <p:txBody>
+            <a:bodyPr rtlCol="0" anchor="ctr"/>
+            <a:lstStyle/>
+            <a:p>
+              <a:pPr algn="ctr"/>
+              <a:endParaRPr lang="en-US"/>
+            </a:p>
+          </p:txBody>
+        </p:sp>
+      </p:grpSp>
+      <p:sp>
+        <p:nvSpPr>
+          <p:cNvPr id="28" name="Rectangle 27">
+            <a:extLst>
+              <a:ext uri="{FF2B5EF4-FFF2-40B4-BE49-F238E27FC236}">
+                <a16:creationId xmlns:a16="http://schemas.microsoft.com/office/drawing/2014/main" id="{A88BBAE4-1AA8-4249-AB11-FEFFDB51A7C1}"/>
+              </a:ext>
+              <a:ext uri="{C183D7F6-B498-43B3-948B-1728B52AA6E4}">
+                <adec:decorative xmlns:adec="http://schemas.microsoft.com/office/drawing/2017/decorative" val="1"/>
+              </a:ext>
+            </a:extLst>
+          </p:cNvPr>
+          <p:cNvSpPr>
+            <a:spLocks noGrp="1" noRot="1" noChangeAspect="1" noMove="1" noResize="1" noEditPoints="1" noAdjustHandles="1" noChangeArrowheads="1" noChangeShapeType="1" noTextEdit="1"/>
+          </p:cNvSpPr>
+          <p:nvPr>
+            <p:extLst>
+              <p:ext uri="{386F3935-93C4-4BCD-93E2-E3B085C9AB24}">
+                <p16:designElem xmlns:p16="http://schemas.microsoft.com/office/powerpoint/2015/main" val="1"/>
+              </p:ext>
+            </p:extLst>
+          </p:nvPr>
+        </p:nvSpPr>
+        <p:spPr>
+          <a:xfrm>
+            <a:off x="5942379" y="977965"/>
+            <a:ext cx="5128689" cy="4135339"/>
+          </a:xfrm>
+          <a:prstGeom prst="rect">
+            <a:avLst/>
+          </a:prstGeom>
+          <a:solidFill>
+            <a:schemeClr val="bg1"/>
+          </a:solidFill>
+          <a:ln w="6350">
+            <a:solidFill>
+              <a:schemeClr val="bg2"/>
+            </a:solidFill>
+          </a:ln>
+        </p:spPr>
+        <p:style>
+          <a:lnRef idx="2">
+            <a:schemeClr val="accent1">
+              <a:shade val="50000"/>
+            </a:schemeClr>
+          </a:lnRef>
+          <a:fillRef idx="1">
+            <a:schemeClr val="accent1"/>
+          </a:fillRef>
+          <a:effectRef idx="0">
+            <a:schemeClr val="accent1"/>
+          </a:effectRef>
+          <a:fontRef idx="minor">
+            <a:schemeClr val="lt1"/>
+          </a:fontRef>
+        </p:style>
+        <p:txBody>
+          <a:bodyPr rtlCol="0" anchor="ctr"/>
+          <a:lstStyle/>
+          <a:p>
+            <a:pPr algn="ctr"/>
             <a:endParaRPr lang="en-US"/>
           </a:p>
         </p:txBody>
@@ -5642,25 +7339,27 @@
           <p:cNvPr id="7" name="Content Placeholder 3">
             <a:extLst>
               <a:ext uri="{FF2B5EF4-FFF2-40B4-BE49-F238E27FC236}">
-                <a16:creationId xmlns:a16="http://schemas.microsoft.com/office/drawing/2014/main" id="{0D2F2E8D-BD16-49B8-80A6-C67CB2E71F52}"/>
+                <a16:creationId xmlns:a16="http://schemas.microsoft.com/office/drawing/2014/main" id="{A79B95C8-5301-4680-92E3-A840E3DBFA06}"/>
               </a:ext>
             </a:extLst>
           </p:cNvPr>
           <p:cNvPicPr>
-            <a:picLocks noChangeAspect="1"/>
+            <a:picLocks noGrp="1" noChangeAspect="1"/>
           </p:cNvPicPr>
-          <p:nvPr/>
+          <p:nvPr>
+            <p:ph idx="1"/>
+          </p:nvPr>
         </p:nvPicPr>
         <p:blipFill>
-          <a:blip r:embed="rId2"/>
+          <a:blip r:embed="rId3"/>
           <a:stretch>
             <a:fillRect/>
           </a:stretch>
         </p:blipFill>
         <p:spPr>
           <a:xfrm>
-            <a:off x="5818985" y="335683"/>
-            <a:ext cx="5407815" cy="5942654"/>
+            <a:off x="5171090" y="185214"/>
+            <a:ext cx="6465666" cy="5734152"/>
           </a:xfrm>
           <a:prstGeom prst="rect">
             <a:avLst/>
@@ -5669,10 +7368,10 @@
       </p:pic>
       <p:pic>
         <p:nvPicPr>
-          <p:cNvPr id="18" name="Picture 17">
+          <p:cNvPr id="30" name="Picture 29">
             <a:extLst>
               <a:ext uri="{FF2B5EF4-FFF2-40B4-BE49-F238E27FC236}">
-                <a16:creationId xmlns:a16="http://schemas.microsoft.com/office/drawing/2014/main" id="{39D1DDD4-5BB3-45BA-B9B3-06B62299AD79}"/>
+                <a16:creationId xmlns:a16="http://schemas.microsoft.com/office/drawing/2014/main" id="{FF48ABDD-EC14-4852-8085-531535B95FB1}"/>
               </a:ext>
               <a:ext uri="{C183D7F6-B498-43B3-948B-1728B52AA6E4}">
                 <adec:decorative xmlns:adec="http://schemas.microsoft.com/office/drawing/2017/decorative" val="1"/>
@@ -5691,7 +7390,7 @@
           </p:nvPr>
         </p:nvPicPr>
         <p:blipFill rotWithShape="1">
-          <a:blip r:embed="rId3">
+          <a:blip r:embed="rId2">
             <a:extLst>
               <a:ext uri="{28A0092B-C50C-407E-A947-70E740481C1C}">
                 <a14:useLocalDpi xmlns:a14="http://schemas.microsoft.com/office/drawing/2010/main" val="0"/>
@@ -5713,10 +7412,10 @@
       </p:pic>
       <p:cxnSp>
         <p:nvCxnSpPr>
-          <p:cNvPr id="20" name="Straight Connector 19">
+          <p:cNvPr id="32" name="Straight Connector 31">
             <a:extLst>
               <a:ext uri="{FF2B5EF4-FFF2-40B4-BE49-F238E27FC236}">
-                <a16:creationId xmlns:a16="http://schemas.microsoft.com/office/drawing/2014/main" id="{A24DAE64-2302-42EA-8239-F2F0775CA5AD}"/>
+                <a16:creationId xmlns:a16="http://schemas.microsoft.com/office/drawing/2014/main" id="{AF4E9326-7C69-4A33-9A45-62F659E4AE65}"/>
               </a:ext>
               <a:ext uri="{C183D7F6-B498-43B3-948B-1728B52AA6E4}">
                 <adec:decorative xmlns:adec="http://schemas.microsoft.com/office/drawing/2017/decorative" val="1"/>
@@ -5768,7 +7467,2799 @@
     </p:spTree>
     <p:extLst>
       <p:ext uri="{BB962C8B-B14F-4D97-AF65-F5344CB8AC3E}">
+        <p14:creationId xmlns:p14="http://schemas.microsoft.com/office/powerpoint/2010/main" val="869661440"/>
+      </p:ext>
+    </p:extLst>
+  </p:cSld>
+  <p:clrMapOvr>
+    <a:masterClrMapping/>
+  </p:clrMapOvr>
+</p:sld>
+</file>
+
+<file path=ppt/slides/slide6.xml><?xml version="1.0" encoding="utf-8"?>
+<p:sld xmlns:a="http://schemas.openxmlformats.org/drawingml/2006/main" xmlns:r="http://schemas.openxmlformats.org/officeDocument/2006/relationships" xmlns:p="http://schemas.openxmlformats.org/presentationml/2006/main">
+  <p:cSld>
+    <p:bg>
+      <p:bgPr>
+        <a:gradFill rotWithShape="1">
+          <a:gsLst>
+            <a:gs pos="0">
+              <a:schemeClr val="bg2">
+                <a:tint val="94000"/>
+                <a:satMod val="80000"/>
+                <a:lumMod val="106000"/>
+              </a:schemeClr>
+            </a:gs>
+            <a:gs pos="100000">
+              <a:schemeClr val="bg2">
+                <a:shade val="80000"/>
+              </a:schemeClr>
+            </a:gs>
+          </a:gsLst>
+          <a:path path="circle">
+            <a:fillToRect l="43000" r="43000" b="100000"/>
+          </a:path>
+        </a:gradFill>
+        <a:effectLst/>
+      </p:bgPr>
+    </p:bg>
+    <p:spTree>
+      <p:nvGrpSpPr>
+        <p:cNvPr id="1" name=""/>
+        <p:cNvGrpSpPr/>
+        <p:nvPr/>
+      </p:nvGrpSpPr>
+      <p:grpSpPr>
+        <a:xfrm>
+          <a:off x="0" y="0"/>
+          <a:ext cx="0" cy="0"/>
+          <a:chOff x="0" y="0"/>
+          <a:chExt cx="0" cy="0"/>
+        </a:xfrm>
+      </p:grpSpPr>
+      <p:sp useBgFill="1">
+        <p:nvSpPr>
+          <p:cNvPr id="9" name="Rectangle 8">
+            <a:extLst>
+              <a:ext uri="{FF2B5EF4-FFF2-40B4-BE49-F238E27FC236}">
+                <a16:creationId xmlns:a16="http://schemas.microsoft.com/office/drawing/2014/main" id="{3193BA5C-B8F3-4972-BA54-014C48FAFA42}"/>
+              </a:ext>
+              <a:ext uri="{C183D7F6-B498-43B3-948B-1728B52AA6E4}">
+                <adec:decorative xmlns:adec="http://schemas.microsoft.com/office/drawing/2017/decorative" val="1"/>
+              </a:ext>
+            </a:extLst>
+          </p:cNvPr>
+          <p:cNvSpPr>
+            <a:spLocks noGrp="1" noRot="1" noChangeAspect="1" noMove="1" noResize="1" noEditPoints="1" noAdjustHandles="1" noChangeArrowheads="1" noChangeShapeType="1" noTextEdit="1"/>
+          </p:cNvSpPr>
+          <p:nvPr>
+            <p:extLst>
+              <p:ext uri="{386F3935-93C4-4BCD-93E2-E3B085C9AB24}">
+                <p16:designElem xmlns:p16="http://schemas.microsoft.com/office/powerpoint/2015/main" val="1"/>
+              </p:ext>
+            </p:extLst>
+          </p:nvPr>
+        </p:nvSpPr>
+        <p:spPr>
+          <a:xfrm>
+            <a:off x="2" y="0"/>
+            <a:ext cx="12191695" cy="6858000"/>
+          </a:xfrm>
+          <a:prstGeom prst="rect">
+            <a:avLst/>
+          </a:prstGeom>
+          <a:ln>
+            <a:noFill/>
+          </a:ln>
+        </p:spPr>
+        <p:style>
+          <a:lnRef idx="2">
+            <a:schemeClr val="accent1">
+              <a:shade val="50000"/>
+            </a:schemeClr>
+          </a:lnRef>
+          <a:fillRef idx="1">
+            <a:schemeClr val="accent1"/>
+          </a:fillRef>
+          <a:effectRef idx="0">
+            <a:schemeClr val="accent1"/>
+          </a:effectRef>
+          <a:fontRef idx="minor">
+            <a:schemeClr val="lt1"/>
+          </a:fontRef>
+        </p:style>
+        <p:txBody>
+          <a:bodyPr rtlCol="0" anchor="ctr"/>
+          <a:lstStyle/>
+          <a:p>
+            <a:pPr algn="ctr"/>
+            <a:endParaRPr lang="en-US"/>
+          </a:p>
+        </p:txBody>
+      </p:sp>
+      <p:cxnSp>
+        <p:nvCxnSpPr>
+          <p:cNvPr id="11" name="Straight Connector 10">
+            <a:extLst>
+              <a:ext uri="{FF2B5EF4-FFF2-40B4-BE49-F238E27FC236}">
+                <a16:creationId xmlns:a16="http://schemas.microsoft.com/office/drawing/2014/main" id="{D7162BAB-C25E-4CE9-B87C-F118DC7E7C22}"/>
+              </a:ext>
+              <a:ext uri="{C183D7F6-B498-43B3-948B-1728B52AA6E4}">
+                <adec:decorative xmlns:adec="http://schemas.microsoft.com/office/drawing/2017/decorative" val="1"/>
+              </a:ext>
+            </a:extLst>
+          </p:cNvPr>
+          <p:cNvCxnSpPr>
+            <a:cxnSpLocks noGrp="1" noRot="1" noChangeAspect="1" noMove="1" noResize="1" noEditPoints="1" noAdjustHandles="1" noChangeArrowheads="1" noChangeShapeType="1"/>
+          </p:cNvCxnSpPr>
+          <p:nvPr>
+            <p:extLst>
+              <p:ext uri="{386F3935-93C4-4BCD-93E2-E3B085C9AB24}">
+                <p16:designElem xmlns:p16="http://schemas.microsoft.com/office/powerpoint/2015/main" val="1"/>
+              </p:ext>
+            </p:extLst>
+          </p:nvPr>
+        </p:nvCxnSpPr>
+        <p:spPr>
+          <a:xfrm>
+            <a:off x="1453896" y="1847088"/>
+            <a:ext cx="3530885" cy="0"/>
+          </a:xfrm>
+          <a:prstGeom prst="line">
+            <a:avLst/>
+          </a:prstGeom>
+          <a:ln w="31750"/>
+        </p:spPr>
+        <p:style>
+          <a:lnRef idx="3">
+            <a:schemeClr val="accent1"/>
+          </a:lnRef>
+          <a:fillRef idx="0">
+            <a:schemeClr val="accent1"/>
+          </a:fillRef>
+          <a:effectRef idx="2">
+            <a:schemeClr val="accent1"/>
+          </a:effectRef>
+          <a:fontRef idx="minor">
+            <a:schemeClr val="tx1"/>
+          </a:fontRef>
+        </p:style>
+      </p:cxnSp>
+      <p:sp>
+        <p:nvSpPr>
+          <p:cNvPr id="2" name="Title 1">
+            <a:extLst>
+              <a:ext uri="{FF2B5EF4-FFF2-40B4-BE49-F238E27FC236}">
+                <a16:creationId xmlns:a16="http://schemas.microsoft.com/office/drawing/2014/main" id="{9BB65A70-F5DC-4126-8660-794214E65BCD}"/>
+              </a:ext>
+            </a:extLst>
+          </p:cNvPr>
+          <p:cNvSpPr>
+            <a:spLocks noGrp="1"/>
+          </p:cNvSpPr>
+          <p:nvPr>
+            <p:ph type="title"/>
+          </p:nvPr>
+        </p:nvSpPr>
+        <p:spPr>
+          <a:xfrm>
+            <a:off x="1453896" y="307429"/>
+            <a:ext cx="3530157" cy="1049235"/>
+          </a:xfrm>
+        </p:spPr>
+        <p:txBody>
+          <a:bodyPr>
+            <a:normAutofit/>
+          </a:bodyPr>
+          <a:lstStyle/>
+          <a:p>
+            <a:r>
+              <a:rPr lang="en-US" dirty="0"/>
+              <a:t>AIC testing</a:t>
+            </a:r>
+          </a:p>
+        </p:txBody>
+      </p:sp>
+      <p:sp>
+        <p:nvSpPr>
+          <p:cNvPr id="13" name="Rectangle 12">
+            <a:extLst>
+              <a:ext uri="{FF2B5EF4-FFF2-40B4-BE49-F238E27FC236}">
+                <a16:creationId xmlns:a16="http://schemas.microsoft.com/office/drawing/2014/main" id="{05B93327-222A-4DAC-9163-371BF44CDB0C}"/>
+              </a:ext>
+              <a:ext uri="{C183D7F6-B498-43B3-948B-1728B52AA6E4}">
+                <adec:decorative xmlns:adec="http://schemas.microsoft.com/office/drawing/2017/decorative" val="1"/>
+              </a:ext>
+            </a:extLst>
+          </p:cNvPr>
+          <p:cNvSpPr>
+            <a:spLocks noGrp="1" noRot="1" noChangeAspect="1" noMove="1" noResize="1" noEditPoints="1" noAdjustHandles="1" noChangeArrowheads="1" noChangeShapeType="1" noTextEdit="1"/>
+          </p:cNvSpPr>
+          <p:nvPr>
+            <p:extLst>
+              <p:ext uri="{386F3935-93C4-4BCD-93E2-E3B085C9AB24}">
+                <p16:designElem xmlns:p16="http://schemas.microsoft.com/office/powerpoint/2015/main" val="1"/>
+              </p:ext>
+            </p:extLst>
+          </p:nvPr>
+        </p:nvSpPr>
+        <p:spPr>
+          <a:xfrm>
+            <a:off x="0" y="2019476"/>
+            <a:ext cx="12192000" cy="4105941"/>
+          </a:xfrm>
+          <a:prstGeom prst="rect">
+            <a:avLst/>
+          </a:prstGeom>
+          <a:gradFill flip="none" rotWithShape="1">
+            <a:gsLst>
+              <a:gs pos="0">
+                <a:schemeClr val="bg2">
+                  <a:alpha val="0"/>
+                </a:schemeClr>
+              </a:gs>
+              <a:gs pos="100000">
+                <a:schemeClr val="bg2"/>
+              </a:gs>
+            </a:gsLst>
+            <a:lin ang="5400000" scaled="0"/>
+            <a:tileRect/>
+          </a:gradFill>
+          <a:ln>
+            <a:noFill/>
+          </a:ln>
+        </p:spPr>
+        <p:style>
+          <a:lnRef idx="2">
+            <a:schemeClr val="accent1">
+              <a:shade val="50000"/>
+            </a:schemeClr>
+          </a:lnRef>
+          <a:fillRef idx="1">
+            <a:schemeClr val="accent1"/>
+          </a:fillRef>
+          <a:effectRef idx="0">
+            <a:schemeClr val="accent1"/>
+          </a:effectRef>
+          <a:fontRef idx="minor">
+            <a:schemeClr val="lt1"/>
+          </a:fontRef>
+        </p:style>
+        <p:txBody>
+          <a:bodyPr rtlCol="0" anchor="ctr"/>
+          <a:lstStyle/>
+          <a:p>
+            <a:pPr lvl="0" algn="ctr"/>
+            <a:endParaRPr lang="en-US"/>
+          </a:p>
+        </p:txBody>
+      </p:sp>
+      <p:graphicFrame>
+        <p:nvGraphicFramePr>
+          <p:cNvPr id="5" name="Content Placeholder 4">
+            <a:extLst>
+              <a:ext uri="{FF2B5EF4-FFF2-40B4-BE49-F238E27FC236}">
+                <a16:creationId xmlns:a16="http://schemas.microsoft.com/office/drawing/2014/main" id="{70DE5DDC-8D2D-4518-BB81-6B030F6CF26A}"/>
+              </a:ext>
+            </a:extLst>
+          </p:cNvPr>
+          <p:cNvGraphicFramePr>
+            <a:graphicFrameLocks noGrp="1"/>
+          </p:cNvGraphicFramePr>
+          <p:nvPr>
+            <p:ph idx="1"/>
+            <p:extLst>
+              <p:ext uri="{D42A27DB-BD31-4B8C-83A1-F6EECF244321}">
+                <p14:modId xmlns:p14="http://schemas.microsoft.com/office/powerpoint/2010/main" val="315146715"/>
+              </p:ext>
+            </p:extLst>
+          </p:nvPr>
+        </p:nvGraphicFramePr>
+        <p:xfrm>
+          <a:off x="730760" y="977965"/>
+          <a:ext cx="4335884" cy="4389120"/>
+        </p:xfrm>
+        <a:graphic>
+          <a:graphicData uri="http://schemas.openxmlformats.org/drawingml/2006/table">
+            <a:tbl>
+              <a:tblPr firstRow="1" bandRow="1">
+                <a:tableStyleId>{5C22544A-7EE6-4342-B048-85BDC9FD1C3A}</a:tableStyleId>
+              </a:tblPr>
+              <a:tblGrid>
+                <a:gridCol w="1693219">
+                  <a:extLst>
+                    <a:ext uri="{9D8B030D-6E8A-4147-A177-3AD203B41FA5}">
+                      <a16:colId xmlns:a16="http://schemas.microsoft.com/office/drawing/2014/main" val="3708866836"/>
+                    </a:ext>
+                  </a:extLst>
+                </a:gridCol>
+                <a:gridCol w="2642665">
+                  <a:extLst>
+                    <a:ext uri="{9D8B030D-6E8A-4147-A177-3AD203B41FA5}">
+                      <a16:colId xmlns:a16="http://schemas.microsoft.com/office/drawing/2014/main" val="2090414240"/>
+                    </a:ext>
+                  </a:extLst>
+                </a:gridCol>
+              </a:tblGrid>
+              <a:tr h="336446">
+                <a:tc>
+                  <a:txBody>
+                    <a:bodyPr/>
+                    <a:lstStyle/>
+                    <a:p>
+                      <a:r>
+                        <a:rPr lang="en-US" dirty="0"/>
+                        <a:t>Model name</a:t>
+                      </a:r>
+                    </a:p>
+                  </a:txBody>
+                  <a:tcPr/>
+                </a:tc>
+                <a:tc>
+                  <a:txBody>
+                    <a:bodyPr/>
+                    <a:lstStyle/>
+                    <a:p>
+                      <a:r>
+                        <a:rPr lang="en-US" dirty="0"/>
+                        <a:t>Model </a:t>
+                      </a:r>
+                    </a:p>
+                  </a:txBody>
+                  <a:tcPr/>
+                </a:tc>
+                <a:extLst>
+                  <a:ext uri="{0D108BD9-81ED-4DB2-BD59-A6C34878D82A}">
+                    <a16:rowId xmlns:a16="http://schemas.microsoft.com/office/drawing/2014/main" val="829355301"/>
+                  </a:ext>
+                </a:extLst>
+              </a:tr>
+              <a:tr h="336446">
+                <a:tc>
+                  <a:txBody>
+                    <a:bodyPr/>
+                    <a:lstStyle/>
+                    <a:p>
+                      <a:r>
+                        <a:rPr lang="en-US" dirty="0"/>
+                        <a:t>M1</a:t>
+                      </a:r>
+                    </a:p>
+                  </a:txBody>
+                  <a:tcPr/>
+                </a:tc>
+                <a:tc>
+                  <a:txBody>
+                    <a:bodyPr/>
+                    <a:lstStyle/>
+                    <a:p>
+                      <a:r>
+                        <a:rPr lang="en-US" dirty="0" err="1"/>
+                        <a:t>mpg~weight</a:t>
+                      </a:r>
+                      <a:endParaRPr lang="en-US" dirty="0"/>
+                    </a:p>
+                  </a:txBody>
+                  <a:tcPr/>
+                </a:tc>
+                <a:extLst>
+                  <a:ext uri="{0D108BD9-81ED-4DB2-BD59-A6C34878D82A}">
+                    <a16:rowId xmlns:a16="http://schemas.microsoft.com/office/drawing/2014/main" val="2433734897"/>
+                  </a:ext>
+                </a:extLst>
+              </a:tr>
+              <a:tr h="336446">
+                <a:tc>
+                  <a:txBody>
+                    <a:bodyPr/>
+                    <a:lstStyle/>
+                    <a:p>
+                      <a:r>
+                        <a:rPr lang="en-US" dirty="0"/>
+                        <a:t>M2</a:t>
+                      </a:r>
+                    </a:p>
+                  </a:txBody>
+                  <a:tcPr/>
+                </a:tc>
+                <a:tc>
+                  <a:txBody>
+                    <a:bodyPr/>
+                    <a:lstStyle/>
+                    <a:p>
+                      <a:r>
+                        <a:rPr lang="en-US" dirty="0" err="1"/>
+                        <a:t>mpg~hp</a:t>
+                      </a:r>
+                      <a:endParaRPr lang="en-US" dirty="0"/>
+                    </a:p>
+                  </a:txBody>
+                  <a:tcPr/>
+                </a:tc>
+                <a:extLst>
+                  <a:ext uri="{0D108BD9-81ED-4DB2-BD59-A6C34878D82A}">
+                    <a16:rowId xmlns:a16="http://schemas.microsoft.com/office/drawing/2014/main" val="3164368849"/>
+                  </a:ext>
+                </a:extLst>
+              </a:tr>
+              <a:tr h="336446">
+                <a:tc>
+                  <a:txBody>
+                    <a:bodyPr/>
+                    <a:lstStyle/>
+                    <a:p>
+                      <a:r>
+                        <a:rPr lang="en-US" dirty="0"/>
+                        <a:t>M3</a:t>
+                      </a:r>
+                    </a:p>
+                  </a:txBody>
+                  <a:tcPr/>
+                </a:tc>
+                <a:tc>
+                  <a:txBody>
+                    <a:bodyPr/>
+                    <a:lstStyle/>
+                    <a:p>
+                      <a:r>
+                        <a:rPr lang="en-US" dirty="0" err="1"/>
+                        <a:t>mpg~vs</a:t>
+                      </a:r>
+                      <a:endParaRPr lang="en-US" dirty="0"/>
+                    </a:p>
+                  </a:txBody>
+                  <a:tcPr/>
+                </a:tc>
+                <a:extLst>
+                  <a:ext uri="{0D108BD9-81ED-4DB2-BD59-A6C34878D82A}">
+                    <a16:rowId xmlns:a16="http://schemas.microsoft.com/office/drawing/2014/main" val="3840554318"/>
+                  </a:ext>
+                </a:extLst>
+              </a:tr>
+              <a:tr h="336446">
+                <a:tc>
+                  <a:txBody>
+                    <a:bodyPr/>
+                    <a:lstStyle/>
+                    <a:p>
+                      <a:r>
+                        <a:rPr lang="en-US" dirty="0"/>
+                        <a:t>M4</a:t>
+                      </a:r>
+                    </a:p>
+                  </a:txBody>
+                  <a:tcPr/>
+                </a:tc>
+                <a:tc>
+                  <a:txBody>
+                    <a:bodyPr/>
+                    <a:lstStyle/>
+                    <a:p>
+                      <a:r>
+                        <a:rPr lang="en-US" dirty="0" err="1"/>
+                        <a:t>mpg~am</a:t>
+                      </a:r>
+                      <a:endParaRPr lang="en-US" dirty="0"/>
+                    </a:p>
+                  </a:txBody>
+                  <a:tcPr/>
+                </a:tc>
+                <a:extLst>
+                  <a:ext uri="{0D108BD9-81ED-4DB2-BD59-A6C34878D82A}">
+                    <a16:rowId xmlns:a16="http://schemas.microsoft.com/office/drawing/2014/main" val="3546183694"/>
+                  </a:ext>
+                </a:extLst>
+              </a:tr>
+              <a:tr h="336446">
+                <a:tc>
+                  <a:txBody>
+                    <a:bodyPr/>
+                    <a:lstStyle/>
+                    <a:p>
+                      <a:r>
+                        <a:rPr lang="en-US" dirty="0"/>
+                        <a:t>M5</a:t>
+                      </a:r>
+                    </a:p>
+                  </a:txBody>
+                  <a:tcPr/>
+                </a:tc>
+                <a:tc>
+                  <a:txBody>
+                    <a:bodyPr/>
+                    <a:lstStyle/>
+                    <a:p>
+                      <a:r>
+                        <a:rPr lang="en-US" dirty="0" err="1"/>
+                        <a:t>mpg~wt+hp</a:t>
+                      </a:r>
+                      <a:endParaRPr lang="en-US" dirty="0"/>
+                    </a:p>
+                  </a:txBody>
+                  <a:tcPr/>
+                </a:tc>
+                <a:extLst>
+                  <a:ext uri="{0D108BD9-81ED-4DB2-BD59-A6C34878D82A}">
+                    <a16:rowId xmlns:a16="http://schemas.microsoft.com/office/drawing/2014/main" val="861734794"/>
+                  </a:ext>
+                </a:extLst>
+              </a:tr>
+              <a:tr h="336446">
+                <a:tc>
+                  <a:txBody>
+                    <a:bodyPr/>
+                    <a:lstStyle/>
+                    <a:p>
+                      <a:r>
+                        <a:rPr lang="en-US" dirty="0"/>
+                        <a:t>M6</a:t>
+                      </a:r>
+                    </a:p>
+                  </a:txBody>
+                  <a:tcPr/>
+                </a:tc>
+                <a:tc>
+                  <a:txBody>
+                    <a:bodyPr/>
+                    <a:lstStyle/>
+                    <a:p>
+                      <a:r>
+                        <a:rPr lang="en-US" dirty="0" err="1"/>
+                        <a:t>mpg~vs+wt+hp</a:t>
+                      </a:r>
+                      <a:endParaRPr lang="en-US" dirty="0"/>
+                    </a:p>
+                  </a:txBody>
+                  <a:tcPr/>
+                </a:tc>
+                <a:extLst>
+                  <a:ext uri="{0D108BD9-81ED-4DB2-BD59-A6C34878D82A}">
+                    <a16:rowId xmlns:a16="http://schemas.microsoft.com/office/drawing/2014/main" val="3153509275"/>
+                  </a:ext>
+                </a:extLst>
+              </a:tr>
+              <a:tr h="336446">
+                <a:tc>
+                  <a:txBody>
+                    <a:bodyPr/>
+                    <a:lstStyle/>
+                    <a:p>
+                      <a:r>
+                        <a:rPr lang="en-US" dirty="0"/>
+                        <a:t>M7</a:t>
+                      </a:r>
+                    </a:p>
+                  </a:txBody>
+                  <a:tcPr/>
+                </a:tc>
+                <a:tc>
+                  <a:txBody>
+                    <a:bodyPr/>
+                    <a:lstStyle/>
+                    <a:p>
+                      <a:r>
+                        <a:rPr lang="en-US" dirty="0" err="1"/>
+                        <a:t>mpg~am+wt+hp</a:t>
+                      </a:r>
+                      <a:endParaRPr lang="en-US" dirty="0"/>
+                    </a:p>
+                  </a:txBody>
+                  <a:tcPr/>
+                </a:tc>
+                <a:extLst>
+                  <a:ext uri="{0D108BD9-81ED-4DB2-BD59-A6C34878D82A}">
+                    <a16:rowId xmlns:a16="http://schemas.microsoft.com/office/drawing/2014/main" val="2255680390"/>
+                  </a:ext>
+                </a:extLst>
+              </a:tr>
+              <a:tr h="336446">
+                <a:tc>
+                  <a:txBody>
+                    <a:bodyPr/>
+                    <a:lstStyle/>
+                    <a:p>
+                      <a:r>
+                        <a:rPr lang="en-US" dirty="0"/>
+                        <a:t>M8</a:t>
+                      </a:r>
+                    </a:p>
+                  </a:txBody>
+                  <a:tcPr/>
+                </a:tc>
+                <a:tc>
+                  <a:txBody>
+                    <a:bodyPr/>
+                    <a:lstStyle/>
+                    <a:p>
+                      <a:r>
+                        <a:rPr lang="en-US" dirty="0" err="1"/>
+                        <a:t>mpg~am+vs+wt+hp</a:t>
+                      </a:r>
+                      <a:endParaRPr lang="en-US" dirty="0"/>
+                    </a:p>
+                  </a:txBody>
+                  <a:tcPr/>
+                </a:tc>
+                <a:extLst>
+                  <a:ext uri="{0D108BD9-81ED-4DB2-BD59-A6C34878D82A}">
+                    <a16:rowId xmlns:a16="http://schemas.microsoft.com/office/drawing/2014/main" val="1894557044"/>
+                  </a:ext>
+                </a:extLst>
+              </a:tr>
+              <a:tr h="336446">
+                <a:tc>
+                  <a:txBody>
+                    <a:bodyPr/>
+                    <a:lstStyle/>
+                    <a:p>
+                      <a:r>
+                        <a:rPr lang="en-US" dirty="0"/>
+                        <a:t>M9</a:t>
+                      </a:r>
+                    </a:p>
+                  </a:txBody>
+                  <a:tcPr/>
+                </a:tc>
+                <a:tc>
+                  <a:txBody>
+                    <a:bodyPr/>
+                    <a:lstStyle/>
+                    <a:p>
+                      <a:r>
+                        <a:rPr lang="en-US" dirty="0" err="1">
+                          <a:solidFill>
+                            <a:schemeClr val="tx1"/>
+                          </a:solidFill>
+                        </a:rPr>
+                        <a:t>mpg~am+wt</a:t>
+                      </a:r>
+                      <a:r>
+                        <a:rPr lang="en-US" dirty="0">
+                          <a:solidFill>
+                            <a:schemeClr val="tx1"/>
+                          </a:solidFill>
+                        </a:rPr>
+                        <a:t>*hp</a:t>
+                      </a:r>
+                    </a:p>
+                  </a:txBody>
+                  <a:tcPr/>
+                </a:tc>
+                <a:extLst>
+                  <a:ext uri="{0D108BD9-81ED-4DB2-BD59-A6C34878D82A}">
+                    <a16:rowId xmlns:a16="http://schemas.microsoft.com/office/drawing/2014/main" val="2577043371"/>
+                  </a:ext>
+                </a:extLst>
+              </a:tr>
+              <a:tr h="336446">
+                <a:tc>
+                  <a:txBody>
+                    <a:bodyPr/>
+                    <a:lstStyle/>
+                    <a:p>
+                      <a:r>
+                        <a:rPr lang="en-US" dirty="0"/>
+                        <a:t>M10</a:t>
+                      </a:r>
+                    </a:p>
+                  </a:txBody>
+                  <a:tcPr/>
+                </a:tc>
+                <a:tc>
+                  <a:txBody>
+                    <a:bodyPr/>
+                    <a:lstStyle/>
+                    <a:p>
+                      <a:r>
+                        <a:rPr lang="en-US" dirty="0" err="1">
+                          <a:solidFill>
+                            <a:srgbClr val="FF0000"/>
+                          </a:solidFill>
+                        </a:rPr>
+                        <a:t>mpg~vs+wt</a:t>
+                      </a:r>
+                      <a:r>
+                        <a:rPr lang="en-US" dirty="0">
+                          <a:solidFill>
+                            <a:srgbClr val="FF0000"/>
+                          </a:solidFill>
+                        </a:rPr>
+                        <a:t>*hp</a:t>
+                      </a:r>
+                    </a:p>
+                  </a:txBody>
+                  <a:tcPr/>
+                </a:tc>
+                <a:extLst>
+                  <a:ext uri="{0D108BD9-81ED-4DB2-BD59-A6C34878D82A}">
+                    <a16:rowId xmlns:a16="http://schemas.microsoft.com/office/drawing/2014/main" val="2848687513"/>
+                  </a:ext>
+                </a:extLst>
+              </a:tr>
+              <a:tr h="336446">
+                <a:tc>
+                  <a:txBody>
+                    <a:bodyPr/>
+                    <a:lstStyle/>
+                    <a:p>
+                      <a:r>
+                        <a:rPr lang="en-US" dirty="0"/>
+                        <a:t>M11</a:t>
+                      </a:r>
+                    </a:p>
+                  </a:txBody>
+                  <a:tcPr/>
+                </a:tc>
+                <a:tc>
+                  <a:txBody>
+                    <a:bodyPr/>
+                    <a:lstStyle/>
+                    <a:p>
+                      <a:r>
+                        <a:rPr lang="de-DE" dirty="0" err="1"/>
+                        <a:t>mpg~vs+am+wt</a:t>
+                      </a:r>
+                      <a:r>
+                        <a:rPr lang="de-DE" dirty="0"/>
+                        <a:t>*</a:t>
+                      </a:r>
+                      <a:r>
+                        <a:rPr lang="de-DE" dirty="0" err="1"/>
+                        <a:t>hp</a:t>
+                      </a:r>
+                      <a:endParaRPr lang="en-US" dirty="0"/>
+                    </a:p>
+                  </a:txBody>
+                  <a:tcPr/>
+                </a:tc>
+                <a:extLst>
+                  <a:ext uri="{0D108BD9-81ED-4DB2-BD59-A6C34878D82A}">
+                    <a16:rowId xmlns:a16="http://schemas.microsoft.com/office/drawing/2014/main" val="3412817748"/>
+                  </a:ext>
+                </a:extLst>
+              </a:tr>
+            </a:tbl>
+          </a:graphicData>
+        </a:graphic>
+      </p:graphicFrame>
+      <p:grpSp>
+        <p:nvGrpSpPr>
+          <p:cNvPr id="15" name="Group 14">
+            <a:extLst>
+              <a:ext uri="{FF2B5EF4-FFF2-40B4-BE49-F238E27FC236}">
+                <a16:creationId xmlns:a16="http://schemas.microsoft.com/office/drawing/2014/main" id="{14EE34E3-F117-4487-8ACF-33DA65FA11B3}"/>
+              </a:ext>
+              <a:ext uri="{C183D7F6-B498-43B3-948B-1728B52AA6E4}">
+                <adec:decorative xmlns:adec="http://schemas.microsoft.com/office/drawing/2017/decorative" val="1"/>
+              </a:ext>
+            </a:extLst>
+          </p:cNvPr>
+          <p:cNvGrpSpPr>
+            <a:grpSpLocks noGrp="1" noUngrp="1" noRot="1" noChangeAspect="1" noMove="1" noResize="1"/>
+          </p:cNvGrpSpPr>
+          <p:nvPr>
+            <p:extLst>
+              <p:ext uri="{386F3935-93C4-4BCD-93E2-E3B085C9AB24}">
+                <p16:designElem xmlns:p16="http://schemas.microsoft.com/office/powerpoint/2015/main" val="1"/>
+              </p:ext>
+            </p:extLst>
+          </p:nvPr>
+        </p:nvGrpSpPr>
+        <p:grpSpPr>
+          <a:xfrm>
+            <a:off x="5460131" y="482171"/>
+            <a:ext cx="6091791" cy="5149101"/>
+            <a:chOff x="5460131" y="482171"/>
+            <a:chExt cx="6091791" cy="5149101"/>
+          </a:xfrm>
+        </p:grpSpPr>
+        <p:sp>
+          <p:nvSpPr>
+            <p:cNvPr id="16" name="Rectangle 15">
+              <a:extLst>
+                <a:ext uri="{FF2B5EF4-FFF2-40B4-BE49-F238E27FC236}">
+                  <a16:creationId xmlns:a16="http://schemas.microsoft.com/office/drawing/2014/main" id="{39ACC02C-6424-4165-93C4-E83C8E81D462}"/>
+                </a:ext>
+                <a:ext uri="{C183D7F6-B498-43B3-948B-1728B52AA6E4}">
+                  <adec:decorative xmlns:adec="http://schemas.microsoft.com/office/drawing/2017/decorative" val="1"/>
+                </a:ext>
+              </a:extLst>
+            </p:cNvPr>
+            <p:cNvSpPr/>
+            <p:nvPr>
+              <p:extLst>
+                <p:ext uri="{386F3935-93C4-4BCD-93E2-E3B085C9AB24}">
+                  <p16:designElem xmlns:p16="http://schemas.microsoft.com/office/powerpoint/2015/main" val="1"/>
+                </p:ext>
+              </p:extLst>
+            </p:nvPr>
+          </p:nvSpPr>
+          <p:spPr>
+            <a:xfrm>
+              <a:off x="5460131" y="482171"/>
+              <a:ext cx="6091791" cy="5149101"/>
+            </a:xfrm>
+            <a:prstGeom prst="rect">
+              <a:avLst/>
+            </a:prstGeom>
+            <a:gradFill>
+              <a:gsLst>
+                <a:gs pos="0">
+                  <a:srgbClr val="000001"/>
+                </a:gs>
+                <a:gs pos="100000">
+                  <a:srgbClr val="191919"/>
+                </a:gs>
+              </a:gsLst>
+            </a:gradFill>
+            <a:ln w="76200" cmpd="sng">
+              <a:noFill/>
+              <a:miter lim="800000"/>
+            </a:ln>
+            <a:effectLst>
+              <a:outerShdw blurRad="127000" dist="228600" dir="4740000" sx="98000" sy="98000" algn="tl" rotWithShape="0">
+                <a:srgbClr val="000000">
+                  <a:alpha val="34000"/>
+                </a:srgbClr>
+              </a:outerShdw>
+            </a:effectLst>
+            <a:scene3d>
+              <a:camera prst="orthographicFront"/>
+              <a:lightRig rig="threePt" dir="t"/>
+            </a:scene3d>
+            <a:sp3d>
+              <a:bevelT w="152400" h="50800" prst="softRound"/>
+            </a:sp3d>
+          </p:spPr>
+          <p:style>
+            <a:lnRef idx="1">
+              <a:schemeClr val="accent1"/>
+            </a:lnRef>
+            <a:fillRef idx="3">
+              <a:schemeClr val="accent1"/>
+            </a:fillRef>
+            <a:effectRef idx="2">
+              <a:schemeClr val="accent1"/>
+            </a:effectRef>
+            <a:fontRef idx="minor">
+              <a:schemeClr val="lt1"/>
+            </a:fontRef>
+          </p:style>
+          <p:txBody>
+            <a:bodyPr rtlCol="0" anchor="ctr"/>
+            <a:lstStyle/>
+            <a:p>
+              <a:pPr algn="ctr"/>
+              <a:endParaRPr lang="en-US"/>
+            </a:p>
+          </p:txBody>
+        </p:sp>
+        <p:sp>
+          <p:nvSpPr>
+            <p:cNvPr id="17" name="Rectangle 16">
+              <a:extLst>
+                <a:ext uri="{FF2B5EF4-FFF2-40B4-BE49-F238E27FC236}">
+                  <a16:creationId xmlns:a16="http://schemas.microsoft.com/office/drawing/2014/main" id="{C182CB9C-C978-4C9B-9AAD-8B1341897550}"/>
+                </a:ext>
+                <a:ext uri="{C183D7F6-B498-43B3-948B-1728B52AA6E4}">
+                  <adec:decorative xmlns:adec="http://schemas.microsoft.com/office/drawing/2017/decorative" val="1"/>
+                </a:ext>
+              </a:extLst>
+            </p:cNvPr>
+            <p:cNvSpPr/>
+            <p:nvPr>
+              <p:extLst>
+                <p:ext uri="{386F3935-93C4-4BCD-93E2-E3B085C9AB24}">
+                  <p16:designElem xmlns:p16="http://schemas.microsoft.com/office/powerpoint/2015/main" val="1"/>
+                </p:ext>
+              </p:extLst>
+            </p:nvPr>
+          </p:nvSpPr>
+          <p:spPr>
+            <a:xfrm>
+              <a:off x="5778956" y="812507"/>
+              <a:ext cx="5461780" cy="4466452"/>
+            </a:xfrm>
+            <a:prstGeom prst="rect">
+              <a:avLst/>
+            </a:prstGeom>
+            <a:gradFill>
+              <a:gsLst>
+                <a:gs pos="0">
+                  <a:srgbClr val="DADADA"/>
+                </a:gs>
+                <a:gs pos="100000">
+                  <a:srgbClr val="FFFFFE"/>
+                </a:gs>
+              </a:gsLst>
+              <a:lin ang="16200000" scaled="0"/>
+            </a:gradFill>
+            <a:ln w="50800" cmpd="sng">
+              <a:solidFill>
+                <a:srgbClr val="191919"/>
+              </a:solidFill>
+              <a:miter lim="800000"/>
+            </a:ln>
+            <a:effectLst>
+              <a:innerShdw blurRad="63500" dist="88900" dir="14100000">
+                <a:srgbClr val="000000">
+                  <a:alpha val="30000"/>
+                </a:srgbClr>
+              </a:innerShdw>
+            </a:effectLst>
+            <a:scene3d>
+              <a:camera prst="orthographicFront"/>
+              <a:lightRig rig="threePt" dir="t"/>
+            </a:scene3d>
+            <a:sp3d>
+              <a:bevelT prst="relaxedInset"/>
+            </a:sp3d>
+          </p:spPr>
+          <p:style>
+            <a:lnRef idx="1">
+              <a:schemeClr val="accent1"/>
+            </a:lnRef>
+            <a:fillRef idx="3">
+              <a:schemeClr val="accent1"/>
+            </a:fillRef>
+            <a:effectRef idx="2">
+              <a:schemeClr val="accent1"/>
+            </a:effectRef>
+            <a:fontRef idx="minor">
+              <a:schemeClr val="lt1"/>
+            </a:fontRef>
+          </p:style>
+          <p:txBody>
+            <a:bodyPr rtlCol="0" anchor="ctr"/>
+            <a:lstStyle/>
+            <a:p>
+              <a:pPr algn="ctr"/>
+              <a:endParaRPr lang="en-US"/>
+            </a:p>
+          </p:txBody>
+        </p:sp>
+      </p:grpSp>
+      <p:sp>
+        <p:nvSpPr>
+          <p:cNvPr id="19" name="Rectangle 18">
+            <a:extLst>
+              <a:ext uri="{FF2B5EF4-FFF2-40B4-BE49-F238E27FC236}">
+                <a16:creationId xmlns:a16="http://schemas.microsoft.com/office/drawing/2014/main" id="{56388820-A63D-463C-9DBC-060A5ABE33B6}"/>
+              </a:ext>
+              <a:ext uri="{C183D7F6-B498-43B3-948B-1728B52AA6E4}">
+                <adec:decorative xmlns:adec="http://schemas.microsoft.com/office/drawing/2017/decorative" val="1"/>
+              </a:ext>
+            </a:extLst>
+          </p:cNvPr>
+          <p:cNvSpPr>
+            <a:spLocks noGrp="1" noRot="1" noChangeAspect="1" noMove="1" noResize="1" noEditPoints="1" noAdjustHandles="1" noChangeArrowheads="1" noChangeShapeType="1" noTextEdit="1"/>
+          </p:cNvSpPr>
+          <p:nvPr>
+            <p:extLst>
+              <p:ext uri="{386F3935-93C4-4BCD-93E2-E3B085C9AB24}">
+                <p16:designElem xmlns:p16="http://schemas.microsoft.com/office/powerpoint/2015/main" val="1"/>
+              </p:ext>
+            </p:extLst>
+          </p:nvPr>
+        </p:nvSpPr>
+        <p:spPr>
+          <a:xfrm>
+            <a:off x="5942379" y="977965"/>
+            <a:ext cx="5134631" cy="4135339"/>
+          </a:xfrm>
+          <a:prstGeom prst="rect">
+            <a:avLst/>
+          </a:prstGeom>
+          <a:solidFill>
+            <a:schemeClr val="bg1"/>
+          </a:solidFill>
+          <a:ln w="6350">
+            <a:solidFill>
+              <a:schemeClr val="bg2"/>
+            </a:solidFill>
+          </a:ln>
+        </p:spPr>
+        <p:style>
+          <a:lnRef idx="2">
+            <a:schemeClr val="accent1">
+              <a:shade val="50000"/>
+            </a:schemeClr>
+          </a:lnRef>
+          <a:fillRef idx="1">
+            <a:schemeClr val="accent1"/>
+          </a:fillRef>
+          <a:effectRef idx="0">
+            <a:schemeClr val="accent1"/>
+          </a:effectRef>
+          <a:fontRef idx="minor">
+            <a:schemeClr val="lt1"/>
+          </a:fontRef>
+        </p:style>
+        <p:txBody>
+          <a:bodyPr rtlCol="0" anchor="ctr"/>
+          <a:lstStyle/>
+          <a:p>
+            <a:pPr algn="ctr"/>
+            <a:endParaRPr lang="en-US"/>
+          </a:p>
+        </p:txBody>
+      </p:sp>
+      <p:pic>
+        <p:nvPicPr>
+          <p:cNvPr id="21" name="Picture 20">
+            <a:extLst>
+              <a:ext uri="{FF2B5EF4-FFF2-40B4-BE49-F238E27FC236}">
+                <a16:creationId xmlns:a16="http://schemas.microsoft.com/office/drawing/2014/main" id="{C04ED70F-D6FD-4EB1-A171-D30F885FE73E}"/>
+              </a:ext>
+              <a:ext uri="{C183D7F6-B498-43B3-948B-1728B52AA6E4}">
+                <adec:decorative xmlns:adec="http://schemas.microsoft.com/office/drawing/2017/decorative" val="1"/>
+              </a:ext>
+            </a:extLst>
+          </p:cNvPr>
+          <p:cNvPicPr>
+            <a:picLocks noGrp="1" noRot="1" noChangeAspect="1" noMove="1" noResize="1" noEditPoints="1" noAdjustHandles="1" noChangeArrowheads="1" noChangeShapeType="1" noCrop="1"/>
+          </p:cNvPicPr>
+          <p:nvPr>
+            <p:extLst>
+              <p:ext uri="{386F3935-93C4-4BCD-93E2-E3B085C9AB24}">
+                <p16:designElem xmlns:p16="http://schemas.microsoft.com/office/powerpoint/2015/main" val="1"/>
+              </p:ext>
+            </p:extLst>
+          </p:nvPr>
+        </p:nvPicPr>
+        <p:blipFill rotWithShape="1">
+          <a:blip r:embed="rId2">
+            <a:extLst>
+              <a:ext uri="{28A0092B-C50C-407E-A947-70E740481C1C}">
+                <a14:useLocalDpi xmlns:a14="http://schemas.microsoft.com/office/drawing/2010/main" val="0"/>
+              </a:ext>
+            </a:extLst>
+          </a:blip>
+          <a:srcRect t="1538" b="-1538"/>
+          <a:stretch/>
+        </p:blipFill>
+        <p:spPr bwMode="black">
+          <a:xfrm>
+            <a:off x="0" y="6126480"/>
+            <a:ext cx="12192000" cy="742950"/>
+          </a:xfrm>
+          <a:prstGeom prst="rect">
+            <a:avLst/>
+          </a:prstGeom>
+        </p:spPr>
+      </p:pic>
+      <p:pic>
+        <p:nvPicPr>
+          <p:cNvPr id="12" name="Picture 11">
+            <a:extLst>
+              <a:ext uri="{FF2B5EF4-FFF2-40B4-BE49-F238E27FC236}">
+                <a16:creationId xmlns:a16="http://schemas.microsoft.com/office/drawing/2014/main" id="{B37FFE21-9AD1-4A3F-A722-782073C99125}"/>
+              </a:ext>
+            </a:extLst>
+          </p:cNvPr>
+          <p:cNvPicPr>
+            <a:picLocks noChangeAspect="1"/>
+          </p:cNvPicPr>
+          <p:nvPr/>
+        </p:nvPicPr>
+        <p:blipFill>
+          <a:blip r:embed="rId3"/>
+          <a:stretch>
+            <a:fillRect/>
+          </a:stretch>
+        </p:blipFill>
+        <p:spPr>
+          <a:xfrm>
+            <a:off x="5848869" y="1356664"/>
+            <a:ext cx="5228142" cy="3468660"/>
+          </a:xfrm>
+          <a:prstGeom prst="rect">
+            <a:avLst/>
+          </a:prstGeom>
+        </p:spPr>
+      </p:pic>
+      <p:cxnSp>
+        <p:nvCxnSpPr>
+          <p:cNvPr id="23" name="Straight Connector 22">
+            <a:extLst>
+              <a:ext uri="{FF2B5EF4-FFF2-40B4-BE49-F238E27FC236}">
+                <a16:creationId xmlns:a16="http://schemas.microsoft.com/office/drawing/2014/main" id="{DA26CAE9-74C4-4EDD-8A80-77F79EAA86F4}"/>
+              </a:ext>
+              <a:ext uri="{C183D7F6-B498-43B3-948B-1728B52AA6E4}">
+                <adec:decorative xmlns:adec="http://schemas.microsoft.com/office/drawing/2017/decorative" val="1"/>
+              </a:ext>
+            </a:extLst>
+          </p:cNvPr>
+          <p:cNvCxnSpPr>
+            <a:cxnSpLocks noGrp="1" noRot="1" noChangeAspect="1" noMove="1" noResize="1" noEditPoints="1" noAdjustHandles="1" noChangeArrowheads="1" noChangeShapeType="1"/>
+          </p:cNvCxnSpPr>
+          <p:nvPr>
+            <p:extLst>
+              <p:ext uri="{386F3935-93C4-4BCD-93E2-E3B085C9AB24}">
+                <p16:designElem xmlns:p16="http://schemas.microsoft.com/office/powerpoint/2015/main" val="1"/>
+              </p:ext>
+            </p:extLst>
+          </p:nvPr>
+        </p:nvCxnSpPr>
+        <p:spPr>
+          <a:xfrm>
+            <a:off x="0" y="6128413"/>
+            <a:ext cx="12192000" cy="0"/>
+          </a:xfrm>
+          <a:prstGeom prst="line">
+            <a:avLst/>
+          </a:prstGeom>
+          <a:ln w="12700">
+            <a:solidFill>
+              <a:srgbClr val="000001">
+                <a:alpha val="20000"/>
+              </a:srgbClr>
+            </a:solidFill>
+          </a:ln>
+        </p:spPr>
+        <p:style>
+          <a:lnRef idx="1">
+            <a:schemeClr val="accent1"/>
+          </a:lnRef>
+          <a:fillRef idx="0">
+            <a:schemeClr val="accent1"/>
+          </a:fillRef>
+          <a:effectRef idx="0">
+            <a:schemeClr val="accent1"/>
+          </a:effectRef>
+          <a:fontRef idx="minor">
+            <a:schemeClr val="tx1"/>
+          </a:fontRef>
+        </p:style>
+      </p:cxnSp>
+      <p:sp>
+        <p:nvSpPr>
+          <p:cNvPr id="18" name="Content Placeholder 2">
+            <a:extLst>
+              <a:ext uri="{FF2B5EF4-FFF2-40B4-BE49-F238E27FC236}">
+                <a16:creationId xmlns:a16="http://schemas.microsoft.com/office/drawing/2014/main" id="{4EC98C31-918B-4C97-B187-6E7B93608676}"/>
+              </a:ext>
+            </a:extLst>
+          </p:cNvPr>
+          <p:cNvSpPr txBox="1">
+            <a:spLocks/>
+          </p:cNvSpPr>
+          <p:nvPr/>
+        </p:nvSpPr>
+        <p:spPr>
+          <a:xfrm>
+            <a:off x="8110669" y="3362620"/>
+            <a:ext cx="2507427" cy="849561"/>
+          </a:xfrm>
+          <a:prstGeom prst="rect">
+            <a:avLst/>
+          </a:prstGeom>
+        </p:spPr>
+        <p:txBody>
+          <a:bodyPr vert="horz" lIns="91440" tIns="45720" rIns="91440" bIns="45720" rtlCol="0" anchor="t">
+            <a:normAutofit fontScale="92500" lnSpcReduction="10000"/>
+          </a:bodyPr>
+          <a:lstStyle>
+            <a:lvl1pPr marL="228600" indent="-228600" algn="l" defTabSz="914400" rtl="0" eaLnBrk="1" latinLnBrk="0" hangingPunct="1">
+              <a:lnSpc>
+                <a:spcPct val="120000"/>
+              </a:lnSpc>
+              <a:spcBef>
+                <a:spcPts val="1000"/>
+              </a:spcBef>
+              <a:buClr>
+                <a:schemeClr val="accent1"/>
+              </a:buClr>
+              <a:buSzPct val="100000"/>
+              <a:buFont typeface="Arial" panose="020B0604020202020204" pitchFamily="34" charset="0"/>
+              <a:buChar char="•"/>
+              <a:defRPr sz="2000" kern="1200">
+                <a:solidFill>
+                  <a:schemeClr val="tx1"/>
+                </a:solidFill>
+                <a:effectLst/>
+                <a:latin typeface="+mn-lt"/>
+                <a:ea typeface="+mn-ea"/>
+                <a:cs typeface="+mn-cs"/>
+              </a:defRPr>
+            </a:lvl1pPr>
+            <a:lvl2pPr marL="685800" indent="-228600" algn="l" defTabSz="914400" rtl="0" eaLnBrk="1" latinLnBrk="0" hangingPunct="1">
+              <a:lnSpc>
+                <a:spcPct val="120000"/>
+              </a:lnSpc>
+              <a:spcBef>
+                <a:spcPts val="500"/>
+              </a:spcBef>
+              <a:buClr>
+                <a:schemeClr val="accent1"/>
+              </a:buClr>
+              <a:buSzPct val="100000"/>
+              <a:buFont typeface="Arial" panose="020B0604020202020204" pitchFamily="34" charset="0"/>
+              <a:buChar char="•"/>
+              <a:defRPr sz="1800" kern="1200" cap="none" baseline="0">
+                <a:solidFill>
+                  <a:schemeClr val="tx1"/>
+                </a:solidFill>
+                <a:effectLst/>
+                <a:latin typeface="+mn-lt"/>
+                <a:ea typeface="+mn-ea"/>
+                <a:cs typeface="+mn-cs"/>
+              </a:defRPr>
+            </a:lvl2pPr>
+            <a:lvl3pPr marL="1143000" indent="-228600" algn="l" defTabSz="914400" rtl="0" eaLnBrk="1" latinLnBrk="0" hangingPunct="1">
+              <a:lnSpc>
+                <a:spcPct val="120000"/>
+              </a:lnSpc>
+              <a:spcBef>
+                <a:spcPts val="500"/>
+              </a:spcBef>
+              <a:buClr>
+                <a:schemeClr val="accent1"/>
+              </a:buClr>
+              <a:buSzPct val="100000"/>
+              <a:buFont typeface="Arial" panose="020B0604020202020204" pitchFamily="34" charset="0"/>
+              <a:buChar char="•"/>
+              <a:defRPr sz="1600" kern="1200">
+                <a:solidFill>
+                  <a:schemeClr val="tx1"/>
+                </a:solidFill>
+                <a:effectLst/>
+                <a:latin typeface="+mn-lt"/>
+                <a:ea typeface="+mn-ea"/>
+                <a:cs typeface="+mn-cs"/>
+              </a:defRPr>
+            </a:lvl3pPr>
+            <a:lvl4pPr marL="1600200" indent="-228600" algn="l" defTabSz="914400" rtl="0" eaLnBrk="1" latinLnBrk="0" hangingPunct="1">
+              <a:lnSpc>
+                <a:spcPct val="120000"/>
+              </a:lnSpc>
+              <a:spcBef>
+                <a:spcPts val="500"/>
+              </a:spcBef>
+              <a:buClr>
+                <a:schemeClr val="accent1"/>
+              </a:buClr>
+              <a:buSzPct val="100000"/>
+              <a:buFont typeface="Arial" panose="020B0604020202020204" pitchFamily="34" charset="0"/>
+              <a:buChar char="•"/>
+              <a:defRPr sz="1400" kern="1200" cap="none" baseline="0">
+                <a:solidFill>
+                  <a:schemeClr val="tx1"/>
+                </a:solidFill>
+                <a:effectLst/>
+                <a:latin typeface="+mn-lt"/>
+                <a:ea typeface="+mn-ea"/>
+                <a:cs typeface="+mn-cs"/>
+              </a:defRPr>
+            </a:lvl4pPr>
+            <a:lvl5pPr marL="2057400" indent="-228600" algn="l" defTabSz="914400" rtl="0" eaLnBrk="1" latinLnBrk="0" hangingPunct="1">
+              <a:lnSpc>
+                <a:spcPct val="120000"/>
+              </a:lnSpc>
+              <a:spcBef>
+                <a:spcPts val="500"/>
+              </a:spcBef>
+              <a:buClr>
+                <a:schemeClr val="accent1"/>
+              </a:buClr>
+              <a:buSzPct val="100000"/>
+              <a:buFont typeface="Arial" panose="020B0604020202020204" pitchFamily="34" charset="0"/>
+              <a:buChar char="•"/>
+              <a:defRPr sz="1200" kern="1200">
+                <a:solidFill>
+                  <a:schemeClr val="tx1"/>
+                </a:solidFill>
+                <a:effectLst/>
+                <a:latin typeface="+mn-lt"/>
+                <a:ea typeface="+mn-ea"/>
+                <a:cs typeface="+mn-cs"/>
+              </a:defRPr>
+            </a:lvl5pPr>
+            <a:lvl6pPr marL="2514600" indent="-228600" algn="l" defTabSz="914400" rtl="0" eaLnBrk="1" latinLnBrk="0" hangingPunct="1">
+              <a:lnSpc>
+                <a:spcPct val="120000"/>
+              </a:lnSpc>
+              <a:spcBef>
+                <a:spcPts val="500"/>
+              </a:spcBef>
+              <a:buClr>
+                <a:schemeClr val="accent1"/>
+              </a:buClr>
+              <a:buSzPct val="100000"/>
+              <a:buFont typeface="Arial" panose="020B0604020202020204" pitchFamily="34" charset="0"/>
+              <a:buChar char="•"/>
+              <a:defRPr sz="1200" kern="1200">
+                <a:solidFill>
+                  <a:schemeClr val="tx1"/>
+                </a:solidFill>
+                <a:effectLst/>
+                <a:latin typeface="+mn-lt"/>
+                <a:ea typeface="+mn-ea"/>
+                <a:cs typeface="+mn-cs"/>
+              </a:defRPr>
+            </a:lvl6pPr>
+            <a:lvl7pPr marL="2971800" indent="-228600" algn="l" defTabSz="914400" rtl="0" eaLnBrk="1" latinLnBrk="0" hangingPunct="1">
+              <a:lnSpc>
+                <a:spcPct val="120000"/>
+              </a:lnSpc>
+              <a:spcBef>
+                <a:spcPts val="500"/>
+              </a:spcBef>
+              <a:buClr>
+                <a:schemeClr val="accent1"/>
+              </a:buClr>
+              <a:buSzPct val="100000"/>
+              <a:buFont typeface="Arial" panose="020B0604020202020204" pitchFamily="34" charset="0"/>
+              <a:buChar char="•"/>
+              <a:defRPr sz="1200" kern="1200">
+                <a:solidFill>
+                  <a:schemeClr val="tx1"/>
+                </a:solidFill>
+                <a:effectLst/>
+                <a:latin typeface="+mn-lt"/>
+                <a:ea typeface="+mn-ea"/>
+                <a:cs typeface="+mn-cs"/>
+              </a:defRPr>
+            </a:lvl7pPr>
+            <a:lvl8pPr marL="3429000" indent="-228600" algn="l" defTabSz="914400" rtl="0" eaLnBrk="1" latinLnBrk="0" hangingPunct="1">
+              <a:lnSpc>
+                <a:spcPct val="120000"/>
+              </a:lnSpc>
+              <a:spcBef>
+                <a:spcPts val="500"/>
+              </a:spcBef>
+              <a:buClr>
+                <a:schemeClr val="accent1"/>
+              </a:buClr>
+              <a:buSzPct val="100000"/>
+              <a:buFont typeface="Arial" panose="020B0604020202020204" pitchFamily="34" charset="0"/>
+              <a:buChar char="•"/>
+              <a:defRPr sz="1200" kern="1200" baseline="0">
+                <a:solidFill>
+                  <a:schemeClr val="tx1"/>
+                </a:solidFill>
+                <a:effectLst/>
+                <a:latin typeface="+mn-lt"/>
+                <a:ea typeface="+mn-ea"/>
+                <a:cs typeface="+mn-cs"/>
+              </a:defRPr>
+            </a:lvl8pPr>
+            <a:lvl9pPr marL="3886200" indent="-228600" algn="l" defTabSz="914400" rtl="0" eaLnBrk="1" latinLnBrk="0" hangingPunct="1">
+              <a:lnSpc>
+                <a:spcPct val="120000"/>
+              </a:lnSpc>
+              <a:spcBef>
+                <a:spcPts val="500"/>
+              </a:spcBef>
+              <a:buClr>
+                <a:schemeClr val="accent1"/>
+              </a:buClr>
+              <a:buSzPct val="100000"/>
+              <a:buFont typeface="Arial" panose="020B0604020202020204" pitchFamily="34" charset="0"/>
+              <a:buChar char="•"/>
+              <a:defRPr sz="1200" kern="1200" baseline="0">
+                <a:solidFill>
+                  <a:schemeClr val="tx1"/>
+                </a:solidFill>
+                <a:effectLst/>
+                <a:latin typeface="+mn-lt"/>
+                <a:ea typeface="+mn-ea"/>
+                <a:cs typeface="+mn-cs"/>
+              </a:defRPr>
+            </a:lvl9pPr>
+          </a:lstStyle>
+          <a:p>
+            <a:pPr marL="0" indent="0">
+              <a:lnSpc>
+                <a:spcPct val="110000"/>
+              </a:lnSpc>
+              <a:buFont typeface="Arial" panose="020B0604020202020204" pitchFamily="34" charset="0"/>
+              <a:buNone/>
+            </a:pPr>
+            <a:r>
+              <a:rPr lang="en-US" sz="1700" dirty="0"/>
+              <a:t>Final model does not use am variable (transmission type)</a:t>
+            </a:r>
+          </a:p>
+        </p:txBody>
+      </p:sp>
+    </p:spTree>
+    <p:extLst>
+      <p:ext uri="{BB962C8B-B14F-4D97-AF65-F5344CB8AC3E}">
+        <p14:creationId xmlns:p14="http://schemas.microsoft.com/office/powerpoint/2010/main" val="3028474175"/>
+      </p:ext>
+    </p:extLst>
+  </p:cSld>
+  <p:clrMapOvr>
+    <a:masterClrMapping/>
+  </p:clrMapOvr>
+</p:sld>
+</file>
+
+<file path=ppt/slides/slide7.xml><?xml version="1.0" encoding="utf-8"?>
+<p:sld xmlns:a="http://schemas.openxmlformats.org/drawingml/2006/main" xmlns:r="http://schemas.openxmlformats.org/officeDocument/2006/relationships" xmlns:p="http://schemas.openxmlformats.org/presentationml/2006/main">
+  <p:cSld>
+    <p:bg>
+      <p:bgPr>
+        <a:gradFill rotWithShape="1">
+          <a:gsLst>
+            <a:gs pos="0">
+              <a:schemeClr val="bg2">
+                <a:tint val="94000"/>
+                <a:satMod val="80000"/>
+                <a:lumMod val="106000"/>
+              </a:schemeClr>
+            </a:gs>
+            <a:gs pos="100000">
+              <a:schemeClr val="bg2">
+                <a:shade val="80000"/>
+              </a:schemeClr>
+            </a:gs>
+          </a:gsLst>
+          <a:path path="circle">
+            <a:fillToRect l="43000" r="43000" b="100000"/>
+          </a:path>
+        </a:gradFill>
+        <a:effectLst/>
+      </p:bgPr>
+    </p:bg>
+    <p:spTree>
+      <p:nvGrpSpPr>
+        <p:cNvPr id="1" name=""/>
+        <p:cNvGrpSpPr/>
+        <p:nvPr/>
+      </p:nvGrpSpPr>
+      <p:grpSpPr>
+        <a:xfrm>
+          <a:off x="0" y="0"/>
+          <a:ext cx="0" cy="0"/>
+          <a:chOff x="0" y="0"/>
+          <a:chExt cx="0" cy="0"/>
+        </a:xfrm>
+      </p:grpSpPr>
+      <p:sp>
+        <p:nvSpPr>
+          <p:cNvPr id="2" name="Title 1">
+            <a:extLst>
+              <a:ext uri="{FF2B5EF4-FFF2-40B4-BE49-F238E27FC236}">
+                <a16:creationId xmlns:a16="http://schemas.microsoft.com/office/drawing/2014/main" id="{B3BE013E-BC4A-4FCD-9F06-C5CB729B4F01}"/>
+              </a:ext>
+            </a:extLst>
+          </p:cNvPr>
+          <p:cNvSpPr>
+            <a:spLocks noGrp="1"/>
+          </p:cNvSpPr>
+          <p:nvPr>
+            <p:ph type="title"/>
+          </p:nvPr>
+        </p:nvSpPr>
+        <p:spPr>
+          <a:xfrm>
+            <a:off x="1451579" y="804519"/>
+            <a:ext cx="9603275" cy="1049235"/>
+          </a:xfrm>
+        </p:spPr>
+        <p:txBody>
+          <a:bodyPr vert="horz" lIns="91440" tIns="45720" rIns="91440" bIns="45720" rtlCol="0" anchor="t">
+            <a:normAutofit/>
+          </a:bodyPr>
+          <a:lstStyle/>
+          <a:p>
+            <a:r>
+              <a:rPr lang="en-US"/>
+              <a:t>Model summary</a:t>
+            </a:r>
+          </a:p>
+        </p:txBody>
+      </p:sp>
+      <mc:AlternateContent xmlns:mc="http://schemas.openxmlformats.org/markup-compatibility/2006">
+        <mc:Choice xmlns:a14="http://schemas.microsoft.com/office/drawing/2010/main" Requires="a14">
+          <p:sp>
+            <p:nvSpPr>
+              <p:cNvPr id="60" name="Content Placeholder 2">
+                <a:extLst>
+                  <a:ext uri="{FF2B5EF4-FFF2-40B4-BE49-F238E27FC236}">
+                    <a16:creationId xmlns:a16="http://schemas.microsoft.com/office/drawing/2014/main" id="{ADEDD997-DF22-4A0E-A171-576A52181923}"/>
+                  </a:ext>
+                </a:extLst>
+              </p:cNvPr>
+              <p:cNvSpPr txBox="1">
+                <a:spLocks/>
+              </p:cNvSpPr>
+              <p:nvPr/>
+            </p:nvSpPr>
+            <p:spPr>
+              <a:xfrm>
+                <a:off x="1451580" y="2015734"/>
+                <a:ext cx="3863010" cy="4037747"/>
+              </a:xfrm>
+              <a:prstGeom prst="rect">
+                <a:avLst/>
+              </a:prstGeom>
+            </p:spPr>
+            <p:txBody>
+              <a:bodyPr vert="horz" lIns="91440" tIns="45720" rIns="91440" bIns="45720" rtlCol="0" anchor="t">
+                <a:normAutofit/>
+              </a:bodyPr>
+              <a:lstStyle>
+                <a:lvl1pPr marL="228600" indent="-228600" algn="l" defTabSz="914400" rtl="0" eaLnBrk="1" latinLnBrk="0" hangingPunct="1">
+                  <a:lnSpc>
+                    <a:spcPct val="120000"/>
+                  </a:lnSpc>
+                  <a:spcBef>
+                    <a:spcPts val="1000"/>
+                  </a:spcBef>
+                  <a:buClr>
+                    <a:schemeClr val="accent1"/>
+                  </a:buClr>
+                  <a:buSzPct val="100000"/>
+                  <a:buFont typeface="Arial" panose="020B0604020202020204" pitchFamily="34" charset="0"/>
+                  <a:buChar char="•"/>
+                  <a:defRPr sz="2000" kern="1200">
+                    <a:solidFill>
+                      <a:schemeClr val="tx1"/>
+                    </a:solidFill>
+                    <a:effectLst/>
+                    <a:latin typeface="+mn-lt"/>
+                    <a:ea typeface="+mn-ea"/>
+                    <a:cs typeface="+mn-cs"/>
+                  </a:defRPr>
+                </a:lvl1pPr>
+                <a:lvl2pPr marL="685800" indent="-228600" algn="l" defTabSz="914400" rtl="0" eaLnBrk="1" latinLnBrk="0" hangingPunct="1">
+                  <a:lnSpc>
+                    <a:spcPct val="120000"/>
+                  </a:lnSpc>
+                  <a:spcBef>
+                    <a:spcPts val="500"/>
+                  </a:spcBef>
+                  <a:buClr>
+                    <a:schemeClr val="accent1"/>
+                  </a:buClr>
+                  <a:buSzPct val="100000"/>
+                  <a:buFont typeface="Arial" panose="020B0604020202020204" pitchFamily="34" charset="0"/>
+                  <a:buChar char="•"/>
+                  <a:defRPr sz="1800" kern="1200" cap="none" baseline="0">
+                    <a:solidFill>
+                      <a:schemeClr val="tx1"/>
+                    </a:solidFill>
+                    <a:effectLst/>
+                    <a:latin typeface="+mn-lt"/>
+                    <a:ea typeface="+mn-ea"/>
+                    <a:cs typeface="+mn-cs"/>
+                  </a:defRPr>
+                </a:lvl2pPr>
+                <a:lvl3pPr marL="1143000" indent="-228600" algn="l" defTabSz="914400" rtl="0" eaLnBrk="1" latinLnBrk="0" hangingPunct="1">
+                  <a:lnSpc>
+                    <a:spcPct val="120000"/>
+                  </a:lnSpc>
+                  <a:spcBef>
+                    <a:spcPts val="500"/>
+                  </a:spcBef>
+                  <a:buClr>
+                    <a:schemeClr val="accent1"/>
+                  </a:buClr>
+                  <a:buSzPct val="100000"/>
+                  <a:buFont typeface="Arial" panose="020B0604020202020204" pitchFamily="34" charset="0"/>
+                  <a:buChar char="•"/>
+                  <a:defRPr sz="1600" kern="1200">
+                    <a:solidFill>
+                      <a:schemeClr val="tx1"/>
+                    </a:solidFill>
+                    <a:effectLst/>
+                    <a:latin typeface="+mn-lt"/>
+                    <a:ea typeface="+mn-ea"/>
+                    <a:cs typeface="+mn-cs"/>
+                  </a:defRPr>
+                </a:lvl3pPr>
+                <a:lvl4pPr marL="1600200" indent="-228600" algn="l" defTabSz="914400" rtl="0" eaLnBrk="1" latinLnBrk="0" hangingPunct="1">
+                  <a:lnSpc>
+                    <a:spcPct val="120000"/>
+                  </a:lnSpc>
+                  <a:spcBef>
+                    <a:spcPts val="500"/>
+                  </a:spcBef>
+                  <a:buClr>
+                    <a:schemeClr val="accent1"/>
+                  </a:buClr>
+                  <a:buSzPct val="100000"/>
+                  <a:buFont typeface="Arial" panose="020B0604020202020204" pitchFamily="34" charset="0"/>
+                  <a:buChar char="•"/>
+                  <a:defRPr sz="1400" kern="1200" cap="none" baseline="0">
+                    <a:solidFill>
+                      <a:schemeClr val="tx1"/>
+                    </a:solidFill>
+                    <a:effectLst/>
+                    <a:latin typeface="+mn-lt"/>
+                    <a:ea typeface="+mn-ea"/>
+                    <a:cs typeface="+mn-cs"/>
+                  </a:defRPr>
+                </a:lvl4pPr>
+                <a:lvl5pPr marL="2057400" indent="-228600" algn="l" defTabSz="914400" rtl="0" eaLnBrk="1" latinLnBrk="0" hangingPunct="1">
+                  <a:lnSpc>
+                    <a:spcPct val="120000"/>
+                  </a:lnSpc>
+                  <a:spcBef>
+                    <a:spcPts val="500"/>
+                  </a:spcBef>
+                  <a:buClr>
+                    <a:schemeClr val="accent1"/>
+                  </a:buClr>
+                  <a:buSzPct val="100000"/>
+                  <a:buFont typeface="Arial" panose="020B0604020202020204" pitchFamily="34" charset="0"/>
+                  <a:buChar char="•"/>
+                  <a:defRPr sz="1200" kern="1200">
+                    <a:solidFill>
+                      <a:schemeClr val="tx1"/>
+                    </a:solidFill>
+                    <a:effectLst/>
+                    <a:latin typeface="+mn-lt"/>
+                    <a:ea typeface="+mn-ea"/>
+                    <a:cs typeface="+mn-cs"/>
+                  </a:defRPr>
+                </a:lvl5pPr>
+                <a:lvl6pPr marL="2514600" indent="-228600" algn="l" defTabSz="914400" rtl="0" eaLnBrk="1" latinLnBrk="0" hangingPunct="1">
+                  <a:lnSpc>
+                    <a:spcPct val="120000"/>
+                  </a:lnSpc>
+                  <a:spcBef>
+                    <a:spcPts val="500"/>
+                  </a:spcBef>
+                  <a:buClr>
+                    <a:schemeClr val="accent1"/>
+                  </a:buClr>
+                  <a:buSzPct val="100000"/>
+                  <a:buFont typeface="Arial" panose="020B0604020202020204" pitchFamily="34" charset="0"/>
+                  <a:buChar char="•"/>
+                  <a:defRPr sz="1200" kern="1200">
+                    <a:solidFill>
+                      <a:schemeClr val="tx1"/>
+                    </a:solidFill>
+                    <a:effectLst/>
+                    <a:latin typeface="+mn-lt"/>
+                    <a:ea typeface="+mn-ea"/>
+                    <a:cs typeface="+mn-cs"/>
+                  </a:defRPr>
+                </a:lvl6pPr>
+                <a:lvl7pPr marL="2971800" indent="-228600" algn="l" defTabSz="914400" rtl="0" eaLnBrk="1" latinLnBrk="0" hangingPunct="1">
+                  <a:lnSpc>
+                    <a:spcPct val="120000"/>
+                  </a:lnSpc>
+                  <a:spcBef>
+                    <a:spcPts val="500"/>
+                  </a:spcBef>
+                  <a:buClr>
+                    <a:schemeClr val="accent1"/>
+                  </a:buClr>
+                  <a:buSzPct val="100000"/>
+                  <a:buFont typeface="Arial" panose="020B0604020202020204" pitchFamily="34" charset="0"/>
+                  <a:buChar char="•"/>
+                  <a:defRPr sz="1200" kern="1200">
+                    <a:solidFill>
+                      <a:schemeClr val="tx1"/>
+                    </a:solidFill>
+                    <a:effectLst/>
+                    <a:latin typeface="+mn-lt"/>
+                    <a:ea typeface="+mn-ea"/>
+                    <a:cs typeface="+mn-cs"/>
+                  </a:defRPr>
+                </a:lvl7pPr>
+                <a:lvl8pPr marL="3429000" indent="-228600" algn="l" defTabSz="914400" rtl="0" eaLnBrk="1" latinLnBrk="0" hangingPunct="1">
+                  <a:lnSpc>
+                    <a:spcPct val="120000"/>
+                  </a:lnSpc>
+                  <a:spcBef>
+                    <a:spcPts val="500"/>
+                  </a:spcBef>
+                  <a:buClr>
+                    <a:schemeClr val="accent1"/>
+                  </a:buClr>
+                  <a:buSzPct val="100000"/>
+                  <a:buFont typeface="Arial" panose="020B0604020202020204" pitchFamily="34" charset="0"/>
+                  <a:buChar char="•"/>
+                  <a:defRPr sz="1200" kern="1200" baseline="0">
+                    <a:solidFill>
+                      <a:schemeClr val="tx1"/>
+                    </a:solidFill>
+                    <a:effectLst/>
+                    <a:latin typeface="+mn-lt"/>
+                    <a:ea typeface="+mn-ea"/>
+                    <a:cs typeface="+mn-cs"/>
+                  </a:defRPr>
+                </a:lvl8pPr>
+                <a:lvl9pPr marL="3886200" indent="-228600" algn="l" defTabSz="914400" rtl="0" eaLnBrk="1" latinLnBrk="0" hangingPunct="1">
+                  <a:lnSpc>
+                    <a:spcPct val="120000"/>
+                  </a:lnSpc>
+                  <a:spcBef>
+                    <a:spcPts val="500"/>
+                  </a:spcBef>
+                  <a:buClr>
+                    <a:schemeClr val="accent1"/>
+                  </a:buClr>
+                  <a:buSzPct val="100000"/>
+                  <a:buFont typeface="Arial" panose="020B0604020202020204" pitchFamily="34" charset="0"/>
+                  <a:buChar char="•"/>
+                  <a:defRPr sz="1200" kern="1200" baseline="0">
+                    <a:solidFill>
+                      <a:schemeClr val="tx1"/>
+                    </a:solidFill>
+                    <a:effectLst/>
+                    <a:latin typeface="+mn-lt"/>
+                    <a:ea typeface="+mn-ea"/>
+                    <a:cs typeface="+mn-cs"/>
+                  </a:defRPr>
+                </a:lvl9pPr>
+              </a:lstStyle>
+              <a:p>
+                <a:pPr marL="0" indent="0">
+                  <a:lnSpc>
+                    <a:spcPct val="110000"/>
+                  </a:lnSpc>
+                  <a:buNone/>
+                </a:pPr>
+                <a:r>
+                  <a:rPr lang="en-US" sz="1400" dirty="0"/>
+                  <a:t>NOTE:</a:t>
+                </a:r>
+              </a:p>
+              <a:p>
+                <a:pPr>
+                  <a:lnSpc>
+                    <a:spcPct val="110000"/>
+                  </a:lnSpc>
+                </a:pPr>
+                <a:r>
+                  <a:rPr lang="en-US" sz="1400" dirty="0"/>
+                  <a:t>All terms are good since they have p&lt;0.05</a:t>
+                </a:r>
+              </a:p>
+              <a:p>
+                <a:pPr>
+                  <a:lnSpc>
+                    <a:spcPct val="110000"/>
+                  </a:lnSpc>
+                </a:pPr>
+                <a:r>
+                  <a:rPr lang="en-US" sz="1400" dirty="0"/>
+                  <a:t>Interaction terms are alright with p </a:t>
+                </a:r>
+                <a:r>
+                  <a:rPr lang="en-US" sz="1400" dirty="0" err="1"/>
+                  <a:t>vals</a:t>
+                </a:r>
+                <a:r>
+                  <a:rPr lang="en-US" sz="1400" dirty="0"/>
+                  <a:t> being slightly above 0.05, but still small </a:t>
+                </a:r>
+              </a:p>
+              <a:p>
+                <a:pPr>
+                  <a:lnSpc>
+                    <a:spcPct val="110000"/>
+                  </a:lnSpc>
+                </a:pPr>
+                <a:r>
+                  <a:rPr lang="en-US" sz="1400" dirty="0"/>
+                  <a:t>Model has a p&lt;0.05, large R^2 term, and good F-test.</a:t>
+                </a:r>
+              </a:p>
+              <a:p>
+                <a:pPr>
+                  <a:lnSpc>
+                    <a:spcPct val="110000"/>
+                  </a:lnSpc>
+                </a:pPr>
+                <a:r>
+                  <a:rPr lang="en-US" sz="1400" dirty="0"/>
+                  <a:t>Model equation</a:t>
+                </a:r>
+              </a:p>
+              <a:p>
+                <a:pPr marL="0" indent="0">
+                  <a:lnSpc>
+                    <a:spcPct val="110000"/>
+                  </a:lnSpc>
+                  <a:buNone/>
+                </a:pPr>
+                <a14:m>
+                  <m:oMathPara xmlns:m="http://schemas.openxmlformats.org/officeDocument/2006/math">
+                    <m:oMathParaPr>
+                      <m:jc m:val="centerGroup"/>
+                    </m:oMathParaPr>
+                    <m:oMath xmlns:m="http://schemas.openxmlformats.org/officeDocument/2006/math">
+                      <m:r>
+                        <m:rPr>
+                          <m:sty m:val="p"/>
+                        </m:rPr>
+                        <a:rPr lang="el-GR" sz="1400" i="1">
+                          <a:latin typeface="Cambria Math" panose="02040503050406030204" pitchFamily="18" charset="0"/>
+                        </a:rPr>
+                        <m:t>μ</m:t>
+                      </m:r>
+                      <m:d>
+                        <m:dPr>
+                          <m:begChr m:val="["/>
+                          <m:endChr m:val="]"/>
+                          <m:ctrlPr>
+                            <a:rPr lang="en-US" sz="1400" b="0" i="1" smtClean="0">
+                              <a:latin typeface="Cambria Math" panose="02040503050406030204" pitchFamily="18" charset="0"/>
+                            </a:rPr>
+                          </m:ctrlPr>
+                        </m:dPr>
+                        <m:e>
+                          <m:r>
+                            <a:rPr lang="en-US" sz="1400" b="0" i="1" smtClean="0">
+                              <a:latin typeface="Cambria Math" panose="02040503050406030204" pitchFamily="18" charset="0"/>
+                            </a:rPr>
+                            <m:t>𝑀𝑃𝐺</m:t>
+                          </m:r>
+                        </m:e>
+                        <m:e>
+                          <m:r>
+                            <a:rPr lang="en-US" sz="1400" b="0" i="1" smtClean="0">
+                              <a:latin typeface="Cambria Math" panose="02040503050406030204" pitchFamily="18" charset="0"/>
+                            </a:rPr>
+                            <m:t>𝑉𝑠</m:t>
+                          </m:r>
+                          <m:r>
+                            <a:rPr lang="en-US" sz="1400" b="0" i="1" smtClean="0">
+                              <a:latin typeface="Cambria Math" panose="02040503050406030204" pitchFamily="18" charset="0"/>
+                            </a:rPr>
+                            <m:t>,</m:t>
+                          </m:r>
+                          <m:r>
+                            <a:rPr lang="en-US" sz="1400" b="0" i="1" smtClean="0">
+                              <a:latin typeface="Cambria Math" panose="02040503050406030204" pitchFamily="18" charset="0"/>
+                            </a:rPr>
+                            <m:t>𝑊𝑡</m:t>
+                          </m:r>
+                          <m:r>
+                            <a:rPr lang="en-US" sz="1400" b="0" i="1" smtClean="0">
+                              <a:latin typeface="Cambria Math" panose="02040503050406030204" pitchFamily="18" charset="0"/>
+                            </a:rPr>
+                            <m:t>∗</m:t>
+                          </m:r>
+                          <m:r>
+                            <a:rPr lang="en-US" sz="1400" b="0" i="1" smtClean="0">
+                              <a:latin typeface="Cambria Math" panose="02040503050406030204" pitchFamily="18" charset="0"/>
+                            </a:rPr>
+                            <m:t>𝐻𝑝</m:t>
+                          </m:r>
+                        </m:e>
+                      </m:d>
+                      <m:r>
+                        <a:rPr lang="en-US" sz="1400" b="0" i="1" smtClean="0">
+                          <a:latin typeface="Cambria Math" panose="02040503050406030204" pitchFamily="18" charset="0"/>
+                        </a:rPr>
+                        <m:t>=</m:t>
+                      </m:r>
+                    </m:oMath>
+                  </m:oMathPara>
+                </a14:m>
+                <a:endParaRPr lang="en-US" sz="1400" b="0" i="1" dirty="0">
+                  <a:latin typeface="Cambria Math" panose="02040503050406030204" pitchFamily="18" charset="0"/>
+                </a:endParaRPr>
+              </a:p>
+              <a:p>
+                <a:pPr marL="0" indent="0">
+                  <a:lnSpc>
+                    <a:spcPct val="110000"/>
+                  </a:lnSpc>
+                  <a:buNone/>
+                </a:pPr>
+                <a14:m>
+                  <m:oMathPara xmlns:m="http://schemas.openxmlformats.org/officeDocument/2006/math">
+                    <m:oMathParaPr>
+                      <m:jc m:val="centerGroup"/>
+                    </m:oMathParaPr>
+                    <m:oMath xmlns:m="http://schemas.openxmlformats.org/officeDocument/2006/math">
+                      <m:r>
+                        <m:rPr>
+                          <m:nor/>
+                        </m:rPr>
+                        <a:rPr lang="en-US" sz="1400" dirty="0">
+                          <a:latin typeface="Cambria Math" panose="02040503050406030204" pitchFamily="18" charset="0"/>
+                        </a:rPr>
+                        <m:t>48.12  +</m:t>
+                      </m:r>
+                      <m:r>
+                        <m:rPr>
+                          <m:nor/>
+                        </m:rPr>
+                        <a:rPr lang="en-US" sz="1400" b="0" i="0" dirty="0" smtClean="0">
+                          <a:latin typeface="Cambria Math" panose="02040503050406030204" pitchFamily="18" charset="0"/>
+                        </a:rPr>
+                        <m:t> </m:t>
+                      </m:r>
+                      <m:r>
+                        <m:rPr>
+                          <m:nor/>
+                        </m:rPr>
+                        <a:rPr lang="en-US" sz="1400" dirty="0">
+                          <a:latin typeface="Cambria Math" panose="02040503050406030204" pitchFamily="18" charset="0"/>
+                        </a:rPr>
+                        <m:t>1.08*</m:t>
+                      </m:r>
+                      <m:r>
+                        <m:rPr>
+                          <m:nor/>
+                        </m:rPr>
+                        <a:rPr lang="en-US" sz="1400" dirty="0">
+                          <a:latin typeface="Cambria Math" panose="02040503050406030204" pitchFamily="18" charset="0"/>
+                        </a:rPr>
+                        <m:t>I</m:t>
+                      </m:r>
+                      <m:r>
+                        <m:rPr>
+                          <m:nor/>
+                        </m:rPr>
+                        <a:rPr lang="en-US" sz="1400" dirty="0">
+                          <a:latin typeface="Cambria Math" panose="02040503050406030204" pitchFamily="18" charset="0"/>
+                        </a:rPr>
+                        <m:t>[</m:t>
+                      </m:r>
+                      <m:r>
+                        <m:rPr>
+                          <m:nor/>
+                        </m:rPr>
+                        <a:rPr lang="en-US" sz="1400" dirty="0">
+                          <a:latin typeface="Cambria Math" panose="02040503050406030204" pitchFamily="18" charset="0"/>
+                        </a:rPr>
+                        <m:t>S</m:t>
+                      </m:r>
+                      <m:r>
+                        <m:rPr>
+                          <m:nor/>
+                        </m:rPr>
+                        <a:rPr lang="en-US" sz="1400" dirty="0">
+                          <a:latin typeface="Cambria Math" panose="02040503050406030204" pitchFamily="18" charset="0"/>
+                        </a:rPr>
+                        <m:t>-</m:t>
+                      </m:r>
+                      <m:r>
+                        <m:rPr>
+                          <m:nor/>
+                        </m:rPr>
+                        <a:rPr lang="en-US" sz="1400" dirty="0">
+                          <a:latin typeface="Cambria Math" panose="02040503050406030204" pitchFamily="18" charset="0"/>
+                        </a:rPr>
+                        <m:t>type</m:t>
+                      </m:r>
+                      <m:r>
+                        <m:rPr>
+                          <m:nor/>
+                        </m:rPr>
+                        <a:rPr lang="en-US" sz="1400" dirty="0">
+                          <a:latin typeface="Cambria Math" panose="02040503050406030204" pitchFamily="18" charset="0"/>
+                        </a:rPr>
+                        <m:t>]</m:t>
+                      </m:r>
+                      <m:r>
+                        <a:rPr lang="en-US" sz="1400">
+                          <a:latin typeface="Cambria Math" panose="02040503050406030204" pitchFamily="18" charset="0"/>
+                        </a:rPr>
+                        <m:t> </m:t>
+                      </m:r>
+                    </m:oMath>
+                  </m:oMathPara>
+                </a14:m>
+                <a:endParaRPr lang="en-US" sz="1400" dirty="0"/>
+              </a:p>
+              <a:p>
+                <a:pPr marL="0" indent="0">
+                  <a:lnSpc>
+                    <a:spcPct val="110000"/>
+                  </a:lnSpc>
+                  <a:buNone/>
+                </a:pPr>
+                <a:endParaRPr lang="en-US" sz="1400" dirty="0"/>
+              </a:p>
+              <a:p>
+                <a:pPr marL="0" indent="0">
+                  <a:lnSpc>
+                    <a:spcPct val="110000"/>
+                  </a:lnSpc>
+                  <a:buNone/>
+                </a:pPr>
+                <a:endParaRPr lang="en-US" sz="1400" dirty="0"/>
+              </a:p>
+            </p:txBody>
+          </p:sp>
+        </mc:Choice>
+        <mc:Fallback>
+          <p:sp>
+            <p:nvSpPr>
+              <p:cNvPr id="60" name="Content Placeholder 2">
+                <a:extLst>
+                  <a:ext uri="{FF2B5EF4-FFF2-40B4-BE49-F238E27FC236}">
+                    <a16:creationId xmlns:a16="http://schemas.microsoft.com/office/drawing/2014/main" id="{ADEDD997-DF22-4A0E-A171-576A52181923}"/>
+                  </a:ext>
+                </a:extLst>
+              </p:cNvPr>
+              <p:cNvSpPr txBox="1">
+                <a:spLocks noRot="1" noChangeAspect="1" noMove="1" noResize="1" noEditPoints="1" noAdjustHandles="1" noChangeArrowheads="1" noChangeShapeType="1" noTextEdit="1"/>
+              </p:cNvSpPr>
+              <p:nvPr/>
+            </p:nvSpPr>
+            <p:spPr>
+              <a:xfrm>
+                <a:off x="1451580" y="2015734"/>
+                <a:ext cx="3863010" cy="4037747"/>
+              </a:xfrm>
+              <a:prstGeom prst="rect">
+                <a:avLst/>
+              </a:prstGeom>
+              <a:blipFill>
+                <a:blip r:embed="rId2"/>
+                <a:stretch>
+                  <a:fillRect l="-473" t="-151"/>
+                </a:stretch>
+              </a:blipFill>
+            </p:spPr>
+            <p:txBody>
+              <a:bodyPr/>
+              <a:lstStyle/>
+              <a:p>
+                <a:r>
+                  <a:rPr lang="en-US">
+                    <a:noFill/>
+                  </a:rPr>
+                  <a:t> </a:t>
+                </a:r>
+              </a:p>
+            </p:txBody>
+          </p:sp>
+        </mc:Fallback>
+      </mc:AlternateContent>
+      <p:pic>
+        <p:nvPicPr>
+          <p:cNvPr id="19" name="Picture 18">
+            <a:extLst>
+              <a:ext uri="{FF2B5EF4-FFF2-40B4-BE49-F238E27FC236}">
+                <a16:creationId xmlns:a16="http://schemas.microsoft.com/office/drawing/2014/main" id="{9CFAEA0B-0AC6-437C-96CA-58E995A5E517}"/>
+              </a:ext>
+            </a:extLst>
+          </p:cNvPr>
+          <p:cNvPicPr>
+            <a:picLocks noChangeAspect="1"/>
+          </p:cNvPicPr>
+          <p:nvPr/>
+        </p:nvPicPr>
+        <p:blipFill>
+          <a:blip r:embed="rId3"/>
+          <a:stretch>
+            <a:fillRect/>
+          </a:stretch>
+        </p:blipFill>
+        <p:spPr>
+          <a:xfrm>
+            <a:off x="5314589" y="2177714"/>
+            <a:ext cx="6315513" cy="3450613"/>
+          </a:xfrm>
+          <a:prstGeom prst="rect">
+            <a:avLst/>
+          </a:prstGeom>
+        </p:spPr>
+      </p:pic>
+    </p:spTree>
+    <p:extLst>
+      <p:ext uri="{BB962C8B-B14F-4D97-AF65-F5344CB8AC3E}">
         <p14:creationId xmlns:p14="http://schemas.microsoft.com/office/powerpoint/2010/main" val="2314544741"/>
+      </p:ext>
+    </p:extLst>
+  </p:cSld>
+  <p:clrMapOvr>
+    <a:masterClrMapping/>
+  </p:clrMapOvr>
+</p:sld>
+</file>
+
+<file path=ppt/slides/slide8.xml><?xml version="1.0" encoding="utf-8"?>
+<p:sld xmlns:a="http://schemas.openxmlformats.org/drawingml/2006/main" xmlns:r="http://schemas.openxmlformats.org/officeDocument/2006/relationships" xmlns:p="http://schemas.openxmlformats.org/presentationml/2006/main">
+  <p:cSld>
+    <p:bg>
+      <p:bgPr>
+        <a:gradFill rotWithShape="1">
+          <a:gsLst>
+            <a:gs pos="0">
+              <a:schemeClr val="bg2">
+                <a:tint val="94000"/>
+                <a:satMod val="80000"/>
+                <a:lumMod val="106000"/>
+              </a:schemeClr>
+            </a:gs>
+            <a:gs pos="100000">
+              <a:schemeClr val="bg2">
+                <a:shade val="80000"/>
+              </a:schemeClr>
+            </a:gs>
+          </a:gsLst>
+          <a:path path="circle">
+            <a:fillToRect l="43000" r="43000" b="100000"/>
+          </a:path>
+        </a:gradFill>
+        <a:effectLst/>
+      </p:bgPr>
+    </p:bg>
+    <p:spTree>
+      <p:nvGrpSpPr>
+        <p:cNvPr id="1" name=""/>
+        <p:cNvGrpSpPr/>
+        <p:nvPr/>
+      </p:nvGrpSpPr>
+      <p:grpSpPr>
+        <a:xfrm>
+          <a:off x="0" y="0"/>
+          <a:ext cx="0" cy="0"/>
+          <a:chOff x="0" y="0"/>
+          <a:chExt cx="0" cy="0"/>
+        </a:xfrm>
+      </p:grpSpPr>
+      <p:sp>
+        <p:nvSpPr>
+          <p:cNvPr id="20" name="Rectangle 9">
+            <a:extLst>
+              <a:ext uri="{FF2B5EF4-FFF2-40B4-BE49-F238E27FC236}">
+                <a16:creationId xmlns:a16="http://schemas.microsoft.com/office/drawing/2014/main" id="{2FAC8C30-93FA-4F99-80C4-C952D83A4950}"/>
+              </a:ext>
+              <a:ext uri="{C183D7F6-B498-43B3-948B-1728B52AA6E4}">
+                <adec:decorative xmlns:adec="http://schemas.microsoft.com/office/drawing/2017/decorative" val="1"/>
+              </a:ext>
+            </a:extLst>
+          </p:cNvPr>
+          <p:cNvSpPr>
+            <a:spLocks noGrp="1" noRot="1" noChangeAspect="1" noMove="1" noResize="1" noEditPoints="1" noAdjustHandles="1" noChangeArrowheads="1" noChangeShapeType="1" noTextEdit="1"/>
+          </p:cNvSpPr>
+          <p:nvPr>
+            <p:extLst>
+              <p:ext uri="{386F3935-93C4-4BCD-93E2-E3B085C9AB24}">
+                <p16:designElem xmlns:p16="http://schemas.microsoft.com/office/powerpoint/2015/main" val="1"/>
+              </p:ext>
+            </p:extLst>
+          </p:nvPr>
+        </p:nvSpPr>
+        <p:spPr>
+          <a:xfrm>
+            <a:off x="0" y="2019476"/>
+            <a:ext cx="12192000" cy="4105941"/>
+          </a:xfrm>
+          <a:prstGeom prst="rect">
+            <a:avLst/>
+          </a:prstGeom>
+          <a:gradFill flip="none" rotWithShape="1">
+            <a:gsLst>
+              <a:gs pos="0">
+                <a:schemeClr val="bg2">
+                  <a:alpha val="0"/>
+                </a:schemeClr>
+              </a:gs>
+              <a:gs pos="100000">
+                <a:schemeClr val="bg2"/>
+              </a:gs>
+            </a:gsLst>
+            <a:lin ang="5400000" scaled="0"/>
+            <a:tileRect/>
+          </a:gradFill>
+          <a:ln>
+            <a:noFill/>
+          </a:ln>
+        </p:spPr>
+        <p:style>
+          <a:lnRef idx="2">
+            <a:schemeClr val="accent1">
+              <a:shade val="50000"/>
+            </a:schemeClr>
+          </a:lnRef>
+          <a:fillRef idx="1">
+            <a:schemeClr val="accent1"/>
+          </a:fillRef>
+          <a:effectRef idx="0">
+            <a:schemeClr val="accent1"/>
+          </a:effectRef>
+          <a:fontRef idx="minor">
+            <a:schemeClr val="lt1"/>
+          </a:fontRef>
+        </p:style>
+      </p:sp>
+      <p:pic>
+        <p:nvPicPr>
+          <p:cNvPr id="21" name="Picture 11">
+            <a:extLst>
+              <a:ext uri="{FF2B5EF4-FFF2-40B4-BE49-F238E27FC236}">
+                <a16:creationId xmlns:a16="http://schemas.microsoft.com/office/drawing/2014/main" id="{F3ACDE2A-6BC1-4786-87B1-F7DA35351E7A}"/>
+              </a:ext>
+              <a:ext uri="{C183D7F6-B498-43B3-948B-1728B52AA6E4}">
+                <adec:decorative xmlns:adec="http://schemas.microsoft.com/office/drawing/2017/decorative" val="1"/>
+              </a:ext>
+            </a:extLst>
+          </p:cNvPr>
+          <p:cNvPicPr>
+            <a:picLocks noGrp="1" noRot="1" noChangeAspect="1" noMove="1" noResize="1" noEditPoints="1" noAdjustHandles="1" noChangeArrowheads="1" noChangeShapeType="1" noCrop="1"/>
+          </p:cNvPicPr>
+          <p:nvPr>
+            <p:extLst>
+              <p:ext uri="{386F3935-93C4-4BCD-93E2-E3B085C9AB24}">
+                <p16:designElem xmlns:p16="http://schemas.microsoft.com/office/powerpoint/2015/main" val="1"/>
+              </p:ext>
+            </p:extLst>
+          </p:nvPr>
+        </p:nvPicPr>
+        <p:blipFill rotWithShape="1">
+          <a:blip r:embed="rId2">
+            <a:extLst>
+              <a:ext uri="{28A0092B-C50C-407E-A947-70E740481C1C}">
+                <a14:useLocalDpi xmlns:a14="http://schemas.microsoft.com/office/drawing/2010/main" val="0"/>
+              </a:ext>
+            </a:extLst>
+          </a:blip>
+          <a:srcRect t="1538" b="-1538"/>
+          <a:stretch/>
+        </p:blipFill>
+        <p:spPr bwMode="black">
+          <a:xfrm>
+            <a:off x="0" y="6126480"/>
+            <a:ext cx="12192000" cy="742950"/>
+          </a:xfrm>
+          <a:prstGeom prst="rect">
+            <a:avLst/>
+          </a:prstGeom>
+        </p:spPr>
+      </p:pic>
+      <p:cxnSp>
+        <p:nvCxnSpPr>
+          <p:cNvPr id="22" name="Straight Connector 13">
+            <a:extLst>
+              <a:ext uri="{FF2B5EF4-FFF2-40B4-BE49-F238E27FC236}">
+                <a16:creationId xmlns:a16="http://schemas.microsoft.com/office/drawing/2014/main" id="{0A2CC8B5-9886-4AFA-BE09-6178A4ED301A}"/>
+              </a:ext>
+              <a:ext uri="{C183D7F6-B498-43B3-948B-1728B52AA6E4}">
+                <adec:decorative xmlns:adec="http://schemas.microsoft.com/office/drawing/2017/decorative" val="1"/>
+              </a:ext>
+            </a:extLst>
+          </p:cNvPr>
+          <p:cNvCxnSpPr>
+            <a:cxnSpLocks noGrp="1" noRot="1" noChangeAspect="1" noMove="1" noResize="1" noEditPoints="1" noAdjustHandles="1" noChangeArrowheads="1" noChangeShapeType="1"/>
+          </p:cNvCxnSpPr>
+          <p:nvPr>
+            <p:extLst>
+              <p:ext uri="{386F3935-93C4-4BCD-93E2-E3B085C9AB24}">
+                <p16:designElem xmlns:p16="http://schemas.microsoft.com/office/powerpoint/2015/main" val="1"/>
+              </p:ext>
+            </p:extLst>
+          </p:nvPr>
+        </p:nvCxnSpPr>
+        <p:spPr>
+          <a:xfrm>
+            <a:off x="0" y="6128413"/>
+            <a:ext cx="12192000" cy="0"/>
+          </a:xfrm>
+          <a:prstGeom prst="line">
+            <a:avLst/>
+          </a:prstGeom>
+          <a:ln w="12700">
+            <a:solidFill>
+              <a:srgbClr val="000001">
+                <a:alpha val="20000"/>
+              </a:srgbClr>
+            </a:solidFill>
+          </a:ln>
+        </p:spPr>
+        <p:style>
+          <a:lnRef idx="1">
+            <a:schemeClr val="accent1"/>
+          </a:lnRef>
+          <a:fillRef idx="0">
+            <a:schemeClr val="accent1"/>
+          </a:fillRef>
+          <a:effectRef idx="0">
+            <a:schemeClr val="accent1"/>
+          </a:effectRef>
+          <a:fontRef idx="minor">
+            <a:schemeClr val="tx1"/>
+          </a:fontRef>
+        </p:style>
+      </p:cxnSp>
+      <p:sp useBgFill="1">
+        <p:nvSpPr>
+          <p:cNvPr id="23" name="Rectangle 15">
+            <a:extLst>
+              <a:ext uri="{FF2B5EF4-FFF2-40B4-BE49-F238E27FC236}">
+                <a16:creationId xmlns:a16="http://schemas.microsoft.com/office/drawing/2014/main" id="{87F32A0E-05A0-47B4-AA1E-84704ACC636B}"/>
+              </a:ext>
+              <a:ext uri="{C183D7F6-B498-43B3-948B-1728B52AA6E4}">
+                <adec:decorative xmlns:adec="http://schemas.microsoft.com/office/drawing/2017/decorative" val="1"/>
+              </a:ext>
+            </a:extLst>
+          </p:cNvPr>
+          <p:cNvSpPr>
+            <a:spLocks noGrp="1" noRot="1" noChangeAspect="1" noMove="1" noResize="1" noEditPoints="1" noAdjustHandles="1" noChangeArrowheads="1" noChangeShapeType="1" noTextEdit="1"/>
+          </p:cNvSpPr>
+          <p:nvPr>
+            <p:extLst>
+              <p:ext uri="{386F3935-93C4-4BCD-93E2-E3B085C9AB24}">
+                <p16:designElem xmlns:p16="http://schemas.microsoft.com/office/powerpoint/2015/main" val="1"/>
+              </p:ext>
+            </p:extLst>
+          </p:nvPr>
+        </p:nvSpPr>
+        <p:spPr>
+          <a:xfrm>
+            <a:off x="0" y="0"/>
+            <a:ext cx="12192000" cy="6858000"/>
+          </a:xfrm>
+          <a:prstGeom prst="rect">
+            <a:avLst/>
+          </a:prstGeom>
+          <a:ln>
+            <a:noFill/>
+          </a:ln>
+        </p:spPr>
+        <p:style>
+          <a:lnRef idx="2">
+            <a:schemeClr val="accent1">
+              <a:shade val="50000"/>
+            </a:schemeClr>
+          </a:lnRef>
+          <a:fillRef idx="1">
+            <a:schemeClr val="accent1"/>
+          </a:fillRef>
+          <a:effectRef idx="0">
+            <a:schemeClr val="accent1"/>
+          </a:effectRef>
+          <a:fontRef idx="minor">
+            <a:schemeClr val="lt1"/>
+          </a:fontRef>
+        </p:style>
+        <p:txBody>
+          <a:bodyPr rtlCol="0" anchor="ctr"/>
+          <a:lstStyle/>
+          <a:p>
+            <a:pPr algn="ctr"/>
+            <a:endParaRPr lang="en-US"/>
+          </a:p>
+        </p:txBody>
+      </p:sp>
+      <p:sp>
+        <p:nvSpPr>
+          <p:cNvPr id="24" name="Rectangle 17">
+            <a:extLst>
+              <a:ext uri="{FF2B5EF4-FFF2-40B4-BE49-F238E27FC236}">
+                <a16:creationId xmlns:a16="http://schemas.microsoft.com/office/drawing/2014/main" id="{6A731EC3-9556-4509-8379-DDBE0D4EB23A}"/>
+              </a:ext>
+              <a:ext uri="{C183D7F6-B498-43B3-948B-1728B52AA6E4}">
+                <adec:decorative xmlns:adec="http://schemas.microsoft.com/office/drawing/2017/decorative" val="1"/>
+              </a:ext>
+            </a:extLst>
+          </p:cNvPr>
+          <p:cNvSpPr>
+            <a:spLocks noGrp="1" noRot="1" noChangeAspect="1" noMove="1" noResize="1" noEditPoints="1" noAdjustHandles="1" noChangeArrowheads="1" noChangeShapeType="1" noTextEdit="1"/>
+          </p:cNvSpPr>
+          <p:nvPr>
+            <p:extLst>
+              <p:ext uri="{386F3935-93C4-4BCD-93E2-E3B085C9AB24}">
+                <p16:designElem xmlns:p16="http://schemas.microsoft.com/office/powerpoint/2015/main" val="1"/>
+              </p:ext>
+            </p:extLst>
+          </p:nvPr>
+        </p:nvSpPr>
+        <p:spPr>
+          <a:xfrm>
+            <a:off x="477012" y="480060"/>
+            <a:ext cx="11237976" cy="5897880"/>
+          </a:xfrm>
+          <a:prstGeom prst="rect">
+            <a:avLst/>
+          </a:prstGeom>
+          <a:solidFill>
+            <a:srgbClr val="FFFFFF"/>
+          </a:solidFill>
+          <a:ln w="22225">
+            <a:solidFill>
+              <a:schemeClr val="tx1">
+                <a:lumMod val="50000"/>
+                <a:lumOff val="50000"/>
+              </a:schemeClr>
+            </a:solidFill>
+          </a:ln>
+        </p:spPr>
+        <p:style>
+          <a:lnRef idx="2">
+            <a:schemeClr val="accent1">
+              <a:shade val="50000"/>
+            </a:schemeClr>
+          </a:lnRef>
+          <a:fillRef idx="1">
+            <a:schemeClr val="accent1"/>
+          </a:fillRef>
+          <a:effectRef idx="0">
+            <a:schemeClr val="accent1"/>
+          </a:effectRef>
+          <a:fontRef idx="minor">
+            <a:schemeClr val="lt1"/>
+          </a:fontRef>
+        </p:style>
+        <p:txBody>
+          <a:bodyPr rtlCol="0" anchor="ctr"/>
+          <a:lstStyle/>
+          <a:p>
+            <a:pPr algn="ctr"/>
+            <a:endParaRPr lang="en-US"/>
+          </a:p>
+        </p:txBody>
+      </p:sp>
+      <p:pic>
+        <p:nvPicPr>
+          <p:cNvPr id="4" name="Picture 3">
+            <a:extLst>
+              <a:ext uri="{FF2B5EF4-FFF2-40B4-BE49-F238E27FC236}">
+                <a16:creationId xmlns:a16="http://schemas.microsoft.com/office/drawing/2014/main" id="{28475925-C837-4DE6-B5DC-457694DCC3FA}"/>
+              </a:ext>
+            </a:extLst>
+          </p:cNvPr>
+          <p:cNvPicPr>
+            <a:picLocks noChangeAspect="1"/>
+          </p:cNvPicPr>
+          <p:nvPr/>
+        </p:nvPicPr>
+        <p:blipFill>
+          <a:blip r:embed="rId3"/>
+          <a:stretch>
+            <a:fillRect/>
+          </a:stretch>
+        </p:blipFill>
+        <p:spPr>
+          <a:xfrm>
+            <a:off x="643467" y="870538"/>
+            <a:ext cx="5372099" cy="5116924"/>
+          </a:xfrm>
+          <a:prstGeom prst="rect">
+            <a:avLst/>
+          </a:prstGeom>
+        </p:spPr>
+      </p:pic>
+      <p:sp>
+        <p:nvSpPr>
+          <p:cNvPr id="19" name="Title 1">
+            <a:extLst>
+              <a:ext uri="{FF2B5EF4-FFF2-40B4-BE49-F238E27FC236}">
+                <a16:creationId xmlns:a16="http://schemas.microsoft.com/office/drawing/2014/main" id="{E9B19416-C8D6-4AB0-AE29-0771D0CD64BC}"/>
+              </a:ext>
+            </a:extLst>
+          </p:cNvPr>
+          <p:cNvSpPr>
+            <a:spLocks noGrp="1"/>
+          </p:cNvSpPr>
+          <p:nvPr>
+            <p:ph type="title"/>
+          </p:nvPr>
+        </p:nvSpPr>
+        <p:spPr>
+          <a:xfrm>
+            <a:off x="1185882" y="732583"/>
+            <a:ext cx="3530157" cy="1049235"/>
+          </a:xfrm>
+        </p:spPr>
+        <p:txBody>
+          <a:bodyPr>
+            <a:normAutofit/>
+          </a:bodyPr>
+          <a:lstStyle/>
+          <a:p>
+            <a:r>
+              <a:rPr lang="en-US" dirty="0"/>
+              <a:t>SVA’s</a:t>
+            </a:r>
+          </a:p>
+        </p:txBody>
+      </p:sp>
+      <p:pic>
+        <p:nvPicPr>
+          <p:cNvPr id="6" name="Picture 5">
+            <a:extLst>
+              <a:ext uri="{FF2B5EF4-FFF2-40B4-BE49-F238E27FC236}">
+                <a16:creationId xmlns:a16="http://schemas.microsoft.com/office/drawing/2014/main" id="{0F24E58D-986B-4A2A-AC76-DFE4393820E5}"/>
+              </a:ext>
+            </a:extLst>
+          </p:cNvPr>
+          <p:cNvPicPr>
+            <a:picLocks noChangeAspect="1"/>
+          </p:cNvPicPr>
+          <p:nvPr/>
+        </p:nvPicPr>
+        <p:blipFill>
+          <a:blip r:embed="rId4"/>
+          <a:stretch>
+            <a:fillRect/>
+          </a:stretch>
+        </p:blipFill>
+        <p:spPr>
+          <a:xfrm>
+            <a:off x="6015566" y="1053512"/>
+            <a:ext cx="5372100" cy="4933950"/>
+          </a:xfrm>
+          <a:prstGeom prst="rect">
+            <a:avLst/>
+          </a:prstGeom>
+        </p:spPr>
+      </p:pic>
+    </p:spTree>
+    <p:extLst>
+      <p:ext uri="{BB962C8B-B14F-4D97-AF65-F5344CB8AC3E}">
+        <p14:creationId xmlns:p14="http://schemas.microsoft.com/office/powerpoint/2010/main" val="577455271"/>
+      </p:ext>
+    </p:extLst>
+  </p:cSld>
+  <p:clrMapOvr>
+    <a:masterClrMapping/>
+  </p:clrMapOvr>
+</p:sld>
+</file>
+
+<file path=ppt/slides/slide9.xml><?xml version="1.0" encoding="utf-8"?>
+<p:sld xmlns:a="http://schemas.openxmlformats.org/drawingml/2006/main" xmlns:r="http://schemas.openxmlformats.org/officeDocument/2006/relationships" xmlns:p="http://schemas.openxmlformats.org/presentationml/2006/main">
+  <p:cSld>
+    <p:bg>
+      <p:bgPr>
+        <a:gradFill rotWithShape="1">
+          <a:gsLst>
+            <a:gs pos="0">
+              <a:schemeClr val="bg2">
+                <a:tint val="94000"/>
+                <a:satMod val="80000"/>
+                <a:lumMod val="106000"/>
+              </a:schemeClr>
+            </a:gs>
+            <a:gs pos="100000">
+              <a:schemeClr val="bg2">
+                <a:shade val="80000"/>
+              </a:schemeClr>
+            </a:gs>
+          </a:gsLst>
+          <a:path path="circle">
+            <a:fillToRect l="43000" r="43000" b="100000"/>
+          </a:path>
+        </a:gradFill>
+        <a:effectLst/>
+      </p:bgPr>
+    </p:bg>
+    <p:spTree>
+      <p:nvGrpSpPr>
+        <p:cNvPr id="1" name=""/>
+        <p:cNvGrpSpPr/>
+        <p:nvPr/>
+      </p:nvGrpSpPr>
+      <p:grpSpPr>
+        <a:xfrm>
+          <a:off x="0" y="0"/>
+          <a:ext cx="0" cy="0"/>
+          <a:chOff x="0" y="0"/>
+          <a:chExt cx="0" cy="0"/>
+        </a:xfrm>
+      </p:grpSpPr>
+      <p:sp>
+        <p:nvSpPr>
+          <p:cNvPr id="20" name="Rectangle 9">
+            <a:extLst>
+              <a:ext uri="{FF2B5EF4-FFF2-40B4-BE49-F238E27FC236}">
+                <a16:creationId xmlns:a16="http://schemas.microsoft.com/office/drawing/2014/main" id="{6738F172-08B9-4BA5-B753-7D93472C0B11}"/>
+              </a:ext>
+              <a:ext uri="{C183D7F6-B498-43B3-948B-1728B52AA6E4}">
+                <adec:decorative xmlns:adec="http://schemas.microsoft.com/office/drawing/2017/decorative" val="1"/>
+              </a:ext>
+            </a:extLst>
+          </p:cNvPr>
+          <p:cNvSpPr>
+            <a:spLocks noGrp="1" noRot="1" noChangeAspect="1" noMove="1" noResize="1" noEditPoints="1" noAdjustHandles="1" noChangeArrowheads="1" noChangeShapeType="1" noTextEdit="1"/>
+          </p:cNvSpPr>
+          <p:nvPr>
+            <p:extLst>
+              <p:ext uri="{386F3935-93C4-4BCD-93E2-E3B085C9AB24}">
+                <p16:designElem xmlns:p16="http://schemas.microsoft.com/office/powerpoint/2015/main" val="1"/>
+              </p:ext>
+            </p:extLst>
+          </p:nvPr>
+        </p:nvSpPr>
+        <p:spPr>
+          <a:xfrm>
+            <a:off x="0" y="2019476"/>
+            <a:ext cx="12192000" cy="4105941"/>
+          </a:xfrm>
+          <a:prstGeom prst="rect">
+            <a:avLst/>
+          </a:prstGeom>
+          <a:gradFill flip="none" rotWithShape="1">
+            <a:gsLst>
+              <a:gs pos="0">
+                <a:schemeClr val="bg2">
+                  <a:alpha val="0"/>
+                </a:schemeClr>
+              </a:gs>
+              <a:gs pos="100000">
+                <a:schemeClr val="bg2"/>
+              </a:gs>
+            </a:gsLst>
+            <a:lin ang="5400000" scaled="0"/>
+            <a:tileRect/>
+          </a:gradFill>
+          <a:ln>
+            <a:noFill/>
+          </a:ln>
+        </p:spPr>
+        <p:style>
+          <a:lnRef idx="2">
+            <a:schemeClr val="accent1">
+              <a:shade val="50000"/>
+            </a:schemeClr>
+          </a:lnRef>
+          <a:fillRef idx="1">
+            <a:schemeClr val="accent1"/>
+          </a:fillRef>
+          <a:effectRef idx="0">
+            <a:schemeClr val="accent1"/>
+          </a:effectRef>
+          <a:fontRef idx="minor">
+            <a:schemeClr val="lt1"/>
+          </a:fontRef>
+        </p:style>
+      </p:sp>
+      <p:pic>
+        <p:nvPicPr>
+          <p:cNvPr id="21" name="Picture 11">
+            <a:extLst>
+              <a:ext uri="{FF2B5EF4-FFF2-40B4-BE49-F238E27FC236}">
+                <a16:creationId xmlns:a16="http://schemas.microsoft.com/office/drawing/2014/main" id="{C900681B-C4FD-40B3-B5BC-C33231614C91}"/>
+              </a:ext>
+              <a:ext uri="{C183D7F6-B498-43B3-948B-1728B52AA6E4}">
+                <adec:decorative xmlns:adec="http://schemas.microsoft.com/office/drawing/2017/decorative" val="1"/>
+              </a:ext>
+            </a:extLst>
+          </p:cNvPr>
+          <p:cNvPicPr>
+            <a:picLocks noGrp="1" noRot="1" noChangeAspect="1" noMove="1" noResize="1" noEditPoints="1" noAdjustHandles="1" noChangeArrowheads="1" noChangeShapeType="1" noCrop="1"/>
+          </p:cNvPicPr>
+          <p:nvPr>
+            <p:extLst>
+              <p:ext uri="{386F3935-93C4-4BCD-93E2-E3B085C9AB24}">
+                <p16:designElem xmlns:p16="http://schemas.microsoft.com/office/powerpoint/2015/main" val="1"/>
+              </p:ext>
+            </p:extLst>
+          </p:nvPr>
+        </p:nvPicPr>
+        <p:blipFill rotWithShape="1">
+          <a:blip r:embed="rId2">
+            <a:extLst>
+              <a:ext uri="{28A0092B-C50C-407E-A947-70E740481C1C}">
+                <a14:useLocalDpi xmlns:a14="http://schemas.microsoft.com/office/drawing/2010/main" val="0"/>
+              </a:ext>
+            </a:extLst>
+          </a:blip>
+          <a:srcRect t="1538" b="-1538"/>
+          <a:stretch/>
+        </p:blipFill>
+        <p:spPr bwMode="black">
+          <a:xfrm>
+            <a:off x="0" y="6126480"/>
+            <a:ext cx="12192000" cy="742950"/>
+          </a:xfrm>
+          <a:prstGeom prst="rect">
+            <a:avLst/>
+          </a:prstGeom>
+        </p:spPr>
+      </p:pic>
+      <p:cxnSp>
+        <p:nvCxnSpPr>
+          <p:cNvPr id="22" name="Straight Connector 13">
+            <a:extLst>
+              <a:ext uri="{FF2B5EF4-FFF2-40B4-BE49-F238E27FC236}">
+                <a16:creationId xmlns:a16="http://schemas.microsoft.com/office/drawing/2014/main" id="{FEAACD67-2FB5-4530-9B74-8D946F1CE9E3}"/>
+              </a:ext>
+              <a:ext uri="{C183D7F6-B498-43B3-948B-1728B52AA6E4}">
+                <adec:decorative xmlns:adec="http://schemas.microsoft.com/office/drawing/2017/decorative" val="1"/>
+              </a:ext>
+            </a:extLst>
+          </p:cNvPr>
+          <p:cNvCxnSpPr>
+            <a:cxnSpLocks noGrp="1" noRot="1" noChangeAspect="1" noMove="1" noResize="1" noEditPoints="1" noAdjustHandles="1" noChangeArrowheads="1" noChangeShapeType="1"/>
+          </p:cNvCxnSpPr>
+          <p:nvPr>
+            <p:extLst>
+              <p:ext uri="{386F3935-93C4-4BCD-93E2-E3B085C9AB24}">
+                <p16:designElem xmlns:p16="http://schemas.microsoft.com/office/powerpoint/2015/main" val="1"/>
+              </p:ext>
+            </p:extLst>
+          </p:nvPr>
+        </p:nvCxnSpPr>
+        <p:spPr>
+          <a:xfrm>
+            <a:off x="0" y="6128413"/>
+            <a:ext cx="12192000" cy="0"/>
+          </a:xfrm>
+          <a:prstGeom prst="line">
+            <a:avLst/>
+          </a:prstGeom>
+          <a:ln w="12700">
+            <a:solidFill>
+              <a:srgbClr val="000001">
+                <a:alpha val="20000"/>
+              </a:srgbClr>
+            </a:solidFill>
+          </a:ln>
+        </p:spPr>
+        <p:style>
+          <a:lnRef idx="1">
+            <a:schemeClr val="accent1"/>
+          </a:lnRef>
+          <a:fillRef idx="0">
+            <a:schemeClr val="accent1"/>
+          </a:fillRef>
+          <a:effectRef idx="0">
+            <a:schemeClr val="accent1"/>
+          </a:effectRef>
+          <a:fontRef idx="minor">
+            <a:schemeClr val="tx1"/>
+          </a:fontRef>
+        </p:style>
+      </p:cxnSp>
+      <p:sp>
+        <p:nvSpPr>
+          <p:cNvPr id="6" name="Content Placeholder 5">
+            <a:extLst>
+              <a:ext uri="{FF2B5EF4-FFF2-40B4-BE49-F238E27FC236}">
+                <a16:creationId xmlns:a16="http://schemas.microsoft.com/office/drawing/2014/main" id="{F8BF2DDA-44D7-4D26-B6CE-5FE6BDF00890}"/>
+              </a:ext>
+            </a:extLst>
+          </p:cNvPr>
+          <p:cNvSpPr>
+            <a:spLocks noGrp="1"/>
+          </p:cNvSpPr>
+          <p:nvPr>
+            <p:ph idx="1"/>
+          </p:nvPr>
+        </p:nvSpPr>
+        <p:spPr/>
+        <p:txBody>
+          <a:bodyPr/>
+          <a:lstStyle/>
+          <a:p>
+            <a:endParaRPr lang="en-US"/>
+          </a:p>
+        </p:txBody>
+      </p:sp>
+      <p:pic>
+        <p:nvPicPr>
+          <p:cNvPr id="8" name="Picture 7">
+            <a:extLst>
+              <a:ext uri="{FF2B5EF4-FFF2-40B4-BE49-F238E27FC236}">
+                <a16:creationId xmlns:a16="http://schemas.microsoft.com/office/drawing/2014/main" id="{19D57F7D-2820-4653-B31B-E675681F2842}"/>
+              </a:ext>
+            </a:extLst>
+          </p:cNvPr>
+          <p:cNvPicPr>
+            <a:picLocks noChangeAspect="1"/>
+          </p:cNvPicPr>
+          <p:nvPr/>
+        </p:nvPicPr>
+        <p:blipFill>
+          <a:blip r:embed="rId3"/>
+          <a:stretch>
+            <a:fillRect/>
+          </a:stretch>
+        </p:blipFill>
+        <p:spPr>
+          <a:xfrm>
+            <a:off x="0" y="-25854"/>
+            <a:ext cx="12192000" cy="6883850"/>
+          </a:xfrm>
+          <a:prstGeom prst="rect">
+            <a:avLst/>
+          </a:prstGeom>
+        </p:spPr>
+      </p:pic>
+    </p:spTree>
+    <p:extLst>
+      <p:ext uri="{BB962C8B-B14F-4D97-AF65-F5344CB8AC3E}">
+        <p14:creationId xmlns:p14="http://schemas.microsoft.com/office/powerpoint/2010/main" val="4081842555"/>
       </p:ext>
     </p:extLst>
   </p:cSld>

--- a/presentation.pptx
+++ b/presentation.pptx
@@ -15,6 +15,7 @@
     <p:sldId id="263" r:id="rId9"/>
     <p:sldId id="264" r:id="rId10"/>
     <p:sldId id="265" r:id="rId11"/>
+    <p:sldId id="266" r:id="rId12"/>
   </p:sldIdLst>
   <p:sldSz cx="12192000" cy="6858000"/>
   <p:notesSz cx="6858000" cy="9144000"/>
@@ -260,7 +261,7 @@
           <a:p>
             <a:fld id="{8A2BBEBD-EE18-4698-8C3A-2B836B66980C}" type="datetimeFigureOut">
               <a:rPr lang="en-US" smtClean="0"/>
-              <a:t>12/2/2018</a:t>
+              <a:t>12/3/2018</a:t>
             </a:fld>
             <a:endParaRPr lang="en-US"/>
           </a:p>
@@ -471,7 +472,7 @@
           <a:p>
             <a:fld id="{8A2BBEBD-EE18-4698-8C3A-2B836B66980C}" type="datetimeFigureOut">
               <a:rPr lang="en-US" smtClean="0"/>
-              <a:t>12/2/2018</a:t>
+              <a:t>12/3/2018</a:t>
             </a:fld>
             <a:endParaRPr lang="en-US"/>
           </a:p>
@@ -686,7 +687,7 @@
           <a:p>
             <a:fld id="{8A2BBEBD-EE18-4698-8C3A-2B836B66980C}" type="datetimeFigureOut">
               <a:rPr lang="en-US" smtClean="0"/>
-              <a:t>12/2/2018</a:t>
+              <a:t>12/3/2018</a:t>
             </a:fld>
             <a:endParaRPr lang="en-US"/>
           </a:p>
@@ -887,7 +888,7 @@
           <a:p>
             <a:fld id="{8A2BBEBD-EE18-4698-8C3A-2B836B66980C}" type="datetimeFigureOut">
               <a:rPr lang="en-US" smtClean="0"/>
-              <a:t>12/2/2018</a:t>
+              <a:t>12/3/2018</a:t>
             </a:fld>
             <a:endParaRPr lang="en-US"/>
           </a:p>
@@ -1166,7 +1167,7 @@
           <a:p>
             <a:fld id="{8A2BBEBD-EE18-4698-8C3A-2B836B66980C}" type="datetimeFigureOut">
               <a:rPr lang="en-US" smtClean="0"/>
-              <a:t>12/2/2018</a:t>
+              <a:t>12/3/2018</a:t>
             </a:fld>
             <a:endParaRPr lang="en-US"/>
           </a:p>
@@ -1434,7 +1435,7 @@
           <a:p>
             <a:fld id="{8A2BBEBD-EE18-4698-8C3A-2B836B66980C}" type="datetimeFigureOut">
               <a:rPr lang="en-US" smtClean="0"/>
-              <a:t>12/2/2018</a:t>
+              <a:t>12/3/2018</a:t>
             </a:fld>
             <a:endParaRPr lang="en-US"/>
           </a:p>
@@ -1850,7 +1851,7 @@
           <a:p>
             <a:fld id="{8A2BBEBD-EE18-4698-8C3A-2B836B66980C}" type="datetimeFigureOut">
               <a:rPr lang="en-US" smtClean="0"/>
-              <a:t>12/2/2018</a:t>
+              <a:t>12/3/2018</a:t>
             </a:fld>
             <a:endParaRPr lang="en-US"/>
           </a:p>
@@ -1999,7 +2000,7 @@
           <a:p>
             <a:fld id="{8A2BBEBD-EE18-4698-8C3A-2B836B66980C}" type="datetimeFigureOut">
               <a:rPr lang="en-US" smtClean="0"/>
-              <a:t>12/2/2018</a:t>
+              <a:t>12/3/2018</a:t>
             </a:fld>
             <a:endParaRPr lang="en-US"/>
           </a:p>
@@ -2125,7 +2126,7 @@
           <a:p>
             <a:fld id="{8A2BBEBD-EE18-4698-8C3A-2B836B66980C}" type="datetimeFigureOut">
               <a:rPr lang="en-US" smtClean="0"/>
-              <a:t>12/2/2018</a:t>
+              <a:t>12/3/2018</a:t>
             </a:fld>
             <a:endParaRPr lang="en-US"/>
           </a:p>
@@ -2376,7 +2377,7 @@
           <a:p>
             <a:fld id="{8A2BBEBD-EE18-4698-8C3A-2B836B66980C}" type="datetimeFigureOut">
               <a:rPr lang="en-US" smtClean="0"/>
-              <a:t>12/2/2018</a:t>
+              <a:t>12/3/2018</a:t>
             </a:fld>
             <a:endParaRPr lang="en-US"/>
           </a:p>
@@ -2821,7 +2822,7 @@
           <a:p>
             <a:fld id="{8A2BBEBD-EE18-4698-8C3A-2B836B66980C}" type="datetimeFigureOut">
               <a:rPr lang="en-US" smtClean="0"/>
-              <a:t>12/2/2018</a:t>
+              <a:t>12/3/2018</a:t>
             </a:fld>
             <a:endParaRPr lang="en-US"/>
           </a:p>
@@ -3147,7 +3148,7 @@
           <a:p>
             <a:fld id="{8A2BBEBD-EE18-4698-8C3A-2B836B66980C}" type="datetimeFigureOut">
               <a:rPr lang="en-US" smtClean="0"/>
-              <a:t>12/2/2018</a:t>
+              <a:t>12/3/2018</a:t>
             </a:fld>
             <a:endParaRPr lang="en-US"/>
           </a:p>
@@ -4543,6 +4544,66 @@
 </p:sld>
 </file>
 
+<file path=ppt/slides/slide11.xml><?xml version="1.0" encoding="utf-8"?>
+<p:sld xmlns:a="http://schemas.openxmlformats.org/drawingml/2006/main" xmlns:r="http://schemas.openxmlformats.org/officeDocument/2006/relationships" xmlns:p="http://schemas.openxmlformats.org/presentationml/2006/main">
+  <p:cSld>
+    <p:spTree>
+      <p:nvGrpSpPr>
+        <p:cNvPr id="1" name=""/>
+        <p:cNvGrpSpPr/>
+        <p:nvPr/>
+      </p:nvGrpSpPr>
+      <p:grpSpPr>
+        <a:xfrm>
+          <a:off x="0" y="0"/>
+          <a:ext cx="0" cy="0"/>
+          <a:chOff x="0" y="0"/>
+          <a:chExt cx="0" cy="0"/>
+        </a:xfrm>
+      </p:grpSpPr>
+      <p:sp>
+        <p:nvSpPr>
+          <p:cNvPr id="2" name="Title 1">
+            <a:extLst>
+              <a:ext uri="{FF2B5EF4-FFF2-40B4-BE49-F238E27FC236}">
+                <a16:creationId xmlns:a16="http://schemas.microsoft.com/office/drawing/2014/main" id="{8AEC74C9-CB03-48BB-8C93-BB9AA1718ACB}"/>
+              </a:ext>
+            </a:extLst>
+          </p:cNvPr>
+          <p:cNvSpPr>
+            <a:spLocks noGrp="1"/>
+          </p:cNvSpPr>
+          <p:nvPr>
+            <p:ph type="title"/>
+          </p:nvPr>
+        </p:nvSpPr>
+        <p:spPr/>
+        <p:txBody>
+          <a:bodyPr>
+            <a:normAutofit/>
+          </a:bodyPr>
+          <a:lstStyle/>
+          <a:p>
+            <a:r>
+              <a:rPr lang="en-US" sz="5400" dirty="0"/>
+              <a:t>Questions?</a:t>
+            </a:r>
+          </a:p>
+        </p:txBody>
+      </p:sp>
+    </p:spTree>
+    <p:extLst>
+      <p:ext uri="{BB962C8B-B14F-4D97-AF65-F5344CB8AC3E}">
+        <p14:creationId xmlns:p14="http://schemas.microsoft.com/office/powerpoint/2010/main" val="2468821003"/>
+      </p:ext>
+    </p:extLst>
+  </p:cSld>
+  <p:clrMapOvr>
+    <a:masterClrMapping/>
+  </p:clrMapOvr>
+</p:sld>
+</file>
+
 <file path=ppt/slides/slide2.xml><?xml version="1.0" encoding="utf-8"?>
 <p:sld xmlns:a="http://schemas.openxmlformats.org/drawingml/2006/main" xmlns:r="http://schemas.openxmlformats.org/officeDocument/2006/relationships" xmlns:p="http://schemas.openxmlformats.org/presentationml/2006/main">
   <p:cSld>
@@ -8551,8 +8612,8 @@
         </p:blipFill>
         <p:spPr>
           <a:xfrm>
-            <a:off x="5848869" y="1356664"/>
-            <a:ext cx="5228142" cy="3468660"/>
+            <a:off x="6004461" y="1356664"/>
+            <a:ext cx="5072549" cy="3468660"/>
           </a:xfrm>
           <a:prstGeom prst="rect">
             <a:avLst/>
@@ -9334,26 +9395,6 @@
                         </a:rPr>
                         <m:t>=</m:t>
                       </m:r>
-                    </m:oMath>
-                  </m:oMathPara>
-                </a14:m>
-                <a:endParaRPr lang="en-US" sz="1400" b="0" i="1" dirty="0">
-                  <a:latin typeface="Cambria Math" panose="02040503050406030204" pitchFamily="18" charset="0"/>
-                </a:endParaRPr>
-              </a:p>
-              <a:p>
-                <a:pPr marL="0" indent="0">
-                  <a:lnSpc>
-                    <a:spcPct val="110000"/>
-                  </a:lnSpc>
-                  <a:buNone/>
-                </a:pPr>
-                <a14:m>
-                  <m:oMathPara xmlns:m="http://schemas.openxmlformats.org/officeDocument/2006/math">
-                    <m:oMathParaPr>
-                      <m:jc m:val="centerGroup"/>
-                    </m:oMathParaPr>
-                    <m:oMath xmlns:m="http://schemas.openxmlformats.org/officeDocument/2006/math">
                       <m:r>
                         <m:rPr>
                           <m:nor/>
@@ -9379,7 +9420,7 @@
                         <a:rPr lang="en-US" sz="1400" dirty="0">
                           <a:latin typeface="Cambria Math" panose="02040503050406030204" pitchFamily="18" charset="0"/>
                         </a:rPr>
-                        <m:t>1.08*</m:t>
+                        <m:t>1.08∗</m:t>
                       </m:r>
                       <m:r>
                         <m:rPr>
@@ -9415,7 +9456,7 @@
                         <a:rPr lang="en-US" sz="1400" dirty="0">
                           <a:latin typeface="Cambria Math" panose="02040503050406030204" pitchFamily="18" charset="0"/>
                         </a:rPr>
-                        <m:t>-</m:t>
+                        <m:t>−</m:t>
                       </m:r>
                       <m:r>
                         <m:rPr>
@@ -9433,7 +9474,87 @@
                         <a:rPr lang="en-US" sz="1400" dirty="0">
                           <a:latin typeface="Cambria Math" panose="02040503050406030204" pitchFamily="18" charset="0"/>
                         </a:rPr>
-                        <m:t>]</m:t>
+                        <m:t>] </m:t>
+                      </m:r>
+                    </m:oMath>
+                  </m:oMathPara>
+                </a14:m>
+                <a:endParaRPr lang="en-US" sz="1400" b="0" i="0" dirty="0">
+                  <a:latin typeface="Cambria Math" panose="02040503050406030204" pitchFamily="18" charset="0"/>
+                </a:endParaRPr>
+              </a:p>
+              <a:p>
+                <a:pPr marL="0" indent="0">
+                  <a:lnSpc>
+                    <a:spcPct val="110000"/>
+                  </a:lnSpc>
+                  <a:buNone/>
+                </a:pPr>
+                <a14:m>
+                  <m:oMathPara xmlns:m="http://schemas.openxmlformats.org/officeDocument/2006/math">
+                    <m:oMathParaPr>
+                      <m:jc m:val="centerGroup"/>
+                    </m:oMathParaPr>
+                    <m:oMath xmlns:m="http://schemas.openxmlformats.org/officeDocument/2006/math">
+                      <m:r>
+                        <a:rPr lang="en-US" sz="1400" b="0" i="0" dirty="0" smtClean="0">
+                          <a:latin typeface="Cambria Math" panose="02040503050406030204" pitchFamily="18" charset="0"/>
+                        </a:rPr>
+                        <m:t>−8.06∗</m:t>
+                      </m:r>
+                      <m:r>
+                        <m:rPr>
+                          <m:sty m:val="p"/>
+                        </m:rPr>
+                        <a:rPr lang="en-US" sz="1400" b="0" i="0" dirty="0" smtClean="0">
+                          <a:latin typeface="Cambria Math" panose="02040503050406030204" pitchFamily="18" charset="0"/>
+                        </a:rPr>
+                        <m:t>wt</m:t>
+                      </m:r>
+                      <m:r>
+                        <a:rPr lang="en-US" sz="1400" b="0" i="0" dirty="0" smtClean="0">
+                          <a:latin typeface="Cambria Math" panose="02040503050406030204" pitchFamily="18" charset="0"/>
+                        </a:rPr>
+                        <m:t> −0.11∗</m:t>
+                      </m:r>
+                      <m:r>
+                        <m:rPr>
+                          <m:sty m:val="p"/>
+                        </m:rPr>
+                        <a:rPr lang="en-US" sz="1400" b="0" i="0" dirty="0" smtClean="0">
+                          <a:latin typeface="Cambria Math" panose="02040503050406030204" pitchFamily="18" charset="0"/>
+                        </a:rPr>
+                        <m:t>hp</m:t>
+                      </m:r>
+                      <m:r>
+                        <a:rPr lang="en-US" sz="1400" b="0" i="0" dirty="0" smtClean="0">
+                          <a:latin typeface="Cambria Math" panose="02040503050406030204" pitchFamily="18" charset="0"/>
+                        </a:rPr>
+                        <m:t>+0.03∗</m:t>
+                      </m:r>
+                      <m:r>
+                        <m:rPr>
+                          <m:sty m:val="p"/>
+                        </m:rPr>
+                        <a:rPr lang="en-US" sz="1400" b="0" i="0" dirty="0" smtClean="0">
+                          <a:latin typeface="Cambria Math" panose="02040503050406030204" pitchFamily="18" charset="0"/>
+                        </a:rPr>
+                        <m:t>wt</m:t>
+                      </m:r>
+                      <m:r>
+                        <a:rPr lang="en-US" sz="1400" b="0" i="0" dirty="0" smtClean="0">
+                          <a:latin typeface="Cambria Math" panose="02040503050406030204" pitchFamily="18" charset="0"/>
+                        </a:rPr>
+                        <m:t>∗</m:t>
+                      </m:r>
+                      <m:r>
+                        <m:rPr>
+                          <m:sty m:val="p"/>
+                        </m:rPr>
+                        <a:rPr lang="en-US" sz="1400" b="0" i="0" dirty="0" smtClean="0">
+                          <a:latin typeface="Cambria Math" panose="02040503050406030204" pitchFamily="18" charset="0"/>
+                        </a:rPr>
+                        <m:t>hp</m:t>
                       </m:r>
                       <m:r>
                         <a:rPr lang="en-US" sz="1400">
